--- a/pictures/drawings.pptx
+++ b/pictures/drawings.pptx
@@ -4,12 +4,8 @@
   <p:sldMasterIdLst>
     <p:sldMasterId id="2147483648" r:id="rId1"/>
   </p:sldMasterIdLst>
-  <p:notesMasterIdLst>
-    <p:notesMasterId r:id="rId4"/>
-  </p:notesMasterIdLst>
   <p:sldIdLst>
     <p:sldId id="256" r:id="rId2"/>
-    <p:sldId id="257" r:id="rId3"/>
   </p:sldIdLst>
   <p:sldSz cx="12192000" cy="6858000"/>
   <p:notesSz cx="6858000" cy="9144000"/>
@@ -111,440 +107,6 @@
 </p:presentation>
 </file>
 
-<file path=ppt/notesMasters/notesMaster1.xml><?xml version="1.0" encoding="utf-8"?>
-<p:notesMaster xmlns:a="http://schemas.openxmlformats.org/drawingml/2006/main" xmlns:r="http://schemas.openxmlformats.org/officeDocument/2006/relationships" xmlns:p="http://schemas.openxmlformats.org/presentationml/2006/main">
-  <p:cSld>
-    <p:bg>
-      <p:bgRef idx="1001">
-        <a:schemeClr val="bg1"/>
-      </p:bgRef>
-    </p:bg>
-    <p:spTree>
-      <p:nvGrpSpPr>
-        <p:cNvPr id="1" name=""/>
-        <p:cNvGrpSpPr/>
-        <p:nvPr/>
-      </p:nvGrpSpPr>
-      <p:grpSpPr>
-        <a:xfrm>
-          <a:off x="0" y="0"/>
-          <a:ext cx="0" cy="0"/>
-          <a:chOff x="0" y="0"/>
-          <a:chExt cx="0" cy="0"/>
-        </a:xfrm>
-      </p:grpSpPr>
-      <p:sp>
-        <p:nvSpPr>
-          <p:cNvPr id="2" name="Header Placeholder 1"/>
-          <p:cNvSpPr>
-            <a:spLocks noGrp="1"/>
-          </p:cNvSpPr>
-          <p:nvPr>
-            <p:ph type="hdr" sz="quarter"/>
-          </p:nvPr>
-        </p:nvSpPr>
-        <p:spPr>
-          <a:xfrm>
-            <a:off x="0" y="0"/>
-            <a:ext cx="2971800" cy="458788"/>
-          </a:xfrm>
-          <a:prstGeom prst="rect">
-            <a:avLst/>
-          </a:prstGeom>
-        </p:spPr>
-        <p:txBody>
-          <a:bodyPr vert="horz" lIns="91440" tIns="45720" rIns="91440" bIns="45720" rtlCol="0"/>
-          <a:lstStyle>
-            <a:lvl1pPr algn="l">
-              <a:defRPr sz="1200"/>
-            </a:lvl1pPr>
-          </a:lstStyle>
-          <a:p>
-            <a:endParaRPr lang="en-GB"/>
-          </a:p>
-        </p:txBody>
-      </p:sp>
-      <p:sp>
-        <p:nvSpPr>
-          <p:cNvPr id="3" name="Date Placeholder 2"/>
-          <p:cNvSpPr>
-            <a:spLocks noGrp="1"/>
-          </p:cNvSpPr>
-          <p:nvPr>
-            <p:ph type="dt" idx="1"/>
-          </p:nvPr>
-        </p:nvSpPr>
-        <p:spPr>
-          <a:xfrm>
-            <a:off x="3884613" y="0"/>
-            <a:ext cx="2971800" cy="458788"/>
-          </a:xfrm>
-          <a:prstGeom prst="rect">
-            <a:avLst/>
-          </a:prstGeom>
-        </p:spPr>
-        <p:txBody>
-          <a:bodyPr vert="horz" lIns="91440" tIns="45720" rIns="91440" bIns="45720" rtlCol="0"/>
-          <a:lstStyle>
-            <a:lvl1pPr algn="r">
-              <a:defRPr sz="1200"/>
-            </a:lvl1pPr>
-          </a:lstStyle>
-          <a:p>
-            <a:fld id="{89CCFA84-0174-418E-B7E1-8D58E22878F1}" type="datetimeFigureOut">
-              <a:rPr lang="en-GB" smtClean="0"/>
-              <a:t>14/10/2025</a:t>
-            </a:fld>
-            <a:endParaRPr lang="en-GB"/>
-          </a:p>
-        </p:txBody>
-      </p:sp>
-      <p:sp>
-        <p:nvSpPr>
-          <p:cNvPr id="4" name="Slide Image Placeholder 3"/>
-          <p:cNvSpPr>
-            <a:spLocks noGrp="1" noRot="1" noChangeAspect="1"/>
-          </p:cNvSpPr>
-          <p:nvPr>
-            <p:ph type="sldImg" idx="2"/>
-          </p:nvPr>
-        </p:nvSpPr>
-        <p:spPr>
-          <a:xfrm>
-            <a:off x="685800" y="1143000"/>
-            <a:ext cx="5486400" cy="3086100"/>
-          </a:xfrm>
-          <a:prstGeom prst="rect">
-            <a:avLst/>
-          </a:prstGeom>
-          <a:noFill/>
-          <a:ln w="12700">
-            <a:solidFill>
-              <a:prstClr val="black"/>
-            </a:solidFill>
-          </a:ln>
-        </p:spPr>
-        <p:txBody>
-          <a:bodyPr vert="horz" lIns="91440" tIns="45720" rIns="91440" bIns="45720" rtlCol="0" anchor="ctr"/>
-          <a:lstStyle/>
-          <a:p>
-            <a:endParaRPr lang="en-GB"/>
-          </a:p>
-        </p:txBody>
-      </p:sp>
-      <p:sp>
-        <p:nvSpPr>
-          <p:cNvPr id="5" name="Notes Placeholder 4"/>
-          <p:cNvSpPr>
-            <a:spLocks noGrp="1"/>
-          </p:cNvSpPr>
-          <p:nvPr>
-            <p:ph type="body" sz="quarter" idx="3"/>
-          </p:nvPr>
-        </p:nvSpPr>
-        <p:spPr>
-          <a:xfrm>
-            <a:off x="685800" y="4400550"/>
-            <a:ext cx="5486400" cy="3600450"/>
-          </a:xfrm>
-          <a:prstGeom prst="rect">
-            <a:avLst/>
-          </a:prstGeom>
-        </p:spPr>
-        <p:txBody>
-          <a:bodyPr vert="horz" lIns="91440" tIns="45720" rIns="91440" bIns="45720" rtlCol="0"/>
-          <a:lstStyle/>
-          <a:p>
-            <a:pPr lvl="0"/>
-            <a:r>
-              <a:rPr lang="en-US"/>
-              <a:t>Click to edit Master text styles</a:t>
-            </a:r>
-          </a:p>
-          <a:p>
-            <a:pPr lvl="1"/>
-            <a:r>
-              <a:rPr lang="en-US"/>
-              <a:t>Second level</a:t>
-            </a:r>
-          </a:p>
-          <a:p>
-            <a:pPr lvl="2"/>
-            <a:r>
-              <a:rPr lang="en-US"/>
-              <a:t>Third level</a:t>
-            </a:r>
-          </a:p>
-          <a:p>
-            <a:pPr lvl="3"/>
-            <a:r>
-              <a:rPr lang="en-US"/>
-              <a:t>Fourth level</a:t>
-            </a:r>
-          </a:p>
-          <a:p>
-            <a:pPr lvl="4"/>
-            <a:r>
-              <a:rPr lang="en-US"/>
-              <a:t>Fifth level</a:t>
-            </a:r>
-            <a:endParaRPr lang="en-GB"/>
-          </a:p>
-        </p:txBody>
-      </p:sp>
-      <p:sp>
-        <p:nvSpPr>
-          <p:cNvPr id="6" name="Footer Placeholder 5"/>
-          <p:cNvSpPr>
-            <a:spLocks noGrp="1"/>
-          </p:cNvSpPr>
-          <p:nvPr>
-            <p:ph type="ftr" sz="quarter" idx="4"/>
-          </p:nvPr>
-        </p:nvSpPr>
-        <p:spPr>
-          <a:xfrm>
-            <a:off x="0" y="8685213"/>
-            <a:ext cx="2971800" cy="458787"/>
-          </a:xfrm>
-          <a:prstGeom prst="rect">
-            <a:avLst/>
-          </a:prstGeom>
-        </p:spPr>
-        <p:txBody>
-          <a:bodyPr vert="horz" lIns="91440" tIns="45720" rIns="91440" bIns="45720" rtlCol="0" anchor="b"/>
-          <a:lstStyle>
-            <a:lvl1pPr algn="l">
-              <a:defRPr sz="1200"/>
-            </a:lvl1pPr>
-          </a:lstStyle>
-          <a:p>
-            <a:endParaRPr lang="en-GB"/>
-          </a:p>
-        </p:txBody>
-      </p:sp>
-      <p:sp>
-        <p:nvSpPr>
-          <p:cNvPr id="7" name="Slide Number Placeholder 6"/>
-          <p:cNvSpPr>
-            <a:spLocks noGrp="1"/>
-          </p:cNvSpPr>
-          <p:nvPr>
-            <p:ph type="sldNum" sz="quarter" idx="5"/>
-          </p:nvPr>
-        </p:nvSpPr>
-        <p:spPr>
-          <a:xfrm>
-            <a:off x="3884613" y="8685213"/>
-            <a:ext cx="2971800" cy="458787"/>
-          </a:xfrm>
-          <a:prstGeom prst="rect">
-            <a:avLst/>
-          </a:prstGeom>
-        </p:spPr>
-        <p:txBody>
-          <a:bodyPr vert="horz" lIns="91440" tIns="45720" rIns="91440" bIns="45720" rtlCol="0" anchor="b"/>
-          <a:lstStyle>
-            <a:lvl1pPr algn="r">
-              <a:defRPr sz="1200"/>
-            </a:lvl1pPr>
-          </a:lstStyle>
-          <a:p>
-            <a:fld id="{6AC27234-7822-493A-882D-7CD56381B88E}" type="slidenum">
-              <a:rPr lang="en-GB" smtClean="0"/>
-              <a:t>‹#›</a:t>
-            </a:fld>
-            <a:endParaRPr lang="en-GB"/>
-          </a:p>
-        </p:txBody>
-      </p:sp>
-    </p:spTree>
-    <p:extLst>
-      <p:ext uri="{BB962C8B-B14F-4D97-AF65-F5344CB8AC3E}">
-        <p14:creationId xmlns:p14="http://schemas.microsoft.com/office/powerpoint/2010/main" val="1013434293"/>
-      </p:ext>
-    </p:extLst>
-  </p:cSld>
-  <p:clrMap bg1="lt1" tx1="dk1" bg2="lt2" tx2="dk2" accent1="accent1" accent2="accent2" accent3="accent3" accent4="accent4" accent5="accent5" accent6="accent6" hlink="hlink" folHlink="folHlink"/>
-  <p:notesStyle>
-    <a:lvl1pPr marL="0" algn="l" defTabSz="914400" rtl="0" eaLnBrk="1" latinLnBrk="0" hangingPunct="1">
-      <a:defRPr sz="1200" kern="1200">
-        <a:solidFill>
-          <a:schemeClr val="tx1"/>
-        </a:solidFill>
-        <a:latin typeface="+mn-lt"/>
-        <a:ea typeface="+mn-ea"/>
-        <a:cs typeface="+mn-cs"/>
-      </a:defRPr>
-    </a:lvl1pPr>
-    <a:lvl2pPr marL="457200" algn="l" defTabSz="914400" rtl="0" eaLnBrk="1" latinLnBrk="0" hangingPunct="1">
-      <a:defRPr sz="1200" kern="1200">
-        <a:solidFill>
-          <a:schemeClr val="tx1"/>
-        </a:solidFill>
-        <a:latin typeface="+mn-lt"/>
-        <a:ea typeface="+mn-ea"/>
-        <a:cs typeface="+mn-cs"/>
-      </a:defRPr>
-    </a:lvl2pPr>
-    <a:lvl3pPr marL="914400" algn="l" defTabSz="914400" rtl="0" eaLnBrk="1" latinLnBrk="0" hangingPunct="1">
-      <a:defRPr sz="1200" kern="1200">
-        <a:solidFill>
-          <a:schemeClr val="tx1"/>
-        </a:solidFill>
-        <a:latin typeface="+mn-lt"/>
-        <a:ea typeface="+mn-ea"/>
-        <a:cs typeface="+mn-cs"/>
-      </a:defRPr>
-    </a:lvl3pPr>
-    <a:lvl4pPr marL="1371600" algn="l" defTabSz="914400" rtl="0" eaLnBrk="1" latinLnBrk="0" hangingPunct="1">
-      <a:defRPr sz="1200" kern="1200">
-        <a:solidFill>
-          <a:schemeClr val="tx1"/>
-        </a:solidFill>
-        <a:latin typeface="+mn-lt"/>
-        <a:ea typeface="+mn-ea"/>
-        <a:cs typeface="+mn-cs"/>
-      </a:defRPr>
-    </a:lvl4pPr>
-    <a:lvl5pPr marL="1828800" algn="l" defTabSz="914400" rtl="0" eaLnBrk="1" latinLnBrk="0" hangingPunct="1">
-      <a:defRPr sz="1200" kern="1200">
-        <a:solidFill>
-          <a:schemeClr val="tx1"/>
-        </a:solidFill>
-        <a:latin typeface="+mn-lt"/>
-        <a:ea typeface="+mn-ea"/>
-        <a:cs typeface="+mn-cs"/>
-      </a:defRPr>
-    </a:lvl5pPr>
-    <a:lvl6pPr marL="2286000" algn="l" defTabSz="914400" rtl="0" eaLnBrk="1" latinLnBrk="0" hangingPunct="1">
-      <a:defRPr sz="1200" kern="1200">
-        <a:solidFill>
-          <a:schemeClr val="tx1"/>
-        </a:solidFill>
-        <a:latin typeface="+mn-lt"/>
-        <a:ea typeface="+mn-ea"/>
-        <a:cs typeface="+mn-cs"/>
-      </a:defRPr>
-    </a:lvl6pPr>
-    <a:lvl7pPr marL="2743200" algn="l" defTabSz="914400" rtl="0" eaLnBrk="1" latinLnBrk="0" hangingPunct="1">
-      <a:defRPr sz="1200" kern="1200">
-        <a:solidFill>
-          <a:schemeClr val="tx1"/>
-        </a:solidFill>
-        <a:latin typeface="+mn-lt"/>
-        <a:ea typeface="+mn-ea"/>
-        <a:cs typeface="+mn-cs"/>
-      </a:defRPr>
-    </a:lvl7pPr>
-    <a:lvl8pPr marL="3200400" algn="l" defTabSz="914400" rtl="0" eaLnBrk="1" latinLnBrk="0" hangingPunct="1">
-      <a:defRPr sz="1200" kern="1200">
-        <a:solidFill>
-          <a:schemeClr val="tx1"/>
-        </a:solidFill>
-        <a:latin typeface="+mn-lt"/>
-        <a:ea typeface="+mn-ea"/>
-        <a:cs typeface="+mn-cs"/>
-      </a:defRPr>
-    </a:lvl8pPr>
-    <a:lvl9pPr marL="3657600" algn="l" defTabSz="914400" rtl="0" eaLnBrk="1" latinLnBrk="0" hangingPunct="1">
-      <a:defRPr sz="1200" kern="1200">
-        <a:solidFill>
-          <a:schemeClr val="tx1"/>
-        </a:solidFill>
-        <a:latin typeface="+mn-lt"/>
-        <a:ea typeface="+mn-ea"/>
-        <a:cs typeface="+mn-cs"/>
-      </a:defRPr>
-    </a:lvl9pPr>
-  </p:notesStyle>
-</p:notesMaster>
-</file>
-
-<file path=ppt/notesSlides/notesSlide1.xml><?xml version="1.0" encoding="utf-8"?>
-<p:notes xmlns:a="http://schemas.openxmlformats.org/drawingml/2006/main" xmlns:r="http://schemas.openxmlformats.org/officeDocument/2006/relationships" xmlns:p="http://schemas.openxmlformats.org/presentationml/2006/main">
-  <p:cSld>
-    <p:spTree>
-      <p:nvGrpSpPr>
-        <p:cNvPr id="1" name=""/>
-        <p:cNvGrpSpPr/>
-        <p:nvPr/>
-      </p:nvGrpSpPr>
-      <p:grpSpPr>
-        <a:xfrm>
-          <a:off x="0" y="0"/>
-          <a:ext cx="0" cy="0"/>
-          <a:chOff x="0" y="0"/>
-          <a:chExt cx="0" cy="0"/>
-        </a:xfrm>
-      </p:grpSpPr>
-      <p:sp>
-        <p:nvSpPr>
-          <p:cNvPr id="2" name="Slide Image Placeholder 1"/>
-          <p:cNvSpPr>
-            <a:spLocks noGrp="1" noRot="1" noChangeAspect="1"/>
-          </p:cNvSpPr>
-          <p:nvPr>
-            <p:ph type="sldImg"/>
-          </p:nvPr>
-        </p:nvSpPr>
-        <p:spPr/>
-      </p:sp>
-      <p:sp>
-        <p:nvSpPr>
-          <p:cNvPr id="3" name="Notes Placeholder 2"/>
-          <p:cNvSpPr>
-            <a:spLocks noGrp="1"/>
-          </p:cNvSpPr>
-          <p:nvPr>
-            <p:ph type="body" idx="1"/>
-          </p:nvPr>
-        </p:nvSpPr>
-        <p:spPr/>
-        <p:txBody>
-          <a:bodyPr/>
-          <a:lstStyle/>
-          <a:p>
-            <a:endParaRPr lang="en-GB" dirty="0"/>
-          </a:p>
-        </p:txBody>
-      </p:sp>
-      <p:sp>
-        <p:nvSpPr>
-          <p:cNvPr id="4" name="Slide Number Placeholder 3"/>
-          <p:cNvSpPr>
-            <a:spLocks noGrp="1"/>
-          </p:cNvSpPr>
-          <p:nvPr>
-            <p:ph type="sldNum" sz="quarter" idx="5"/>
-          </p:nvPr>
-        </p:nvSpPr>
-        <p:spPr/>
-        <p:txBody>
-          <a:bodyPr/>
-          <a:lstStyle/>
-          <a:p>
-            <a:fld id="{6AC27234-7822-493A-882D-7CD56381B88E}" type="slidenum">
-              <a:rPr lang="en-GB" smtClean="0"/>
-              <a:t>2</a:t>
-            </a:fld>
-            <a:endParaRPr lang="en-GB"/>
-          </a:p>
-        </p:txBody>
-      </p:sp>
-    </p:spTree>
-    <p:extLst>
-      <p:ext uri="{BB962C8B-B14F-4D97-AF65-F5344CB8AC3E}">
-        <p14:creationId xmlns:p14="http://schemas.microsoft.com/office/powerpoint/2010/main" val="2824073057"/>
-      </p:ext>
-    </p:extLst>
-  </p:cSld>
-  <p:clrMapOvr>
-    <a:masterClrMapping/>
-  </p:clrMapOvr>
-</p:notes>
-</file>
-
 <file path=ppt/slideLayouts/slideLayout1.xml><?xml version="1.0" encoding="utf-8"?>
 <p:sldLayout xmlns:a="http://schemas.openxmlformats.org/drawingml/2006/main" xmlns:r="http://schemas.openxmlformats.org/officeDocument/2006/relationships" xmlns:p="http://schemas.openxmlformats.org/presentationml/2006/main" type="title" preserve="1">
   <p:cSld name="Title Slide">
@@ -567,7 +129,7 @@
           <p:cNvPr id="2" name="Title 1">
             <a:extLst>
               <a:ext uri="{FF2B5EF4-FFF2-40B4-BE49-F238E27FC236}">
-                <a16:creationId xmlns:a16="http://schemas.microsoft.com/office/drawing/2014/main" id="{C66D7D56-BC14-0B8C-0B81-74F6F81701EE}"/>
+                <a16:creationId xmlns:a16="http://schemas.microsoft.com/office/drawing/2014/main" id="{8BDE386A-96E2-AF38-6F4C-B085CA0BDEB6}"/>
               </a:ext>
             </a:extLst>
           </p:cNvPr>
@@ -605,7 +167,7 @@
           <p:cNvPr id="3" name="Subtitle 2">
             <a:extLst>
               <a:ext uri="{FF2B5EF4-FFF2-40B4-BE49-F238E27FC236}">
-                <a16:creationId xmlns:a16="http://schemas.microsoft.com/office/drawing/2014/main" id="{3B18512C-936E-E8BB-DA25-2B4B4AB68F24}"/>
+                <a16:creationId xmlns:a16="http://schemas.microsoft.com/office/drawing/2014/main" id="{A7912C20-A135-8FEE-0409-3BB4103693A5}"/>
               </a:ext>
             </a:extLst>
           </p:cNvPr>
@@ -676,7 +238,7 @@
           <p:cNvPr id="4" name="Date Placeholder 3">
             <a:extLst>
               <a:ext uri="{FF2B5EF4-FFF2-40B4-BE49-F238E27FC236}">
-                <a16:creationId xmlns:a16="http://schemas.microsoft.com/office/drawing/2014/main" id="{B4AD533B-43B4-C97C-BDB2-11C55238DA00}"/>
+                <a16:creationId xmlns:a16="http://schemas.microsoft.com/office/drawing/2014/main" id="{BEDEC380-BAB6-A7FB-FCB3-7EAAD99526BA}"/>
               </a:ext>
             </a:extLst>
           </p:cNvPr>
@@ -692,9 +254,9 @@
           <a:bodyPr/>
           <a:lstStyle/>
           <a:p>
-            <a:fld id="{E37AE081-BA87-43EE-B99D-C6C310204E90}" type="datetimeFigureOut">
+            <a:fld id="{4B21A34F-9ACB-4B9A-AC90-B216D47E3709}" type="datetimeFigureOut">
               <a:rPr lang="en-GB" smtClean="0"/>
-              <a:t>13/10/2025</a:t>
+              <a:t>26/10/2025</a:t>
             </a:fld>
             <a:endParaRPr lang="en-GB"/>
           </a:p>
@@ -705,7 +267,7 @@
           <p:cNvPr id="5" name="Footer Placeholder 4">
             <a:extLst>
               <a:ext uri="{FF2B5EF4-FFF2-40B4-BE49-F238E27FC236}">
-                <a16:creationId xmlns:a16="http://schemas.microsoft.com/office/drawing/2014/main" id="{01F14BCC-84B3-B223-4352-374AD2104050}"/>
+                <a16:creationId xmlns:a16="http://schemas.microsoft.com/office/drawing/2014/main" id="{DEF2E52E-FD9E-32CC-1C6D-82F2859BE4A7}"/>
               </a:ext>
             </a:extLst>
           </p:cNvPr>
@@ -730,7 +292,7 @@
           <p:cNvPr id="6" name="Slide Number Placeholder 5">
             <a:extLst>
               <a:ext uri="{FF2B5EF4-FFF2-40B4-BE49-F238E27FC236}">
-                <a16:creationId xmlns:a16="http://schemas.microsoft.com/office/drawing/2014/main" id="{3B583151-81E5-D6E7-DE9F-208CE4F944C6}"/>
+                <a16:creationId xmlns:a16="http://schemas.microsoft.com/office/drawing/2014/main" id="{FFE99B21-7F33-20D1-1B62-419E771C3FF0}"/>
               </a:ext>
             </a:extLst>
           </p:cNvPr>
@@ -746,7 +308,7 @@
           <a:bodyPr/>
           <a:lstStyle/>
           <a:p>
-            <a:fld id="{D51EF858-C4EE-4350-BFFF-D7F4C0D3A98A}" type="slidenum">
+            <a:fld id="{9E570AA1-92D3-4DFF-BDD7-016ABAE833B1}" type="slidenum">
               <a:rPr lang="en-GB" smtClean="0"/>
               <a:t>‹#›</a:t>
             </a:fld>
@@ -757,7 +319,7 @@
     </p:spTree>
     <p:extLst>
       <p:ext uri="{BB962C8B-B14F-4D97-AF65-F5344CB8AC3E}">
-        <p14:creationId xmlns:p14="http://schemas.microsoft.com/office/powerpoint/2010/main" val="2048071760"/>
+        <p14:creationId xmlns:p14="http://schemas.microsoft.com/office/powerpoint/2010/main" val="2511662215"/>
       </p:ext>
     </p:extLst>
   </p:cSld>
@@ -789,7 +351,7 @@
           <p:cNvPr id="2" name="Title 1">
             <a:extLst>
               <a:ext uri="{FF2B5EF4-FFF2-40B4-BE49-F238E27FC236}">
-                <a16:creationId xmlns:a16="http://schemas.microsoft.com/office/drawing/2014/main" id="{1F47B5C8-FCB7-8935-834D-AE720AA307F8}"/>
+                <a16:creationId xmlns:a16="http://schemas.microsoft.com/office/drawing/2014/main" id="{C6EB37C2-6AB6-47A7-92D6-81EF11F9CA43}"/>
               </a:ext>
             </a:extLst>
           </p:cNvPr>
@@ -818,7 +380,7 @@
           <p:cNvPr id="3" name="Vertical Text Placeholder 2">
             <a:extLst>
               <a:ext uri="{FF2B5EF4-FFF2-40B4-BE49-F238E27FC236}">
-                <a16:creationId xmlns:a16="http://schemas.microsoft.com/office/drawing/2014/main" id="{32D52550-499B-B9CF-31A3-AC0DDA96B65D}"/>
+                <a16:creationId xmlns:a16="http://schemas.microsoft.com/office/drawing/2014/main" id="{BCC2D81D-F136-7B84-F7DF-322D184B044F}"/>
               </a:ext>
             </a:extLst>
           </p:cNvPr>
@@ -876,7 +438,7 @@
           <p:cNvPr id="4" name="Date Placeholder 3">
             <a:extLst>
               <a:ext uri="{FF2B5EF4-FFF2-40B4-BE49-F238E27FC236}">
-                <a16:creationId xmlns:a16="http://schemas.microsoft.com/office/drawing/2014/main" id="{FBDB9977-CD3A-36C9-5A4A-98BD27445DD5}"/>
+                <a16:creationId xmlns:a16="http://schemas.microsoft.com/office/drawing/2014/main" id="{A78DB543-0D81-ABED-1CAA-E495B53C4B89}"/>
               </a:ext>
             </a:extLst>
           </p:cNvPr>
@@ -892,9 +454,9 @@
           <a:bodyPr/>
           <a:lstStyle/>
           <a:p>
-            <a:fld id="{E37AE081-BA87-43EE-B99D-C6C310204E90}" type="datetimeFigureOut">
+            <a:fld id="{4B21A34F-9ACB-4B9A-AC90-B216D47E3709}" type="datetimeFigureOut">
               <a:rPr lang="en-GB" smtClean="0"/>
-              <a:t>13/10/2025</a:t>
+              <a:t>26/10/2025</a:t>
             </a:fld>
             <a:endParaRPr lang="en-GB"/>
           </a:p>
@@ -905,7 +467,7 @@
           <p:cNvPr id="5" name="Footer Placeholder 4">
             <a:extLst>
               <a:ext uri="{FF2B5EF4-FFF2-40B4-BE49-F238E27FC236}">
-                <a16:creationId xmlns:a16="http://schemas.microsoft.com/office/drawing/2014/main" id="{70858E6D-1320-AEC0-FD58-13A132FA40CA}"/>
+                <a16:creationId xmlns:a16="http://schemas.microsoft.com/office/drawing/2014/main" id="{1500C812-A662-37CA-DA14-DB6CA5AD8576}"/>
               </a:ext>
             </a:extLst>
           </p:cNvPr>
@@ -930,7 +492,7 @@
           <p:cNvPr id="6" name="Slide Number Placeholder 5">
             <a:extLst>
               <a:ext uri="{FF2B5EF4-FFF2-40B4-BE49-F238E27FC236}">
-                <a16:creationId xmlns:a16="http://schemas.microsoft.com/office/drawing/2014/main" id="{B9956DDB-BBBC-3333-73EE-ADAE082D3015}"/>
+                <a16:creationId xmlns:a16="http://schemas.microsoft.com/office/drawing/2014/main" id="{37547085-F3BC-0856-ADBC-A25C8F5B3887}"/>
               </a:ext>
             </a:extLst>
           </p:cNvPr>
@@ -946,7 +508,7 @@
           <a:bodyPr/>
           <a:lstStyle/>
           <a:p>
-            <a:fld id="{D51EF858-C4EE-4350-BFFF-D7F4C0D3A98A}" type="slidenum">
+            <a:fld id="{9E570AA1-92D3-4DFF-BDD7-016ABAE833B1}" type="slidenum">
               <a:rPr lang="en-GB" smtClean="0"/>
               <a:t>‹#›</a:t>
             </a:fld>
@@ -957,7 +519,7 @@
     </p:spTree>
     <p:extLst>
       <p:ext uri="{BB962C8B-B14F-4D97-AF65-F5344CB8AC3E}">
-        <p14:creationId xmlns:p14="http://schemas.microsoft.com/office/powerpoint/2010/main" val="3197866647"/>
+        <p14:creationId xmlns:p14="http://schemas.microsoft.com/office/powerpoint/2010/main" val="1731129225"/>
       </p:ext>
     </p:extLst>
   </p:cSld>
@@ -989,7 +551,7 @@
           <p:cNvPr id="2" name="Vertical Title 1">
             <a:extLst>
               <a:ext uri="{FF2B5EF4-FFF2-40B4-BE49-F238E27FC236}">
-                <a16:creationId xmlns:a16="http://schemas.microsoft.com/office/drawing/2014/main" id="{050DFBD8-2A0C-8311-F04E-445A7FB8D77F}"/>
+                <a16:creationId xmlns:a16="http://schemas.microsoft.com/office/drawing/2014/main" id="{68290F6B-189A-62B2-4E49-F93471479DEB}"/>
               </a:ext>
             </a:extLst>
           </p:cNvPr>
@@ -1023,7 +585,7 @@
           <p:cNvPr id="3" name="Vertical Text Placeholder 2">
             <a:extLst>
               <a:ext uri="{FF2B5EF4-FFF2-40B4-BE49-F238E27FC236}">
-                <a16:creationId xmlns:a16="http://schemas.microsoft.com/office/drawing/2014/main" id="{3DE25A71-5A8A-B9BE-9785-8031530938B7}"/>
+                <a16:creationId xmlns:a16="http://schemas.microsoft.com/office/drawing/2014/main" id="{90BDB8B1-922E-0908-FA52-FE6F0B49F616}"/>
               </a:ext>
             </a:extLst>
           </p:cNvPr>
@@ -1086,7 +648,7 @@
           <p:cNvPr id="4" name="Date Placeholder 3">
             <a:extLst>
               <a:ext uri="{FF2B5EF4-FFF2-40B4-BE49-F238E27FC236}">
-                <a16:creationId xmlns:a16="http://schemas.microsoft.com/office/drawing/2014/main" id="{63392F69-40CA-204F-AF55-4181E51875DA}"/>
+                <a16:creationId xmlns:a16="http://schemas.microsoft.com/office/drawing/2014/main" id="{AC79DF13-7FB7-D4B6-5350-3207EC21D647}"/>
               </a:ext>
             </a:extLst>
           </p:cNvPr>
@@ -1102,9 +664,9 @@
           <a:bodyPr/>
           <a:lstStyle/>
           <a:p>
-            <a:fld id="{E37AE081-BA87-43EE-B99D-C6C310204E90}" type="datetimeFigureOut">
+            <a:fld id="{4B21A34F-9ACB-4B9A-AC90-B216D47E3709}" type="datetimeFigureOut">
               <a:rPr lang="en-GB" smtClean="0"/>
-              <a:t>13/10/2025</a:t>
+              <a:t>26/10/2025</a:t>
             </a:fld>
             <a:endParaRPr lang="en-GB"/>
           </a:p>
@@ -1115,7 +677,7 @@
           <p:cNvPr id="5" name="Footer Placeholder 4">
             <a:extLst>
               <a:ext uri="{FF2B5EF4-FFF2-40B4-BE49-F238E27FC236}">
-                <a16:creationId xmlns:a16="http://schemas.microsoft.com/office/drawing/2014/main" id="{1F0465B1-080D-5C93-A6B9-4863079A56D1}"/>
+                <a16:creationId xmlns:a16="http://schemas.microsoft.com/office/drawing/2014/main" id="{E0F7AC09-9A1F-6FC7-E22C-6F0BF8AD6C63}"/>
               </a:ext>
             </a:extLst>
           </p:cNvPr>
@@ -1140,7 +702,7 @@
           <p:cNvPr id="6" name="Slide Number Placeholder 5">
             <a:extLst>
               <a:ext uri="{FF2B5EF4-FFF2-40B4-BE49-F238E27FC236}">
-                <a16:creationId xmlns:a16="http://schemas.microsoft.com/office/drawing/2014/main" id="{27B9BD00-CA6A-F27A-F80A-3AB0476219F2}"/>
+                <a16:creationId xmlns:a16="http://schemas.microsoft.com/office/drawing/2014/main" id="{494DF115-4C0D-E2BE-D6F9-24E1EABF504F}"/>
               </a:ext>
             </a:extLst>
           </p:cNvPr>
@@ -1156,7 +718,7 @@
           <a:bodyPr/>
           <a:lstStyle/>
           <a:p>
-            <a:fld id="{D51EF858-C4EE-4350-BFFF-D7F4C0D3A98A}" type="slidenum">
+            <a:fld id="{9E570AA1-92D3-4DFF-BDD7-016ABAE833B1}" type="slidenum">
               <a:rPr lang="en-GB" smtClean="0"/>
               <a:t>‹#›</a:t>
             </a:fld>
@@ -1167,7 +729,7 @@
     </p:spTree>
     <p:extLst>
       <p:ext uri="{BB962C8B-B14F-4D97-AF65-F5344CB8AC3E}">
-        <p14:creationId xmlns:p14="http://schemas.microsoft.com/office/powerpoint/2010/main" val="3499912292"/>
+        <p14:creationId xmlns:p14="http://schemas.microsoft.com/office/powerpoint/2010/main" val="2190188610"/>
       </p:ext>
     </p:extLst>
   </p:cSld>
@@ -1199,7 +761,7 @@
           <p:cNvPr id="2" name="Title 1">
             <a:extLst>
               <a:ext uri="{FF2B5EF4-FFF2-40B4-BE49-F238E27FC236}">
-                <a16:creationId xmlns:a16="http://schemas.microsoft.com/office/drawing/2014/main" id="{189D1C2B-75DE-9A51-2C2A-E17EDB670AFB}"/>
+                <a16:creationId xmlns:a16="http://schemas.microsoft.com/office/drawing/2014/main" id="{F4983700-4383-F78D-93AF-673B149E1D65}"/>
               </a:ext>
             </a:extLst>
           </p:cNvPr>
@@ -1228,7 +790,7 @@
           <p:cNvPr id="3" name="Content Placeholder 2">
             <a:extLst>
               <a:ext uri="{FF2B5EF4-FFF2-40B4-BE49-F238E27FC236}">
-                <a16:creationId xmlns:a16="http://schemas.microsoft.com/office/drawing/2014/main" id="{E2D6D3E5-FC80-177E-A215-7E38F3A63C75}"/>
+                <a16:creationId xmlns:a16="http://schemas.microsoft.com/office/drawing/2014/main" id="{71951642-7634-CB53-FC32-1D63AE0D9E22}"/>
               </a:ext>
             </a:extLst>
           </p:cNvPr>
@@ -1286,7 +848,7 @@
           <p:cNvPr id="4" name="Date Placeholder 3">
             <a:extLst>
               <a:ext uri="{FF2B5EF4-FFF2-40B4-BE49-F238E27FC236}">
-                <a16:creationId xmlns:a16="http://schemas.microsoft.com/office/drawing/2014/main" id="{BD062884-AA6E-2475-7CF1-4E96E2D8F08B}"/>
+                <a16:creationId xmlns:a16="http://schemas.microsoft.com/office/drawing/2014/main" id="{8521615B-A93C-03F6-8D74-A2E4475C3C55}"/>
               </a:ext>
             </a:extLst>
           </p:cNvPr>
@@ -1302,9 +864,9 @@
           <a:bodyPr/>
           <a:lstStyle/>
           <a:p>
-            <a:fld id="{E37AE081-BA87-43EE-B99D-C6C310204E90}" type="datetimeFigureOut">
+            <a:fld id="{4B21A34F-9ACB-4B9A-AC90-B216D47E3709}" type="datetimeFigureOut">
               <a:rPr lang="en-GB" smtClean="0"/>
-              <a:t>13/10/2025</a:t>
+              <a:t>26/10/2025</a:t>
             </a:fld>
             <a:endParaRPr lang="en-GB"/>
           </a:p>
@@ -1315,7 +877,7 @@
           <p:cNvPr id="5" name="Footer Placeholder 4">
             <a:extLst>
               <a:ext uri="{FF2B5EF4-FFF2-40B4-BE49-F238E27FC236}">
-                <a16:creationId xmlns:a16="http://schemas.microsoft.com/office/drawing/2014/main" id="{A718AF42-6E77-EB21-B649-D716D040397B}"/>
+                <a16:creationId xmlns:a16="http://schemas.microsoft.com/office/drawing/2014/main" id="{BCE8ACFB-CAE3-41F7-4025-438A1ADFBBD7}"/>
               </a:ext>
             </a:extLst>
           </p:cNvPr>
@@ -1340,7 +902,7 @@
           <p:cNvPr id="6" name="Slide Number Placeholder 5">
             <a:extLst>
               <a:ext uri="{FF2B5EF4-FFF2-40B4-BE49-F238E27FC236}">
-                <a16:creationId xmlns:a16="http://schemas.microsoft.com/office/drawing/2014/main" id="{B8D4C6E9-D3B6-7C08-B78D-6DE613A1FEE8}"/>
+                <a16:creationId xmlns:a16="http://schemas.microsoft.com/office/drawing/2014/main" id="{8D54D85A-3445-EB60-69DB-9F31C973D857}"/>
               </a:ext>
             </a:extLst>
           </p:cNvPr>
@@ -1356,7 +918,7 @@
           <a:bodyPr/>
           <a:lstStyle/>
           <a:p>
-            <a:fld id="{D51EF858-C4EE-4350-BFFF-D7F4C0D3A98A}" type="slidenum">
+            <a:fld id="{9E570AA1-92D3-4DFF-BDD7-016ABAE833B1}" type="slidenum">
               <a:rPr lang="en-GB" smtClean="0"/>
               <a:t>‹#›</a:t>
             </a:fld>
@@ -1367,7 +929,7 @@
     </p:spTree>
     <p:extLst>
       <p:ext uri="{BB962C8B-B14F-4D97-AF65-F5344CB8AC3E}">
-        <p14:creationId xmlns:p14="http://schemas.microsoft.com/office/powerpoint/2010/main" val="3332293398"/>
+        <p14:creationId xmlns:p14="http://schemas.microsoft.com/office/powerpoint/2010/main" val="2863005154"/>
       </p:ext>
     </p:extLst>
   </p:cSld>
@@ -1399,7 +961,7 @@
           <p:cNvPr id="2" name="Title 1">
             <a:extLst>
               <a:ext uri="{FF2B5EF4-FFF2-40B4-BE49-F238E27FC236}">
-                <a16:creationId xmlns:a16="http://schemas.microsoft.com/office/drawing/2014/main" id="{F5591109-443C-1A35-01E6-BC3C5A9D879C}"/>
+                <a16:creationId xmlns:a16="http://schemas.microsoft.com/office/drawing/2014/main" id="{015A952A-4947-39EE-037F-F057E3523422}"/>
               </a:ext>
             </a:extLst>
           </p:cNvPr>
@@ -1437,7 +999,7 @@
           <p:cNvPr id="3" name="Text Placeholder 2">
             <a:extLst>
               <a:ext uri="{FF2B5EF4-FFF2-40B4-BE49-F238E27FC236}">
-                <a16:creationId xmlns:a16="http://schemas.microsoft.com/office/drawing/2014/main" id="{67EEBBAA-872E-59D4-5A10-42AC08AFF31F}"/>
+                <a16:creationId xmlns:a16="http://schemas.microsoft.com/office/drawing/2014/main" id="{AAD9F053-4678-0F3C-3B6F-94DF068ADB31}"/>
               </a:ext>
             </a:extLst>
           </p:cNvPr>
@@ -1562,7 +1124,7 @@
           <p:cNvPr id="4" name="Date Placeholder 3">
             <a:extLst>
               <a:ext uri="{FF2B5EF4-FFF2-40B4-BE49-F238E27FC236}">
-                <a16:creationId xmlns:a16="http://schemas.microsoft.com/office/drawing/2014/main" id="{C815B083-AD07-B044-1703-E65BABA56E53}"/>
+                <a16:creationId xmlns:a16="http://schemas.microsoft.com/office/drawing/2014/main" id="{34318E94-AB15-A477-B991-12988D2B4098}"/>
               </a:ext>
             </a:extLst>
           </p:cNvPr>
@@ -1578,9 +1140,9 @@
           <a:bodyPr/>
           <a:lstStyle/>
           <a:p>
-            <a:fld id="{E37AE081-BA87-43EE-B99D-C6C310204E90}" type="datetimeFigureOut">
+            <a:fld id="{4B21A34F-9ACB-4B9A-AC90-B216D47E3709}" type="datetimeFigureOut">
               <a:rPr lang="en-GB" smtClean="0"/>
-              <a:t>13/10/2025</a:t>
+              <a:t>26/10/2025</a:t>
             </a:fld>
             <a:endParaRPr lang="en-GB"/>
           </a:p>
@@ -1591,7 +1153,7 @@
           <p:cNvPr id="5" name="Footer Placeholder 4">
             <a:extLst>
               <a:ext uri="{FF2B5EF4-FFF2-40B4-BE49-F238E27FC236}">
-                <a16:creationId xmlns:a16="http://schemas.microsoft.com/office/drawing/2014/main" id="{E58707DB-9FB2-7546-47A5-FEF99E2F2C23}"/>
+                <a16:creationId xmlns:a16="http://schemas.microsoft.com/office/drawing/2014/main" id="{478FAED6-90EE-72B7-D284-CB14709D2070}"/>
               </a:ext>
             </a:extLst>
           </p:cNvPr>
@@ -1616,7 +1178,7 @@
           <p:cNvPr id="6" name="Slide Number Placeholder 5">
             <a:extLst>
               <a:ext uri="{FF2B5EF4-FFF2-40B4-BE49-F238E27FC236}">
-                <a16:creationId xmlns:a16="http://schemas.microsoft.com/office/drawing/2014/main" id="{920081A4-0F56-7CF2-BFCD-04E7B938D235}"/>
+                <a16:creationId xmlns:a16="http://schemas.microsoft.com/office/drawing/2014/main" id="{5E82857B-9A39-404E-EDF0-3546BF46BCD5}"/>
               </a:ext>
             </a:extLst>
           </p:cNvPr>
@@ -1632,7 +1194,7 @@
           <a:bodyPr/>
           <a:lstStyle/>
           <a:p>
-            <a:fld id="{D51EF858-C4EE-4350-BFFF-D7F4C0D3A98A}" type="slidenum">
+            <a:fld id="{9E570AA1-92D3-4DFF-BDD7-016ABAE833B1}" type="slidenum">
               <a:rPr lang="en-GB" smtClean="0"/>
               <a:t>‹#›</a:t>
             </a:fld>
@@ -1643,7 +1205,7 @@
     </p:spTree>
     <p:extLst>
       <p:ext uri="{BB962C8B-B14F-4D97-AF65-F5344CB8AC3E}">
-        <p14:creationId xmlns:p14="http://schemas.microsoft.com/office/powerpoint/2010/main" val="756356602"/>
+        <p14:creationId xmlns:p14="http://schemas.microsoft.com/office/powerpoint/2010/main" val="1402112274"/>
       </p:ext>
     </p:extLst>
   </p:cSld>
@@ -1675,7 +1237,7 @@
           <p:cNvPr id="2" name="Title 1">
             <a:extLst>
               <a:ext uri="{FF2B5EF4-FFF2-40B4-BE49-F238E27FC236}">
-                <a16:creationId xmlns:a16="http://schemas.microsoft.com/office/drawing/2014/main" id="{8F4FC0AC-F520-7B99-5B80-923FD549E363}"/>
+                <a16:creationId xmlns:a16="http://schemas.microsoft.com/office/drawing/2014/main" id="{277A96B9-7C90-63E8-39BF-3678BDACA295}"/>
               </a:ext>
             </a:extLst>
           </p:cNvPr>
@@ -1704,7 +1266,7 @@
           <p:cNvPr id="3" name="Content Placeholder 2">
             <a:extLst>
               <a:ext uri="{FF2B5EF4-FFF2-40B4-BE49-F238E27FC236}">
-                <a16:creationId xmlns:a16="http://schemas.microsoft.com/office/drawing/2014/main" id="{2940D925-82A1-9C3D-4441-F534F134A877}"/>
+                <a16:creationId xmlns:a16="http://schemas.microsoft.com/office/drawing/2014/main" id="{8A2574AB-0B20-0F29-4FB9-7E06830A6438}"/>
               </a:ext>
             </a:extLst>
           </p:cNvPr>
@@ -1767,7 +1329,7 @@
           <p:cNvPr id="4" name="Content Placeholder 3">
             <a:extLst>
               <a:ext uri="{FF2B5EF4-FFF2-40B4-BE49-F238E27FC236}">
-                <a16:creationId xmlns:a16="http://schemas.microsoft.com/office/drawing/2014/main" id="{90827222-0F48-EC3E-8217-98E0DDC00B50}"/>
+                <a16:creationId xmlns:a16="http://schemas.microsoft.com/office/drawing/2014/main" id="{C5745D53-CB01-B5F6-388A-F355BDE9BC5B}"/>
               </a:ext>
             </a:extLst>
           </p:cNvPr>
@@ -1830,7 +1392,7 @@
           <p:cNvPr id="5" name="Date Placeholder 4">
             <a:extLst>
               <a:ext uri="{FF2B5EF4-FFF2-40B4-BE49-F238E27FC236}">
-                <a16:creationId xmlns:a16="http://schemas.microsoft.com/office/drawing/2014/main" id="{A5973CC4-992F-C9D9-23EB-39562AEB825D}"/>
+                <a16:creationId xmlns:a16="http://schemas.microsoft.com/office/drawing/2014/main" id="{32D0E30E-B02D-F8AE-BE24-D497C9D3EB0A}"/>
               </a:ext>
             </a:extLst>
           </p:cNvPr>
@@ -1846,9 +1408,9 @@
           <a:bodyPr/>
           <a:lstStyle/>
           <a:p>
-            <a:fld id="{E37AE081-BA87-43EE-B99D-C6C310204E90}" type="datetimeFigureOut">
+            <a:fld id="{4B21A34F-9ACB-4B9A-AC90-B216D47E3709}" type="datetimeFigureOut">
               <a:rPr lang="en-GB" smtClean="0"/>
-              <a:t>13/10/2025</a:t>
+              <a:t>26/10/2025</a:t>
             </a:fld>
             <a:endParaRPr lang="en-GB"/>
           </a:p>
@@ -1859,7 +1421,7 @@
           <p:cNvPr id="6" name="Footer Placeholder 5">
             <a:extLst>
               <a:ext uri="{FF2B5EF4-FFF2-40B4-BE49-F238E27FC236}">
-                <a16:creationId xmlns:a16="http://schemas.microsoft.com/office/drawing/2014/main" id="{C10307DA-7745-CF10-0FC0-B2CE1DB87255}"/>
+                <a16:creationId xmlns:a16="http://schemas.microsoft.com/office/drawing/2014/main" id="{A7C2E529-5DE5-73B6-D1C2-6CF6FCC73DDB}"/>
               </a:ext>
             </a:extLst>
           </p:cNvPr>
@@ -1884,7 +1446,7 @@
           <p:cNvPr id="7" name="Slide Number Placeholder 6">
             <a:extLst>
               <a:ext uri="{FF2B5EF4-FFF2-40B4-BE49-F238E27FC236}">
-                <a16:creationId xmlns:a16="http://schemas.microsoft.com/office/drawing/2014/main" id="{0041931B-FFBC-80A3-519E-6F1BD92F93E1}"/>
+                <a16:creationId xmlns:a16="http://schemas.microsoft.com/office/drawing/2014/main" id="{15611198-1221-4222-4BB7-AEEF45C201A5}"/>
               </a:ext>
             </a:extLst>
           </p:cNvPr>
@@ -1900,7 +1462,7 @@
           <a:bodyPr/>
           <a:lstStyle/>
           <a:p>
-            <a:fld id="{D51EF858-C4EE-4350-BFFF-D7F4C0D3A98A}" type="slidenum">
+            <a:fld id="{9E570AA1-92D3-4DFF-BDD7-016ABAE833B1}" type="slidenum">
               <a:rPr lang="en-GB" smtClean="0"/>
               <a:t>‹#›</a:t>
             </a:fld>
@@ -1911,7 +1473,7 @@
     </p:spTree>
     <p:extLst>
       <p:ext uri="{BB962C8B-B14F-4D97-AF65-F5344CB8AC3E}">
-        <p14:creationId xmlns:p14="http://schemas.microsoft.com/office/powerpoint/2010/main" val="1551784802"/>
+        <p14:creationId xmlns:p14="http://schemas.microsoft.com/office/powerpoint/2010/main" val="4009846122"/>
       </p:ext>
     </p:extLst>
   </p:cSld>
@@ -1943,7 +1505,7 @@
           <p:cNvPr id="2" name="Title 1">
             <a:extLst>
               <a:ext uri="{FF2B5EF4-FFF2-40B4-BE49-F238E27FC236}">
-                <a16:creationId xmlns:a16="http://schemas.microsoft.com/office/drawing/2014/main" id="{B01EDC13-A9F2-84BE-2B83-C6D82B4365BA}"/>
+                <a16:creationId xmlns:a16="http://schemas.microsoft.com/office/drawing/2014/main" id="{076112FC-DC79-D1FE-4A59-6E640CAE0A2A}"/>
               </a:ext>
             </a:extLst>
           </p:cNvPr>
@@ -1977,7 +1539,7 @@
           <p:cNvPr id="3" name="Text Placeholder 2">
             <a:extLst>
               <a:ext uri="{FF2B5EF4-FFF2-40B4-BE49-F238E27FC236}">
-                <a16:creationId xmlns:a16="http://schemas.microsoft.com/office/drawing/2014/main" id="{AF3EF929-7B85-2E37-5CC9-3F1EF4D06A7E}"/>
+                <a16:creationId xmlns:a16="http://schemas.microsoft.com/office/drawing/2014/main" id="{EE1E8A8D-B4F0-26D3-DD12-9ADDC4EDC920}"/>
               </a:ext>
             </a:extLst>
           </p:cNvPr>
@@ -2048,7 +1610,7 @@
           <p:cNvPr id="4" name="Content Placeholder 3">
             <a:extLst>
               <a:ext uri="{FF2B5EF4-FFF2-40B4-BE49-F238E27FC236}">
-                <a16:creationId xmlns:a16="http://schemas.microsoft.com/office/drawing/2014/main" id="{3B4D14EF-2368-E7CE-0CE0-B11DBB69C3FE}"/>
+                <a16:creationId xmlns:a16="http://schemas.microsoft.com/office/drawing/2014/main" id="{124A9B3D-B527-7294-42DC-5E7AF97D17FC}"/>
               </a:ext>
             </a:extLst>
           </p:cNvPr>
@@ -2111,7 +1673,7 @@
           <p:cNvPr id="5" name="Text Placeholder 4">
             <a:extLst>
               <a:ext uri="{FF2B5EF4-FFF2-40B4-BE49-F238E27FC236}">
-                <a16:creationId xmlns:a16="http://schemas.microsoft.com/office/drawing/2014/main" id="{D4865A4E-87B5-258A-D53A-5F9A7AE8E824}"/>
+                <a16:creationId xmlns:a16="http://schemas.microsoft.com/office/drawing/2014/main" id="{B8BEB9AC-625F-4C95-6D99-E3D77B227CA0}"/>
               </a:ext>
             </a:extLst>
           </p:cNvPr>
@@ -2182,7 +1744,7 @@
           <p:cNvPr id="6" name="Content Placeholder 5">
             <a:extLst>
               <a:ext uri="{FF2B5EF4-FFF2-40B4-BE49-F238E27FC236}">
-                <a16:creationId xmlns:a16="http://schemas.microsoft.com/office/drawing/2014/main" id="{CFED13E8-D36D-F693-F36A-20A487062C98}"/>
+                <a16:creationId xmlns:a16="http://schemas.microsoft.com/office/drawing/2014/main" id="{4D76EA13-474C-7BE5-A3BB-F37598058702}"/>
               </a:ext>
             </a:extLst>
           </p:cNvPr>
@@ -2245,7 +1807,7 @@
           <p:cNvPr id="7" name="Date Placeholder 6">
             <a:extLst>
               <a:ext uri="{FF2B5EF4-FFF2-40B4-BE49-F238E27FC236}">
-                <a16:creationId xmlns:a16="http://schemas.microsoft.com/office/drawing/2014/main" id="{62BF653D-9612-BDDE-8C2C-202F19F2197E}"/>
+                <a16:creationId xmlns:a16="http://schemas.microsoft.com/office/drawing/2014/main" id="{A94D57D3-3985-1332-D5A9-F0A73643E6FE}"/>
               </a:ext>
             </a:extLst>
           </p:cNvPr>
@@ -2261,9 +1823,9 @@
           <a:bodyPr/>
           <a:lstStyle/>
           <a:p>
-            <a:fld id="{E37AE081-BA87-43EE-B99D-C6C310204E90}" type="datetimeFigureOut">
+            <a:fld id="{4B21A34F-9ACB-4B9A-AC90-B216D47E3709}" type="datetimeFigureOut">
               <a:rPr lang="en-GB" smtClean="0"/>
-              <a:t>13/10/2025</a:t>
+              <a:t>26/10/2025</a:t>
             </a:fld>
             <a:endParaRPr lang="en-GB"/>
           </a:p>
@@ -2274,7 +1836,7 @@
           <p:cNvPr id="8" name="Footer Placeholder 7">
             <a:extLst>
               <a:ext uri="{FF2B5EF4-FFF2-40B4-BE49-F238E27FC236}">
-                <a16:creationId xmlns:a16="http://schemas.microsoft.com/office/drawing/2014/main" id="{450EC879-2F72-9698-E118-F63BE9193088}"/>
+                <a16:creationId xmlns:a16="http://schemas.microsoft.com/office/drawing/2014/main" id="{CA6CF9A4-B2D9-C2C9-EBA1-8EC49ACE5068}"/>
               </a:ext>
             </a:extLst>
           </p:cNvPr>
@@ -2299,7 +1861,7 @@
           <p:cNvPr id="9" name="Slide Number Placeholder 8">
             <a:extLst>
               <a:ext uri="{FF2B5EF4-FFF2-40B4-BE49-F238E27FC236}">
-                <a16:creationId xmlns:a16="http://schemas.microsoft.com/office/drawing/2014/main" id="{B8C91861-3F45-06BC-6999-85CB8EC2D126}"/>
+                <a16:creationId xmlns:a16="http://schemas.microsoft.com/office/drawing/2014/main" id="{E1485724-65CF-2467-14A3-5617570071CE}"/>
               </a:ext>
             </a:extLst>
           </p:cNvPr>
@@ -2315,7 +1877,7 @@
           <a:bodyPr/>
           <a:lstStyle/>
           <a:p>
-            <a:fld id="{D51EF858-C4EE-4350-BFFF-D7F4C0D3A98A}" type="slidenum">
+            <a:fld id="{9E570AA1-92D3-4DFF-BDD7-016ABAE833B1}" type="slidenum">
               <a:rPr lang="en-GB" smtClean="0"/>
               <a:t>‹#›</a:t>
             </a:fld>
@@ -2326,7 +1888,7 @@
     </p:spTree>
     <p:extLst>
       <p:ext uri="{BB962C8B-B14F-4D97-AF65-F5344CB8AC3E}">
-        <p14:creationId xmlns:p14="http://schemas.microsoft.com/office/powerpoint/2010/main" val="3927560207"/>
+        <p14:creationId xmlns:p14="http://schemas.microsoft.com/office/powerpoint/2010/main" val="354247778"/>
       </p:ext>
     </p:extLst>
   </p:cSld>
@@ -2358,7 +1920,7 @@
           <p:cNvPr id="2" name="Title 1">
             <a:extLst>
               <a:ext uri="{FF2B5EF4-FFF2-40B4-BE49-F238E27FC236}">
-                <a16:creationId xmlns:a16="http://schemas.microsoft.com/office/drawing/2014/main" id="{AD00CD52-5B1D-97DC-93A0-E3C059D4E45E}"/>
+                <a16:creationId xmlns:a16="http://schemas.microsoft.com/office/drawing/2014/main" id="{5BCC3C9E-E659-04D7-0A45-70FABEC43E6D}"/>
               </a:ext>
             </a:extLst>
           </p:cNvPr>
@@ -2387,7 +1949,7 @@
           <p:cNvPr id="3" name="Date Placeholder 2">
             <a:extLst>
               <a:ext uri="{FF2B5EF4-FFF2-40B4-BE49-F238E27FC236}">
-                <a16:creationId xmlns:a16="http://schemas.microsoft.com/office/drawing/2014/main" id="{D66CB586-B73F-AA39-2088-188BA87F12D4}"/>
+                <a16:creationId xmlns:a16="http://schemas.microsoft.com/office/drawing/2014/main" id="{2C801195-BD64-0C7C-55A5-5D792D680BF3}"/>
               </a:ext>
             </a:extLst>
           </p:cNvPr>
@@ -2403,9 +1965,9 @@
           <a:bodyPr/>
           <a:lstStyle/>
           <a:p>
-            <a:fld id="{E37AE081-BA87-43EE-B99D-C6C310204E90}" type="datetimeFigureOut">
+            <a:fld id="{4B21A34F-9ACB-4B9A-AC90-B216D47E3709}" type="datetimeFigureOut">
               <a:rPr lang="en-GB" smtClean="0"/>
-              <a:t>13/10/2025</a:t>
+              <a:t>26/10/2025</a:t>
             </a:fld>
             <a:endParaRPr lang="en-GB"/>
           </a:p>
@@ -2416,7 +1978,7 @@
           <p:cNvPr id="4" name="Footer Placeholder 3">
             <a:extLst>
               <a:ext uri="{FF2B5EF4-FFF2-40B4-BE49-F238E27FC236}">
-                <a16:creationId xmlns:a16="http://schemas.microsoft.com/office/drawing/2014/main" id="{4A324E4C-B60E-4307-80BB-B1E4CF000E96}"/>
+                <a16:creationId xmlns:a16="http://schemas.microsoft.com/office/drawing/2014/main" id="{19F5A9BB-9E8E-DDF1-9A89-0EF057482E3A}"/>
               </a:ext>
             </a:extLst>
           </p:cNvPr>
@@ -2441,7 +2003,7 @@
           <p:cNvPr id="5" name="Slide Number Placeholder 4">
             <a:extLst>
               <a:ext uri="{FF2B5EF4-FFF2-40B4-BE49-F238E27FC236}">
-                <a16:creationId xmlns:a16="http://schemas.microsoft.com/office/drawing/2014/main" id="{45789C0D-D37F-7DAE-0ACC-103982F587E4}"/>
+                <a16:creationId xmlns:a16="http://schemas.microsoft.com/office/drawing/2014/main" id="{C957FBE4-C30F-9244-7B68-DDFB6C544F01}"/>
               </a:ext>
             </a:extLst>
           </p:cNvPr>
@@ -2457,7 +2019,7 @@
           <a:bodyPr/>
           <a:lstStyle/>
           <a:p>
-            <a:fld id="{D51EF858-C4EE-4350-BFFF-D7F4C0D3A98A}" type="slidenum">
+            <a:fld id="{9E570AA1-92D3-4DFF-BDD7-016ABAE833B1}" type="slidenum">
               <a:rPr lang="en-GB" smtClean="0"/>
               <a:t>‹#›</a:t>
             </a:fld>
@@ -2468,7 +2030,7 @@
     </p:spTree>
     <p:extLst>
       <p:ext uri="{BB962C8B-B14F-4D97-AF65-F5344CB8AC3E}">
-        <p14:creationId xmlns:p14="http://schemas.microsoft.com/office/powerpoint/2010/main" val="2289435840"/>
+        <p14:creationId xmlns:p14="http://schemas.microsoft.com/office/powerpoint/2010/main" val="893965318"/>
       </p:ext>
     </p:extLst>
   </p:cSld>
@@ -2500,7 +2062,7 @@
           <p:cNvPr id="2" name="Date Placeholder 1">
             <a:extLst>
               <a:ext uri="{FF2B5EF4-FFF2-40B4-BE49-F238E27FC236}">
-                <a16:creationId xmlns:a16="http://schemas.microsoft.com/office/drawing/2014/main" id="{F0E733AF-8DD0-D4F5-A2F3-E4ED10A48C8F}"/>
+                <a16:creationId xmlns:a16="http://schemas.microsoft.com/office/drawing/2014/main" id="{170A62D9-8075-AE0F-C397-42634BD17D4D}"/>
               </a:ext>
             </a:extLst>
           </p:cNvPr>
@@ -2516,9 +2078,9 @@
           <a:bodyPr/>
           <a:lstStyle/>
           <a:p>
-            <a:fld id="{E37AE081-BA87-43EE-B99D-C6C310204E90}" type="datetimeFigureOut">
+            <a:fld id="{4B21A34F-9ACB-4B9A-AC90-B216D47E3709}" type="datetimeFigureOut">
               <a:rPr lang="en-GB" smtClean="0"/>
-              <a:t>13/10/2025</a:t>
+              <a:t>26/10/2025</a:t>
             </a:fld>
             <a:endParaRPr lang="en-GB"/>
           </a:p>
@@ -2529,7 +2091,7 @@
           <p:cNvPr id="3" name="Footer Placeholder 2">
             <a:extLst>
               <a:ext uri="{FF2B5EF4-FFF2-40B4-BE49-F238E27FC236}">
-                <a16:creationId xmlns:a16="http://schemas.microsoft.com/office/drawing/2014/main" id="{9D014FF8-6F45-1CA4-E903-F757F6C7E202}"/>
+                <a16:creationId xmlns:a16="http://schemas.microsoft.com/office/drawing/2014/main" id="{061A3D09-CE28-3B20-0552-D60CB0877AE7}"/>
               </a:ext>
             </a:extLst>
           </p:cNvPr>
@@ -2554,7 +2116,7 @@
           <p:cNvPr id="4" name="Slide Number Placeholder 3">
             <a:extLst>
               <a:ext uri="{FF2B5EF4-FFF2-40B4-BE49-F238E27FC236}">
-                <a16:creationId xmlns:a16="http://schemas.microsoft.com/office/drawing/2014/main" id="{76252904-C8E8-73CE-3C9F-6ED287DBC334}"/>
+                <a16:creationId xmlns:a16="http://schemas.microsoft.com/office/drawing/2014/main" id="{275B36C9-3C0E-6443-5220-AB29413DF2E9}"/>
               </a:ext>
             </a:extLst>
           </p:cNvPr>
@@ -2570,7 +2132,7 @@
           <a:bodyPr/>
           <a:lstStyle/>
           <a:p>
-            <a:fld id="{D51EF858-C4EE-4350-BFFF-D7F4C0D3A98A}" type="slidenum">
+            <a:fld id="{9E570AA1-92D3-4DFF-BDD7-016ABAE833B1}" type="slidenum">
               <a:rPr lang="en-GB" smtClean="0"/>
               <a:t>‹#›</a:t>
             </a:fld>
@@ -2581,7 +2143,7 @@
     </p:spTree>
     <p:extLst>
       <p:ext uri="{BB962C8B-B14F-4D97-AF65-F5344CB8AC3E}">
-        <p14:creationId xmlns:p14="http://schemas.microsoft.com/office/powerpoint/2010/main" val="2434813691"/>
+        <p14:creationId xmlns:p14="http://schemas.microsoft.com/office/powerpoint/2010/main" val="3857614070"/>
       </p:ext>
     </p:extLst>
   </p:cSld>
@@ -2613,7 +2175,7 @@
           <p:cNvPr id="2" name="Title 1">
             <a:extLst>
               <a:ext uri="{FF2B5EF4-FFF2-40B4-BE49-F238E27FC236}">
-                <a16:creationId xmlns:a16="http://schemas.microsoft.com/office/drawing/2014/main" id="{71A777F9-F7BC-ED1B-EFAD-C900854CF588}"/>
+                <a16:creationId xmlns:a16="http://schemas.microsoft.com/office/drawing/2014/main" id="{328621C6-E466-6452-D9C0-BB09EC94EB03}"/>
               </a:ext>
             </a:extLst>
           </p:cNvPr>
@@ -2651,7 +2213,7 @@
           <p:cNvPr id="3" name="Content Placeholder 2">
             <a:extLst>
               <a:ext uri="{FF2B5EF4-FFF2-40B4-BE49-F238E27FC236}">
-                <a16:creationId xmlns:a16="http://schemas.microsoft.com/office/drawing/2014/main" id="{374ADFA3-55D2-E8DD-3109-3D7D47109B4B}"/>
+                <a16:creationId xmlns:a16="http://schemas.microsoft.com/office/drawing/2014/main" id="{E46B3A84-473D-513F-57B5-CB9E896FD632}"/>
               </a:ext>
             </a:extLst>
           </p:cNvPr>
@@ -2742,7 +2304,7 @@
           <p:cNvPr id="4" name="Text Placeholder 3">
             <a:extLst>
               <a:ext uri="{FF2B5EF4-FFF2-40B4-BE49-F238E27FC236}">
-                <a16:creationId xmlns:a16="http://schemas.microsoft.com/office/drawing/2014/main" id="{A94DFCB2-FF18-1C2C-C88B-0F984AD03A51}"/>
+                <a16:creationId xmlns:a16="http://schemas.microsoft.com/office/drawing/2014/main" id="{313CEDAF-1F71-D060-395C-CB568F1EE57A}"/>
               </a:ext>
             </a:extLst>
           </p:cNvPr>
@@ -2813,7 +2375,7 @@
           <p:cNvPr id="5" name="Date Placeholder 4">
             <a:extLst>
               <a:ext uri="{FF2B5EF4-FFF2-40B4-BE49-F238E27FC236}">
-                <a16:creationId xmlns:a16="http://schemas.microsoft.com/office/drawing/2014/main" id="{BC9F3654-77A5-B071-A765-E4580D4BB65F}"/>
+                <a16:creationId xmlns:a16="http://schemas.microsoft.com/office/drawing/2014/main" id="{2FFF25A4-894B-58FE-357A-B59B4F7F31F8}"/>
               </a:ext>
             </a:extLst>
           </p:cNvPr>
@@ -2829,9 +2391,9 @@
           <a:bodyPr/>
           <a:lstStyle/>
           <a:p>
-            <a:fld id="{E37AE081-BA87-43EE-B99D-C6C310204E90}" type="datetimeFigureOut">
+            <a:fld id="{4B21A34F-9ACB-4B9A-AC90-B216D47E3709}" type="datetimeFigureOut">
               <a:rPr lang="en-GB" smtClean="0"/>
-              <a:t>13/10/2025</a:t>
+              <a:t>26/10/2025</a:t>
             </a:fld>
             <a:endParaRPr lang="en-GB"/>
           </a:p>
@@ -2842,7 +2404,7 @@
           <p:cNvPr id="6" name="Footer Placeholder 5">
             <a:extLst>
               <a:ext uri="{FF2B5EF4-FFF2-40B4-BE49-F238E27FC236}">
-                <a16:creationId xmlns:a16="http://schemas.microsoft.com/office/drawing/2014/main" id="{2E3B3D18-78FC-71EC-8089-408F0A011920}"/>
+                <a16:creationId xmlns:a16="http://schemas.microsoft.com/office/drawing/2014/main" id="{1C30FE4B-5056-BD51-95A7-D378FE64D947}"/>
               </a:ext>
             </a:extLst>
           </p:cNvPr>
@@ -2867,7 +2429,7 @@
           <p:cNvPr id="7" name="Slide Number Placeholder 6">
             <a:extLst>
               <a:ext uri="{FF2B5EF4-FFF2-40B4-BE49-F238E27FC236}">
-                <a16:creationId xmlns:a16="http://schemas.microsoft.com/office/drawing/2014/main" id="{8AFC53B2-9F45-2966-B693-7AC2AA18D146}"/>
+                <a16:creationId xmlns:a16="http://schemas.microsoft.com/office/drawing/2014/main" id="{4FFEFEA2-20B9-8CD7-382E-E624221EF7BD}"/>
               </a:ext>
             </a:extLst>
           </p:cNvPr>
@@ -2883,7 +2445,7 @@
           <a:bodyPr/>
           <a:lstStyle/>
           <a:p>
-            <a:fld id="{D51EF858-C4EE-4350-BFFF-D7F4C0D3A98A}" type="slidenum">
+            <a:fld id="{9E570AA1-92D3-4DFF-BDD7-016ABAE833B1}" type="slidenum">
               <a:rPr lang="en-GB" smtClean="0"/>
               <a:t>‹#›</a:t>
             </a:fld>
@@ -2894,7 +2456,7 @@
     </p:spTree>
     <p:extLst>
       <p:ext uri="{BB962C8B-B14F-4D97-AF65-F5344CB8AC3E}">
-        <p14:creationId xmlns:p14="http://schemas.microsoft.com/office/powerpoint/2010/main" val="3994191281"/>
+        <p14:creationId xmlns:p14="http://schemas.microsoft.com/office/powerpoint/2010/main" val="2780591396"/>
       </p:ext>
     </p:extLst>
   </p:cSld>
@@ -2926,7 +2488,7 @@
           <p:cNvPr id="2" name="Title 1">
             <a:extLst>
               <a:ext uri="{FF2B5EF4-FFF2-40B4-BE49-F238E27FC236}">
-                <a16:creationId xmlns:a16="http://schemas.microsoft.com/office/drawing/2014/main" id="{C9F7DC83-8FCC-B9D2-84C0-29CDA857058C}"/>
+                <a16:creationId xmlns:a16="http://schemas.microsoft.com/office/drawing/2014/main" id="{1841F3E4-6F66-C00E-448E-E082F04FDE00}"/>
               </a:ext>
             </a:extLst>
           </p:cNvPr>
@@ -2964,7 +2526,7 @@
           <p:cNvPr id="3" name="Picture Placeholder 2">
             <a:extLst>
               <a:ext uri="{FF2B5EF4-FFF2-40B4-BE49-F238E27FC236}">
-                <a16:creationId xmlns:a16="http://schemas.microsoft.com/office/drawing/2014/main" id="{A839C25A-F68F-D20D-19AF-E9D32DFEBA0B}"/>
+                <a16:creationId xmlns:a16="http://schemas.microsoft.com/office/drawing/2014/main" id="{FD6B70F0-F944-B2F0-D518-A6B742A45E4F}"/>
               </a:ext>
             </a:extLst>
           </p:cNvPr>
@@ -3031,7 +2593,7 @@
           <p:cNvPr id="4" name="Text Placeholder 3">
             <a:extLst>
               <a:ext uri="{FF2B5EF4-FFF2-40B4-BE49-F238E27FC236}">
-                <a16:creationId xmlns:a16="http://schemas.microsoft.com/office/drawing/2014/main" id="{FF5FBEBE-6B59-0C83-ECE9-E507D8472E18}"/>
+                <a16:creationId xmlns:a16="http://schemas.microsoft.com/office/drawing/2014/main" id="{2EB61DC7-E675-6E3F-BEA9-1D5F08E0B1F5}"/>
               </a:ext>
             </a:extLst>
           </p:cNvPr>
@@ -3102,7 +2664,7 @@
           <p:cNvPr id="5" name="Date Placeholder 4">
             <a:extLst>
               <a:ext uri="{FF2B5EF4-FFF2-40B4-BE49-F238E27FC236}">
-                <a16:creationId xmlns:a16="http://schemas.microsoft.com/office/drawing/2014/main" id="{55B84800-9523-BAD0-C11A-77BCB53DD7BA}"/>
+                <a16:creationId xmlns:a16="http://schemas.microsoft.com/office/drawing/2014/main" id="{A127D8FC-1DE6-A796-6D66-6F306FE878EB}"/>
               </a:ext>
             </a:extLst>
           </p:cNvPr>
@@ -3118,9 +2680,9 @@
           <a:bodyPr/>
           <a:lstStyle/>
           <a:p>
-            <a:fld id="{E37AE081-BA87-43EE-B99D-C6C310204E90}" type="datetimeFigureOut">
+            <a:fld id="{4B21A34F-9ACB-4B9A-AC90-B216D47E3709}" type="datetimeFigureOut">
               <a:rPr lang="en-GB" smtClean="0"/>
-              <a:t>13/10/2025</a:t>
+              <a:t>26/10/2025</a:t>
             </a:fld>
             <a:endParaRPr lang="en-GB"/>
           </a:p>
@@ -3131,7 +2693,7 @@
           <p:cNvPr id="6" name="Footer Placeholder 5">
             <a:extLst>
               <a:ext uri="{FF2B5EF4-FFF2-40B4-BE49-F238E27FC236}">
-                <a16:creationId xmlns:a16="http://schemas.microsoft.com/office/drawing/2014/main" id="{CF8DBC2F-4CDC-1A3A-44AE-71E589082EA0}"/>
+                <a16:creationId xmlns:a16="http://schemas.microsoft.com/office/drawing/2014/main" id="{0C698A93-EDC9-D105-D996-82D8E2A82D9D}"/>
               </a:ext>
             </a:extLst>
           </p:cNvPr>
@@ -3156,7 +2718,7 @@
           <p:cNvPr id="7" name="Slide Number Placeholder 6">
             <a:extLst>
               <a:ext uri="{FF2B5EF4-FFF2-40B4-BE49-F238E27FC236}">
-                <a16:creationId xmlns:a16="http://schemas.microsoft.com/office/drawing/2014/main" id="{38A0FB31-F2DE-EBFF-4767-8DB009B4C135}"/>
+                <a16:creationId xmlns:a16="http://schemas.microsoft.com/office/drawing/2014/main" id="{726EE326-D235-61FA-59FB-9690B9921934}"/>
               </a:ext>
             </a:extLst>
           </p:cNvPr>
@@ -3172,7 +2734,7 @@
           <a:bodyPr/>
           <a:lstStyle/>
           <a:p>
-            <a:fld id="{D51EF858-C4EE-4350-BFFF-D7F4C0D3A98A}" type="slidenum">
+            <a:fld id="{9E570AA1-92D3-4DFF-BDD7-016ABAE833B1}" type="slidenum">
               <a:rPr lang="en-GB" smtClean="0"/>
               <a:t>‹#›</a:t>
             </a:fld>
@@ -3183,7 +2745,7 @@
     </p:spTree>
     <p:extLst>
       <p:ext uri="{BB962C8B-B14F-4D97-AF65-F5344CB8AC3E}">
-        <p14:creationId xmlns:p14="http://schemas.microsoft.com/office/powerpoint/2010/main" val="1212434012"/>
+        <p14:creationId xmlns:p14="http://schemas.microsoft.com/office/powerpoint/2010/main" val="1860203674"/>
       </p:ext>
     </p:extLst>
   </p:cSld>
@@ -3220,7 +2782,7 @@
           <p:cNvPr id="2" name="Title Placeholder 1">
             <a:extLst>
               <a:ext uri="{FF2B5EF4-FFF2-40B4-BE49-F238E27FC236}">
-                <a16:creationId xmlns:a16="http://schemas.microsoft.com/office/drawing/2014/main" id="{ECFA150B-C029-C9F5-9603-9C1810E4D6E3}"/>
+                <a16:creationId xmlns:a16="http://schemas.microsoft.com/office/drawing/2014/main" id="{9B73CF6D-A582-CE42-3508-A72DFF03197C}"/>
               </a:ext>
             </a:extLst>
           </p:cNvPr>
@@ -3259,7 +2821,7 @@
           <p:cNvPr id="3" name="Text Placeholder 2">
             <a:extLst>
               <a:ext uri="{FF2B5EF4-FFF2-40B4-BE49-F238E27FC236}">
-                <a16:creationId xmlns:a16="http://schemas.microsoft.com/office/drawing/2014/main" id="{513AB054-F884-88C4-D1FD-3328CC984452}"/>
+                <a16:creationId xmlns:a16="http://schemas.microsoft.com/office/drawing/2014/main" id="{90882F4E-007B-F0A8-9690-F69CD5C5A374}"/>
               </a:ext>
             </a:extLst>
           </p:cNvPr>
@@ -3327,7 +2889,7 @@
           <p:cNvPr id="4" name="Date Placeholder 3">
             <a:extLst>
               <a:ext uri="{FF2B5EF4-FFF2-40B4-BE49-F238E27FC236}">
-                <a16:creationId xmlns:a16="http://schemas.microsoft.com/office/drawing/2014/main" id="{CEA62D60-E4EC-9232-5735-BC4E0D62E632}"/>
+                <a16:creationId xmlns:a16="http://schemas.microsoft.com/office/drawing/2014/main" id="{2C8BBEEC-2F94-C834-41DE-D17ACF74D315}"/>
               </a:ext>
             </a:extLst>
           </p:cNvPr>
@@ -3361,9 +2923,9 @@
             </a:lvl1pPr>
           </a:lstStyle>
           <a:p>
-            <a:fld id="{E37AE081-BA87-43EE-B99D-C6C310204E90}" type="datetimeFigureOut">
+            <a:fld id="{4B21A34F-9ACB-4B9A-AC90-B216D47E3709}" type="datetimeFigureOut">
               <a:rPr lang="en-GB" smtClean="0"/>
-              <a:t>13/10/2025</a:t>
+              <a:t>26/10/2025</a:t>
             </a:fld>
             <a:endParaRPr lang="en-GB"/>
           </a:p>
@@ -3374,7 +2936,7 @@
           <p:cNvPr id="5" name="Footer Placeholder 4">
             <a:extLst>
               <a:ext uri="{FF2B5EF4-FFF2-40B4-BE49-F238E27FC236}">
-                <a16:creationId xmlns:a16="http://schemas.microsoft.com/office/drawing/2014/main" id="{BCC5CEE4-8C38-348C-2757-95068487970A}"/>
+                <a16:creationId xmlns:a16="http://schemas.microsoft.com/office/drawing/2014/main" id="{8675CFDB-393F-3A31-832E-06A4BAB56446}"/>
               </a:ext>
             </a:extLst>
           </p:cNvPr>
@@ -3417,7 +2979,7 @@
           <p:cNvPr id="6" name="Slide Number Placeholder 5">
             <a:extLst>
               <a:ext uri="{FF2B5EF4-FFF2-40B4-BE49-F238E27FC236}">
-                <a16:creationId xmlns:a16="http://schemas.microsoft.com/office/drawing/2014/main" id="{6FD01BB9-8A10-3A3A-3305-A3F19D54147F}"/>
+                <a16:creationId xmlns:a16="http://schemas.microsoft.com/office/drawing/2014/main" id="{32927D5E-E958-3F92-BF46-EA8BBB34D585}"/>
               </a:ext>
             </a:extLst>
           </p:cNvPr>
@@ -3451,7 +3013,7 @@
             </a:lvl1pPr>
           </a:lstStyle>
           <a:p>
-            <a:fld id="{D51EF858-C4EE-4350-BFFF-D7F4C0D3A98A}" type="slidenum">
+            <a:fld id="{9E570AA1-92D3-4DFF-BDD7-016ABAE833B1}" type="slidenum">
               <a:rPr lang="en-GB" smtClean="0"/>
               <a:t>‹#›</a:t>
             </a:fld>
@@ -3462,7 +3024,7 @@
     </p:spTree>
     <p:extLst>
       <p:ext uri="{BB962C8B-B14F-4D97-AF65-F5344CB8AC3E}">
-        <p14:creationId xmlns:p14="http://schemas.microsoft.com/office/powerpoint/2010/main" val="1125848730"/>
+        <p14:creationId xmlns:p14="http://schemas.microsoft.com/office/powerpoint/2010/main" val="1791314299"/>
       </p:ext>
     </p:extLst>
   </p:cSld>
@@ -3780,1400 +3342,12 @@
           <a:chExt cx="0" cy="0"/>
         </a:xfrm>
       </p:grpSpPr>
-      <p:graphicFrame>
-        <p:nvGraphicFramePr>
-          <p:cNvPr id="4" name="Table 3">
-            <a:extLst>
-              <a:ext uri="{FF2B5EF4-FFF2-40B4-BE49-F238E27FC236}">
-                <a16:creationId xmlns:a16="http://schemas.microsoft.com/office/drawing/2014/main" id="{0F061F0C-1217-1C5A-366D-7FE08CAC47CE}"/>
-              </a:ext>
-            </a:extLst>
-          </p:cNvPr>
-          <p:cNvGraphicFramePr>
-            <a:graphicFrameLocks noGrp="1"/>
-          </p:cNvGraphicFramePr>
-          <p:nvPr>
-            <p:extLst>
-              <p:ext uri="{D42A27DB-BD31-4B8C-83A1-F6EECF244321}">
-                <p14:modId xmlns:p14="http://schemas.microsoft.com/office/powerpoint/2010/main" val="1920711239"/>
-              </p:ext>
-            </p:extLst>
-          </p:nvPr>
-        </p:nvGraphicFramePr>
-        <p:xfrm>
-          <a:off x="2032000" y="753532"/>
-          <a:ext cx="8128001" cy="2595880"/>
-        </p:xfrm>
-        <a:graphic>
-          <a:graphicData uri="http://schemas.openxmlformats.org/drawingml/2006/table">
-            <a:tbl>
-              <a:tblPr firstRow="1" bandRow="1">
-                <a:tableStyleId>{5940675A-B579-460E-94D1-54222C63F5DA}</a:tableStyleId>
-              </a:tblPr>
-              <a:tblGrid>
-                <a:gridCol w="1161143">
-                  <a:extLst>
-                    <a:ext uri="{9D8B030D-6E8A-4147-A177-3AD203B41FA5}">
-                      <a16:colId xmlns:a16="http://schemas.microsoft.com/office/drawing/2014/main" val="295115836"/>
-                    </a:ext>
-                  </a:extLst>
-                </a:gridCol>
-                <a:gridCol w="1161143">
-                  <a:extLst>
-                    <a:ext uri="{9D8B030D-6E8A-4147-A177-3AD203B41FA5}">
-                      <a16:colId xmlns:a16="http://schemas.microsoft.com/office/drawing/2014/main" val="2389248758"/>
-                    </a:ext>
-                  </a:extLst>
-                </a:gridCol>
-                <a:gridCol w="1161143">
-                  <a:extLst>
-                    <a:ext uri="{9D8B030D-6E8A-4147-A177-3AD203B41FA5}">
-                      <a16:colId xmlns:a16="http://schemas.microsoft.com/office/drawing/2014/main" val="4245561325"/>
-                    </a:ext>
-                  </a:extLst>
-                </a:gridCol>
-                <a:gridCol w="1161143">
-                  <a:extLst>
-                    <a:ext uri="{9D8B030D-6E8A-4147-A177-3AD203B41FA5}">
-                      <a16:colId xmlns:a16="http://schemas.microsoft.com/office/drawing/2014/main" val="717408844"/>
-                    </a:ext>
-                  </a:extLst>
-                </a:gridCol>
-                <a:gridCol w="1161143">
-                  <a:extLst>
-                    <a:ext uri="{9D8B030D-6E8A-4147-A177-3AD203B41FA5}">
-                      <a16:colId xmlns:a16="http://schemas.microsoft.com/office/drawing/2014/main" val="43235062"/>
-                    </a:ext>
-                  </a:extLst>
-                </a:gridCol>
-                <a:gridCol w="1161143">
-                  <a:extLst>
-                    <a:ext uri="{9D8B030D-6E8A-4147-A177-3AD203B41FA5}">
-                      <a16:colId xmlns:a16="http://schemas.microsoft.com/office/drawing/2014/main" val="2288127857"/>
-                    </a:ext>
-                  </a:extLst>
-                </a:gridCol>
-                <a:gridCol w="1161143">
-                  <a:extLst>
-                    <a:ext uri="{9D8B030D-6E8A-4147-A177-3AD203B41FA5}">
-                      <a16:colId xmlns:a16="http://schemas.microsoft.com/office/drawing/2014/main" val="900279033"/>
-                    </a:ext>
-                  </a:extLst>
-                </a:gridCol>
-              </a:tblGrid>
-              <a:tr h="370840">
-                <a:tc>
-                  <a:txBody>
-                    <a:bodyPr/>
-                    <a:lstStyle/>
-                    <a:p>
-                      <a:pPr algn="ctr"/>
-                      <a:endParaRPr lang="en-GB" dirty="0"/>
-                    </a:p>
-                  </a:txBody>
-                  <a:tcPr anchor="ctr"/>
-                </a:tc>
-                <a:tc>
-                  <a:txBody>
-                    <a:bodyPr/>
-                    <a:lstStyle/>
-                    <a:p>
-                      <a:pPr algn="ctr"/>
-                      <a:r>
-                        <a:rPr lang="en-GB" dirty="0"/>
-                        <a:t>t1</a:t>
-                      </a:r>
-                    </a:p>
-                  </a:txBody>
-                  <a:tcPr anchor="ctr"/>
-                </a:tc>
-                <a:tc>
-                  <a:txBody>
-                    <a:bodyPr/>
-                    <a:lstStyle/>
-                    <a:p>
-                      <a:pPr algn="ctr"/>
-                      <a:r>
-                        <a:rPr lang="en-GB" dirty="0"/>
-                        <a:t>t2</a:t>
-                      </a:r>
-                    </a:p>
-                  </a:txBody>
-                  <a:tcPr anchor="ctr"/>
-                </a:tc>
-                <a:tc>
-                  <a:txBody>
-                    <a:bodyPr/>
-                    <a:lstStyle/>
-                    <a:p>
-                      <a:pPr algn="ctr"/>
-                      <a:r>
-                        <a:rPr lang="en-GB" dirty="0"/>
-                        <a:t>t3</a:t>
-                      </a:r>
-                    </a:p>
-                  </a:txBody>
-                  <a:tcPr anchor="ctr"/>
-                </a:tc>
-                <a:tc>
-                  <a:txBody>
-                    <a:bodyPr/>
-                    <a:lstStyle/>
-                    <a:p>
-                      <a:pPr algn="ctr"/>
-                      <a:r>
-                        <a:rPr lang="en-GB" dirty="0"/>
-                        <a:t>t4</a:t>
-                      </a:r>
-                    </a:p>
-                  </a:txBody>
-                  <a:tcPr anchor="ctr"/>
-                </a:tc>
-                <a:tc>
-                  <a:txBody>
-                    <a:bodyPr/>
-                    <a:lstStyle/>
-                    <a:p>
-                      <a:pPr algn="ctr"/>
-                      <a:r>
-                        <a:rPr lang="en-GB" dirty="0"/>
-                        <a:t>t5</a:t>
-                      </a:r>
-                    </a:p>
-                  </a:txBody>
-                  <a:tcPr anchor="ctr"/>
-                </a:tc>
-                <a:tc>
-                  <a:txBody>
-                    <a:bodyPr/>
-                    <a:lstStyle/>
-                    <a:p>
-                      <a:pPr algn="ctr"/>
-                      <a:r>
-                        <a:rPr lang="en-GB" dirty="0"/>
-                        <a:t>t6</a:t>
-                      </a:r>
-                    </a:p>
-                  </a:txBody>
-                  <a:tcPr anchor="ctr"/>
-                </a:tc>
-                <a:extLst>
-                  <a:ext uri="{0D108BD9-81ED-4DB2-BD59-A6C34878D82A}">
-                    <a16:rowId xmlns:a16="http://schemas.microsoft.com/office/drawing/2014/main" val="4228098545"/>
-                  </a:ext>
-                </a:extLst>
-              </a:tr>
-              <a:tr h="370840">
-                <a:tc>
-                  <a:txBody>
-                    <a:bodyPr/>
-                    <a:lstStyle/>
-                    <a:p>
-                      <a:pPr algn="ctr"/>
-                      <a:r>
-                        <a:rPr lang="en-GB" dirty="0"/>
-                        <a:t>t1</a:t>
-                      </a:r>
-                    </a:p>
-                  </a:txBody>
-                  <a:tcPr anchor="ctr"/>
-                </a:tc>
-                <a:tc>
-                  <a:txBody>
-                    <a:bodyPr/>
-                    <a:lstStyle/>
-                    <a:p>
-                      <a:pPr algn="ctr"/>
-                      <a:r>
-                        <a:rPr lang="en-GB" dirty="0"/>
-                        <a:t>S1,1</a:t>
-                      </a:r>
-                    </a:p>
-                  </a:txBody>
-                  <a:tcPr anchor="ctr"/>
-                </a:tc>
-                <a:tc>
-                  <a:txBody>
-                    <a:bodyPr/>
-                    <a:lstStyle/>
-                    <a:p>
-                      <a:pPr algn="ctr"/>
-                      <a:r>
-                        <a:rPr lang="en-GB" dirty="0"/>
-                        <a:t>S1,2</a:t>
-                      </a:r>
-                    </a:p>
-                  </a:txBody>
-                  <a:tcPr anchor="ctr"/>
-                </a:tc>
-                <a:tc>
-                  <a:txBody>
-                    <a:bodyPr/>
-                    <a:lstStyle/>
-                    <a:p>
-                      <a:pPr algn="ctr"/>
-                      <a:r>
-                        <a:rPr lang="en-GB" dirty="0"/>
-                        <a:t>S1,3</a:t>
-                      </a:r>
-                    </a:p>
-                  </a:txBody>
-                  <a:tcPr anchor="ctr"/>
-                </a:tc>
-                <a:tc>
-                  <a:txBody>
-                    <a:bodyPr/>
-                    <a:lstStyle/>
-                    <a:p>
-                      <a:pPr algn="ctr"/>
-                      <a:r>
-                        <a:rPr lang="en-GB" dirty="0"/>
-                        <a:t>S1,4</a:t>
-                      </a:r>
-                    </a:p>
-                  </a:txBody>
-                  <a:tcPr anchor="ctr"/>
-                </a:tc>
-                <a:tc>
-                  <a:txBody>
-                    <a:bodyPr/>
-                    <a:lstStyle/>
-                    <a:p>
-                      <a:pPr algn="ctr"/>
-                      <a:r>
-                        <a:rPr lang="en-GB" dirty="0"/>
-                        <a:t>S1,5</a:t>
-                      </a:r>
-                    </a:p>
-                  </a:txBody>
-                  <a:tcPr anchor="ctr"/>
-                </a:tc>
-                <a:tc>
-                  <a:txBody>
-                    <a:bodyPr/>
-                    <a:lstStyle/>
-                    <a:p>
-                      <a:pPr algn="ctr"/>
-                      <a:r>
-                        <a:rPr lang="en-GB" dirty="0"/>
-                        <a:t>S1,6</a:t>
-                      </a:r>
-                    </a:p>
-                  </a:txBody>
-                  <a:tcPr anchor="ctr"/>
-                </a:tc>
-                <a:extLst>
-                  <a:ext uri="{0D108BD9-81ED-4DB2-BD59-A6C34878D82A}">
-                    <a16:rowId xmlns:a16="http://schemas.microsoft.com/office/drawing/2014/main" val="1865109770"/>
-                  </a:ext>
-                </a:extLst>
-              </a:tr>
-              <a:tr h="370840">
-                <a:tc>
-                  <a:txBody>
-                    <a:bodyPr/>
-                    <a:lstStyle/>
-                    <a:p>
-                      <a:pPr marL="0" marR="0" lvl="0" indent="0" algn="ctr" defTabSz="914400" rtl="0" eaLnBrk="1" fontAlgn="auto" latinLnBrk="0" hangingPunct="1">
-                        <a:lnSpc>
-                          <a:spcPct val="100000"/>
-                        </a:lnSpc>
-                        <a:spcBef>
-                          <a:spcPts val="0"/>
-                        </a:spcBef>
-                        <a:spcAft>
-                          <a:spcPts val="0"/>
-                        </a:spcAft>
-                        <a:buClrTx/>
-                        <a:buSzTx/>
-                        <a:buFontTx/>
-                        <a:buNone/>
-                        <a:tabLst/>
-                        <a:defRPr/>
-                      </a:pPr>
-                      <a:r>
-                        <a:rPr lang="en-GB" dirty="0"/>
-                        <a:t>t2</a:t>
-                      </a:r>
-                    </a:p>
-                  </a:txBody>
-                  <a:tcPr anchor="ctr"/>
-                </a:tc>
-                <a:tc>
-                  <a:txBody>
-                    <a:bodyPr/>
-                    <a:lstStyle/>
-                    <a:p>
-                      <a:pPr algn="ctr"/>
-                      <a:r>
-                        <a:rPr lang="en-GB" dirty="0"/>
-                        <a:t>-inf</a:t>
-                      </a:r>
-                    </a:p>
-                  </a:txBody>
-                  <a:tcPr anchor="ctr"/>
-                </a:tc>
-                <a:tc>
-                  <a:txBody>
-                    <a:bodyPr/>
-                    <a:lstStyle/>
-                    <a:p>
-                      <a:pPr algn="ctr"/>
-                      <a:r>
-                        <a:rPr lang="en-GB" dirty="0"/>
-                        <a:t>S2,2</a:t>
-                      </a:r>
-                    </a:p>
-                  </a:txBody>
-                  <a:tcPr anchor="ctr"/>
-                </a:tc>
-                <a:tc>
-                  <a:txBody>
-                    <a:bodyPr/>
-                    <a:lstStyle/>
-                    <a:p>
-                      <a:pPr algn="ctr"/>
-                      <a:r>
-                        <a:rPr lang="en-GB" dirty="0"/>
-                        <a:t>S2,3</a:t>
-                      </a:r>
-                    </a:p>
-                  </a:txBody>
-                  <a:tcPr anchor="ctr"/>
-                </a:tc>
-                <a:tc>
-                  <a:txBody>
-                    <a:bodyPr/>
-                    <a:lstStyle/>
-                    <a:p>
-                      <a:pPr algn="ctr"/>
-                      <a:r>
-                        <a:rPr lang="en-GB" dirty="0"/>
-                        <a:t>S2,4</a:t>
-                      </a:r>
-                    </a:p>
-                  </a:txBody>
-                  <a:tcPr anchor="ctr"/>
-                </a:tc>
-                <a:tc>
-                  <a:txBody>
-                    <a:bodyPr/>
-                    <a:lstStyle/>
-                    <a:p>
-                      <a:pPr algn="ctr"/>
-                      <a:r>
-                        <a:rPr lang="en-GB" dirty="0"/>
-                        <a:t>S2,5</a:t>
-                      </a:r>
-                    </a:p>
-                  </a:txBody>
-                  <a:tcPr anchor="ctr"/>
-                </a:tc>
-                <a:tc>
-                  <a:txBody>
-                    <a:bodyPr/>
-                    <a:lstStyle/>
-                    <a:p>
-                      <a:pPr algn="ctr"/>
-                      <a:r>
-                        <a:rPr lang="en-GB" dirty="0"/>
-                        <a:t>S2,6</a:t>
-                      </a:r>
-                    </a:p>
-                  </a:txBody>
-                  <a:tcPr anchor="ctr"/>
-                </a:tc>
-                <a:extLst>
-                  <a:ext uri="{0D108BD9-81ED-4DB2-BD59-A6C34878D82A}">
-                    <a16:rowId xmlns:a16="http://schemas.microsoft.com/office/drawing/2014/main" val="1087384317"/>
-                  </a:ext>
-                </a:extLst>
-              </a:tr>
-              <a:tr h="370840">
-                <a:tc>
-                  <a:txBody>
-                    <a:bodyPr/>
-                    <a:lstStyle/>
-                    <a:p>
-                      <a:pPr marL="0" marR="0" lvl="0" indent="0" algn="ctr" defTabSz="914400" rtl="0" eaLnBrk="1" fontAlgn="auto" latinLnBrk="0" hangingPunct="1">
-                        <a:lnSpc>
-                          <a:spcPct val="100000"/>
-                        </a:lnSpc>
-                        <a:spcBef>
-                          <a:spcPts val="0"/>
-                        </a:spcBef>
-                        <a:spcAft>
-                          <a:spcPts val="0"/>
-                        </a:spcAft>
-                        <a:buClrTx/>
-                        <a:buSzTx/>
-                        <a:buFontTx/>
-                        <a:buNone/>
-                        <a:tabLst/>
-                        <a:defRPr/>
-                      </a:pPr>
-                      <a:r>
-                        <a:rPr lang="en-GB" dirty="0"/>
-                        <a:t>t3</a:t>
-                      </a:r>
-                    </a:p>
-                  </a:txBody>
-                  <a:tcPr anchor="ctr"/>
-                </a:tc>
-                <a:tc>
-                  <a:txBody>
-                    <a:bodyPr/>
-                    <a:lstStyle/>
-                    <a:p>
-                      <a:pPr marL="0" marR="0" lvl="0" indent="0" algn="ctr" defTabSz="914400" rtl="0" eaLnBrk="1" fontAlgn="auto" latinLnBrk="0" hangingPunct="1">
-                        <a:lnSpc>
-                          <a:spcPct val="100000"/>
-                        </a:lnSpc>
-                        <a:spcBef>
-                          <a:spcPts val="0"/>
-                        </a:spcBef>
-                        <a:spcAft>
-                          <a:spcPts val="0"/>
-                        </a:spcAft>
-                        <a:buClrTx/>
-                        <a:buSzTx/>
-                        <a:buFontTx/>
-                        <a:buNone/>
-                        <a:tabLst/>
-                        <a:defRPr/>
-                      </a:pPr>
-                      <a:r>
-                        <a:rPr kumimoji="0" lang="en-GB" sz="1800" b="0" i="0" u="none" strike="noStrike" kern="1200" cap="none" spc="0" normalizeH="0" baseline="0" noProof="0">
-                          <a:ln>
-                            <a:noFill/>
-                          </a:ln>
-                          <a:solidFill>
-                            <a:prstClr val="black"/>
-                          </a:solidFill>
-                          <a:effectLst/>
-                          <a:uLnTx/>
-                          <a:uFillTx/>
-                          <a:latin typeface="Aptos" panose="02110004020202020204"/>
-                          <a:ea typeface="+mn-ea"/>
-                          <a:cs typeface="+mn-cs"/>
-                        </a:rPr>
-                        <a:t>-inf</a:t>
-                      </a:r>
-                      <a:endParaRPr kumimoji="0" lang="en-GB" sz="1800" b="0" i="0" u="none" strike="noStrike" kern="1200" cap="none" spc="0" normalizeH="0" baseline="0" noProof="0" dirty="0">
-                        <a:ln>
-                          <a:noFill/>
-                        </a:ln>
-                        <a:solidFill>
-                          <a:prstClr val="black"/>
-                        </a:solidFill>
-                        <a:effectLst/>
-                        <a:uLnTx/>
-                        <a:uFillTx/>
-                        <a:latin typeface="Aptos" panose="02110004020202020204"/>
-                        <a:ea typeface="+mn-ea"/>
-                        <a:cs typeface="+mn-cs"/>
-                      </a:endParaRPr>
-                    </a:p>
-                  </a:txBody>
-                  <a:tcPr anchor="ctr"/>
-                </a:tc>
-                <a:tc>
-                  <a:txBody>
-                    <a:bodyPr/>
-                    <a:lstStyle/>
-                    <a:p>
-                      <a:pPr marL="0" marR="0" lvl="0" indent="0" algn="ctr" defTabSz="914400" rtl="0" eaLnBrk="1" fontAlgn="auto" latinLnBrk="0" hangingPunct="1">
-                        <a:lnSpc>
-                          <a:spcPct val="100000"/>
-                        </a:lnSpc>
-                        <a:spcBef>
-                          <a:spcPts val="0"/>
-                        </a:spcBef>
-                        <a:spcAft>
-                          <a:spcPts val="0"/>
-                        </a:spcAft>
-                        <a:buClrTx/>
-                        <a:buSzTx/>
-                        <a:buFontTx/>
-                        <a:buNone/>
-                        <a:tabLst/>
-                        <a:defRPr/>
-                      </a:pPr>
-                      <a:r>
-                        <a:rPr kumimoji="0" lang="en-GB" sz="1800" b="0" i="0" u="none" strike="noStrike" kern="1200" cap="none" spc="0" normalizeH="0" baseline="0" noProof="0">
-                          <a:ln>
-                            <a:noFill/>
-                          </a:ln>
-                          <a:solidFill>
-                            <a:prstClr val="black"/>
-                          </a:solidFill>
-                          <a:effectLst/>
-                          <a:uLnTx/>
-                          <a:uFillTx/>
-                          <a:latin typeface="Aptos" panose="02110004020202020204"/>
-                          <a:ea typeface="+mn-ea"/>
-                          <a:cs typeface="+mn-cs"/>
-                        </a:rPr>
-                        <a:t>-inf</a:t>
-                      </a:r>
-                      <a:endParaRPr kumimoji="0" lang="en-GB" sz="1800" b="0" i="0" u="none" strike="noStrike" kern="1200" cap="none" spc="0" normalizeH="0" baseline="0" noProof="0" dirty="0">
-                        <a:ln>
-                          <a:noFill/>
-                        </a:ln>
-                        <a:solidFill>
-                          <a:prstClr val="black"/>
-                        </a:solidFill>
-                        <a:effectLst/>
-                        <a:uLnTx/>
-                        <a:uFillTx/>
-                        <a:latin typeface="Aptos" panose="02110004020202020204"/>
-                        <a:ea typeface="+mn-ea"/>
-                        <a:cs typeface="+mn-cs"/>
-                      </a:endParaRPr>
-                    </a:p>
-                  </a:txBody>
-                  <a:tcPr anchor="ctr"/>
-                </a:tc>
-                <a:tc>
-                  <a:txBody>
-                    <a:bodyPr/>
-                    <a:lstStyle/>
-                    <a:p>
-                      <a:pPr algn="ctr"/>
-                      <a:r>
-                        <a:rPr lang="en-GB" dirty="0"/>
-                        <a:t>S3,3</a:t>
-                      </a:r>
-                    </a:p>
-                  </a:txBody>
-                  <a:tcPr anchor="ctr"/>
-                </a:tc>
-                <a:tc>
-                  <a:txBody>
-                    <a:bodyPr/>
-                    <a:lstStyle/>
-                    <a:p>
-                      <a:pPr algn="ctr"/>
-                      <a:r>
-                        <a:rPr lang="en-GB" dirty="0"/>
-                        <a:t>S3,4</a:t>
-                      </a:r>
-                    </a:p>
-                  </a:txBody>
-                  <a:tcPr anchor="ctr"/>
-                </a:tc>
-                <a:tc>
-                  <a:txBody>
-                    <a:bodyPr/>
-                    <a:lstStyle/>
-                    <a:p>
-                      <a:pPr algn="ctr"/>
-                      <a:r>
-                        <a:rPr lang="en-GB" dirty="0"/>
-                        <a:t>S3,5</a:t>
-                      </a:r>
-                    </a:p>
-                  </a:txBody>
-                  <a:tcPr anchor="ctr"/>
-                </a:tc>
-                <a:tc>
-                  <a:txBody>
-                    <a:bodyPr/>
-                    <a:lstStyle/>
-                    <a:p>
-                      <a:pPr algn="ctr"/>
-                      <a:r>
-                        <a:rPr lang="en-GB" dirty="0"/>
-                        <a:t>S3,6</a:t>
-                      </a:r>
-                    </a:p>
-                  </a:txBody>
-                  <a:tcPr anchor="ctr"/>
-                </a:tc>
-                <a:extLst>
-                  <a:ext uri="{0D108BD9-81ED-4DB2-BD59-A6C34878D82A}">
-                    <a16:rowId xmlns:a16="http://schemas.microsoft.com/office/drawing/2014/main" val="2710282833"/>
-                  </a:ext>
-                </a:extLst>
-              </a:tr>
-              <a:tr h="370840">
-                <a:tc>
-                  <a:txBody>
-                    <a:bodyPr/>
-                    <a:lstStyle/>
-                    <a:p>
-                      <a:pPr marL="0" marR="0" lvl="0" indent="0" algn="ctr" defTabSz="914400" rtl="0" eaLnBrk="1" fontAlgn="auto" latinLnBrk="0" hangingPunct="1">
-                        <a:lnSpc>
-                          <a:spcPct val="100000"/>
-                        </a:lnSpc>
-                        <a:spcBef>
-                          <a:spcPts val="0"/>
-                        </a:spcBef>
-                        <a:spcAft>
-                          <a:spcPts val="0"/>
-                        </a:spcAft>
-                        <a:buClrTx/>
-                        <a:buSzTx/>
-                        <a:buFontTx/>
-                        <a:buNone/>
-                        <a:tabLst/>
-                        <a:defRPr/>
-                      </a:pPr>
-                      <a:r>
-                        <a:rPr lang="en-GB" dirty="0"/>
-                        <a:t>t4</a:t>
-                      </a:r>
-                    </a:p>
-                  </a:txBody>
-                  <a:tcPr anchor="ctr"/>
-                </a:tc>
-                <a:tc>
-                  <a:txBody>
-                    <a:bodyPr/>
-                    <a:lstStyle/>
-                    <a:p>
-                      <a:pPr marL="0" marR="0" lvl="0" indent="0" algn="ctr" defTabSz="914400" rtl="0" eaLnBrk="1" fontAlgn="auto" latinLnBrk="0" hangingPunct="1">
-                        <a:lnSpc>
-                          <a:spcPct val="100000"/>
-                        </a:lnSpc>
-                        <a:spcBef>
-                          <a:spcPts val="0"/>
-                        </a:spcBef>
-                        <a:spcAft>
-                          <a:spcPts val="0"/>
-                        </a:spcAft>
-                        <a:buClrTx/>
-                        <a:buSzTx/>
-                        <a:buFontTx/>
-                        <a:buNone/>
-                        <a:tabLst/>
-                        <a:defRPr/>
-                      </a:pPr>
-                      <a:r>
-                        <a:rPr kumimoji="0" lang="en-GB" sz="1800" b="0" i="0" u="none" strike="noStrike" kern="1200" cap="none" spc="0" normalizeH="0" baseline="0" noProof="0">
-                          <a:ln>
-                            <a:noFill/>
-                          </a:ln>
-                          <a:solidFill>
-                            <a:prstClr val="black"/>
-                          </a:solidFill>
-                          <a:effectLst/>
-                          <a:uLnTx/>
-                          <a:uFillTx/>
-                          <a:latin typeface="Aptos" panose="02110004020202020204"/>
-                          <a:ea typeface="+mn-ea"/>
-                          <a:cs typeface="+mn-cs"/>
-                        </a:rPr>
-                        <a:t>-inf</a:t>
-                      </a:r>
-                      <a:endParaRPr kumimoji="0" lang="en-GB" sz="1800" b="0" i="0" u="none" strike="noStrike" kern="1200" cap="none" spc="0" normalizeH="0" baseline="0" noProof="0" dirty="0">
-                        <a:ln>
-                          <a:noFill/>
-                        </a:ln>
-                        <a:solidFill>
-                          <a:prstClr val="black"/>
-                        </a:solidFill>
-                        <a:effectLst/>
-                        <a:uLnTx/>
-                        <a:uFillTx/>
-                        <a:latin typeface="Aptos" panose="02110004020202020204"/>
-                        <a:ea typeface="+mn-ea"/>
-                        <a:cs typeface="+mn-cs"/>
-                      </a:endParaRPr>
-                    </a:p>
-                  </a:txBody>
-                  <a:tcPr anchor="ctr"/>
-                </a:tc>
-                <a:tc>
-                  <a:txBody>
-                    <a:bodyPr/>
-                    <a:lstStyle/>
-                    <a:p>
-                      <a:pPr marL="0" marR="0" lvl="0" indent="0" algn="ctr" defTabSz="914400" rtl="0" eaLnBrk="1" fontAlgn="auto" latinLnBrk="0" hangingPunct="1">
-                        <a:lnSpc>
-                          <a:spcPct val="100000"/>
-                        </a:lnSpc>
-                        <a:spcBef>
-                          <a:spcPts val="0"/>
-                        </a:spcBef>
-                        <a:spcAft>
-                          <a:spcPts val="0"/>
-                        </a:spcAft>
-                        <a:buClrTx/>
-                        <a:buSzTx/>
-                        <a:buFontTx/>
-                        <a:buNone/>
-                        <a:tabLst/>
-                        <a:defRPr/>
-                      </a:pPr>
-                      <a:r>
-                        <a:rPr kumimoji="0" lang="en-GB" sz="1800" b="0" i="0" u="none" strike="noStrike" kern="1200" cap="none" spc="0" normalizeH="0" baseline="0" noProof="0">
-                          <a:ln>
-                            <a:noFill/>
-                          </a:ln>
-                          <a:solidFill>
-                            <a:prstClr val="black"/>
-                          </a:solidFill>
-                          <a:effectLst/>
-                          <a:uLnTx/>
-                          <a:uFillTx/>
-                          <a:latin typeface="Aptos" panose="02110004020202020204"/>
-                          <a:ea typeface="+mn-ea"/>
-                          <a:cs typeface="+mn-cs"/>
-                        </a:rPr>
-                        <a:t>-inf</a:t>
-                      </a:r>
-                      <a:endParaRPr kumimoji="0" lang="en-GB" sz="1800" b="0" i="0" u="none" strike="noStrike" kern="1200" cap="none" spc="0" normalizeH="0" baseline="0" noProof="0" dirty="0">
-                        <a:ln>
-                          <a:noFill/>
-                        </a:ln>
-                        <a:solidFill>
-                          <a:prstClr val="black"/>
-                        </a:solidFill>
-                        <a:effectLst/>
-                        <a:uLnTx/>
-                        <a:uFillTx/>
-                        <a:latin typeface="Aptos" panose="02110004020202020204"/>
-                        <a:ea typeface="+mn-ea"/>
-                        <a:cs typeface="+mn-cs"/>
-                      </a:endParaRPr>
-                    </a:p>
-                  </a:txBody>
-                  <a:tcPr anchor="ctr"/>
-                </a:tc>
-                <a:tc>
-                  <a:txBody>
-                    <a:bodyPr/>
-                    <a:lstStyle/>
-                    <a:p>
-                      <a:pPr marL="0" marR="0" lvl="0" indent="0" algn="ctr" defTabSz="914400" rtl="0" eaLnBrk="1" fontAlgn="auto" latinLnBrk="0" hangingPunct="1">
-                        <a:lnSpc>
-                          <a:spcPct val="100000"/>
-                        </a:lnSpc>
-                        <a:spcBef>
-                          <a:spcPts val="0"/>
-                        </a:spcBef>
-                        <a:spcAft>
-                          <a:spcPts val="0"/>
-                        </a:spcAft>
-                        <a:buClrTx/>
-                        <a:buSzTx/>
-                        <a:buFontTx/>
-                        <a:buNone/>
-                        <a:tabLst/>
-                        <a:defRPr/>
-                      </a:pPr>
-                      <a:r>
-                        <a:rPr kumimoji="0" lang="en-GB" sz="1800" b="0" i="0" u="none" strike="noStrike" kern="1200" cap="none" spc="0" normalizeH="0" baseline="0" noProof="0" dirty="0">
-                          <a:ln>
-                            <a:noFill/>
-                          </a:ln>
-                          <a:solidFill>
-                            <a:prstClr val="black"/>
-                          </a:solidFill>
-                          <a:effectLst/>
-                          <a:uLnTx/>
-                          <a:uFillTx/>
-                          <a:latin typeface="Aptos" panose="02110004020202020204"/>
-                          <a:ea typeface="+mn-ea"/>
-                          <a:cs typeface="+mn-cs"/>
-                        </a:rPr>
-                        <a:t>-inf</a:t>
-                      </a:r>
-                    </a:p>
-                  </a:txBody>
-                  <a:tcPr anchor="ctr"/>
-                </a:tc>
-                <a:tc>
-                  <a:txBody>
-                    <a:bodyPr/>
-                    <a:lstStyle/>
-                    <a:p>
-                      <a:pPr algn="ctr"/>
-                      <a:r>
-                        <a:rPr lang="en-GB" dirty="0"/>
-                        <a:t>S4,4</a:t>
-                      </a:r>
-                    </a:p>
-                  </a:txBody>
-                  <a:tcPr anchor="ctr"/>
-                </a:tc>
-                <a:tc>
-                  <a:txBody>
-                    <a:bodyPr/>
-                    <a:lstStyle/>
-                    <a:p>
-                      <a:pPr algn="ctr"/>
-                      <a:r>
-                        <a:rPr lang="en-GB" dirty="0"/>
-                        <a:t>S4,5</a:t>
-                      </a:r>
-                    </a:p>
-                  </a:txBody>
-                  <a:tcPr anchor="ctr"/>
-                </a:tc>
-                <a:tc>
-                  <a:txBody>
-                    <a:bodyPr/>
-                    <a:lstStyle/>
-                    <a:p>
-                      <a:pPr algn="ctr"/>
-                      <a:r>
-                        <a:rPr lang="en-GB" dirty="0"/>
-                        <a:t>S4,6</a:t>
-                      </a:r>
-                    </a:p>
-                  </a:txBody>
-                  <a:tcPr anchor="ctr"/>
-                </a:tc>
-                <a:extLst>
-                  <a:ext uri="{0D108BD9-81ED-4DB2-BD59-A6C34878D82A}">
-                    <a16:rowId xmlns:a16="http://schemas.microsoft.com/office/drawing/2014/main" val="3645286241"/>
-                  </a:ext>
-                </a:extLst>
-              </a:tr>
-              <a:tr h="370840">
-                <a:tc>
-                  <a:txBody>
-                    <a:bodyPr/>
-                    <a:lstStyle/>
-                    <a:p>
-                      <a:pPr marL="0" marR="0" lvl="0" indent="0" algn="ctr" defTabSz="914400" rtl="0" eaLnBrk="1" fontAlgn="auto" latinLnBrk="0" hangingPunct="1">
-                        <a:lnSpc>
-                          <a:spcPct val="100000"/>
-                        </a:lnSpc>
-                        <a:spcBef>
-                          <a:spcPts val="0"/>
-                        </a:spcBef>
-                        <a:spcAft>
-                          <a:spcPts val="0"/>
-                        </a:spcAft>
-                        <a:buClrTx/>
-                        <a:buSzTx/>
-                        <a:buFontTx/>
-                        <a:buNone/>
-                        <a:tabLst/>
-                        <a:defRPr/>
-                      </a:pPr>
-                      <a:r>
-                        <a:rPr lang="en-GB" dirty="0"/>
-                        <a:t>t5</a:t>
-                      </a:r>
-                    </a:p>
-                  </a:txBody>
-                  <a:tcPr anchor="ctr"/>
-                </a:tc>
-                <a:tc>
-                  <a:txBody>
-                    <a:bodyPr/>
-                    <a:lstStyle/>
-                    <a:p>
-                      <a:pPr marL="0" marR="0" lvl="0" indent="0" algn="ctr" defTabSz="914400" rtl="0" eaLnBrk="1" fontAlgn="auto" latinLnBrk="0" hangingPunct="1">
-                        <a:lnSpc>
-                          <a:spcPct val="100000"/>
-                        </a:lnSpc>
-                        <a:spcBef>
-                          <a:spcPts val="0"/>
-                        </a:spcBef>
-                        <a:spcAft>
-                          <a:spcPts val="0"/>
-                        </a:spcAft>
-                        <a:buClrTx/>
-                        <a:buSzTx/>
-                        <a:buFontTx/>
-                        <a:buNone/>
-                        <a:tabLst/>
-                        <a:defRPr/>
-                      </a:pPr>
-                      <a:r>
-                        <a:rPr kumimoji="0" lang="en-GB" sz="1800" b="0" i="0" u="none" strike="noStrike" kern="1200" cap="none" spc="0" normalizeH="0" baseline="0" noProof="0">
-                          <a:ln>
-                            <a:noFill/>
-                          </a:ln>
-                          <a:solidFill>
-                            <a:prstClr val="black"/>
-                          </a:solidFill>
-                          <a:effectLst/>
-                          <a:uLnTx/>
-                          <a:uFillTx/>
-                          <a:latin typeface="Aptos" panose="02110004020202020204"/>
-                          <a:ea typeface="+mn-ea"/>
-                          <a:cs typeface="+mn-cs"/>
-                        </a:rPr>
-                        <a:t>-inf</a:t>
-                      </a:r>
-                      <a:endParaRPr kumimoji="0" lang="en-GB" sz="1800" b="0" i="0" u="none" strike="noStrike" kern="1200" cap="none" spc="0" normalizeH="0" baseline="0" noProof="0" dirty="0">
-                        <a:ln>
-                          <a:noFill/>
-                        </a:ln>
-                        <a:solidFill>
-                          <a:prstClr val="black"/>
-                        </a:solidFill>
-                        <a:effectLst/>
-                        <a:uLnTx/>
-                        <a:uFillTx/>
-                        <a:latin typeface="Aptos" panose="02110004020202020204"/>
-                        <a:ea typeface="+mn-ea"/>
-                        <a:cs typeface="+mn-cs"/>
-                      </a:endParaRPr>
-                    </a:p>
-                  </a:txBody>
-                  <a:tcPr anchor="ctr"/>
-                </a:tc>
-                <a:tc>
-                  <a:txBody>
-                    <a:bodyPr/>
-                    <a:lstStyle/>
-                    <a:p>
-                      <a:pPr marL="0" marR="0" lvl="0" indent="0" algn="ctr" defTabSz="914400" rtl="0" eaLnBrk="1" fontAlgn="auto" latinLnBrk="0" hangingPunct="1">
-                        <a:lnSpc>
-                          <a:spcPct val="100000"/>
-                        </a:lnSpc>
-                        <a:spcBef>
-                          <a:spcPts val="0"/>
-                        </a:spcBef>
-                        <a:spcAft>
-                          <a:spcPts val="0"/>
-                        </a:spcAft>
-                        <a:buClrTx/>
-                        <a:buSzTx/>
-                        <a:buFontTx/>
-                        <a:buNone/>
-                        <a:tabLst/>
-                        <a:defRPr/>
-                      </a:pPr>
-                      <a:r>
-                        <a:rPr kumimoji="0" lang="en-GB" sz="1800" b="0" i="0" u="none" strike="noStrike" kern="1200" cap="none" spc="0" normalizeH="0" baseline="0" noProof="0">
-                          <a:ln>
-                            <a:noFill/>
-                          </a:ln>
-                          <a:solidFill>
-                            <a:prstClr val="black"/>
-                          </a:solidFill>
-                          <a:effectLst/>
-                          <a:uLnTx/>
-                          <a:uFillTx/>
-                          <a:latin typeface="Aptos" panose="02110004020202020204"/>
-                          <a:ea typeface="+mn-ea"/>
-                          <a:cs typeface="+mn-cs"/>
-                        </a:rPr>
-                        <a:t>-inf</a:t>
-                      </a:r>
-                      <a:endParaRPr kumimoji="0" lang="en-GB" sz="1800" b="0" i="0" u="none" strike="noStrike" kern="1200" cap="none" spc="0" normalizeH="0" baseline="0" noProof="0" dirty="0">
-                        <a:ln>
-                          <a:noFill/>
-                        </a:ln>
-                        <a:solidFill>
-                          <a:prstClr val="black"/>
-                        </a:solidFill>
-                        <a:effectLst/>
-                        <a:uLnTx/>
-                        <a:uFillTx/>
-                        <a:latin typeface="Aptos" panose="02110004020202020204"/>
-                        <a:ea typeface="+mn-ea"/>
-                        <a:cs typeface="+mn-cs"/>
-                      </a:endParaRPr>
-                    </a:p>
-                  </a:txBody>
-                  <a:tcPr anchor="ctr"/>
-                </a:tc>
-                <a:tc>
-                  <a:txBody>
-                    <a:bodyPr/>
-                    <a:lstStyle/>
-                    <a:p>
-                      <a:pPr marL="0" marR="0" lvl="0" indent="0" algn="ctr" defTabSz="914400" rtl="0" eaLnBrk="1" fontAlgn="auto" latinLnBrk="0" hangingPunct="1">
-                        <a:lnSpc>
-                          <a:spcPct val="100000"/>
-                        </a:lnSpc>
-                        <a:spcBef>
-                          <a:spcPts val="0"/>
-                        </a:spcBef>
-                        <a:spcAft>
-                          <a:spcPts val="0"/>
-                        </a:spcAft>
-                        <a:buClrTx/>
-                        <a:buSzTx/>
-                        <a:buFontTx/>
-                        <a:buNone/>
-                        <a:tabLst/>
-                        <a:defRPr/>
-                      </a:pPr>
-                      <a:r>
-                        <a:rPr kumimoji="0" lang="en-GB" sz="1800" b="0" i="0" u="none" strike="noStrike" kern="1200" cap="none" spc="0" normalizeH="0" baseline="0" noProof="0" dirty="0">
-                          <a:ln>
-                            <a:noFill/>
-                          </a:ln>
-                          <a:solidFill>
-                            <a:prstClr val="black"/>
-                          </a:solidFill>
-                          <a:effectLst/>
-                          <a:uLnTx/>
-                          <a:uFillTx/>
-                          <a:latin typeface="Aptos" panose="02110004020202020204"/>
-                          <a:ea typeface="+mn-ea"/>
-                          <a:cs typeface="+mn-cs"/>
-                        </a:rPr>
-                        <a:t>-inf</a:t>
-                      </a:r>
-                    </a:p>
-                  </a:txBody>
-                  <a:tcPr anchor="ctr"/>
-                </a:tc>
-                <a:tc>
-                  <a:txBody>
-                    <a:bodyPr/>
-                    <a:lstStyle/>
-                    <a:p>
-                      <a:pPr marL="0" marR="0" lvl="0" indent="0" algn="ctr" defTabSz="914400" rtl="0" eaLnBrk="1" fontAlgn="auto" latinLnBrk="0" hangingPunct="1">
-                        <a:lnSpc>
-                          <a:spcPct val="100000"/>
-                        </a:lnSpc>
-                        <a:spcBef>
-                          <a:spcPts val="0"/>
-                        </a:spcBef>
-                        <a:spcAft>
-                          <a:spcPts val="0"/>
-                        </a:spcAft>
-                        <a:buClrTx/>
-                        <a:buSzTx/>
-                        <a:buFontTx/>
-                        <a:buNone/>
-                        <a:tabLst/>
-                        <a:defRPr/>
-                      </a:pPr>
-                      <a:r>
-                        <a:rPr kumimoji="0" lang="en-GB" sz="1800" b="0" i="0" u="none" strike="noStrike" kern="1200" cap="none" spc="0" normalizeH="0" baseline="0" noProof="0" dirty="0">
-                          <a:ln>
-                            <a:noFill/>
-                          </a:ln>
-                          <a:solidFill>
-                            <a:prstClr val="black"/>
-                          </a:solidFill>
-                          <a:effectLst/>
-                          <a:uLnTx/>
-                          <a:uFillTx/>
-                          <a:latin typeface="Aptos" panose="02110004020202020204"/>
-                          <a:ea typeface="+mn-ea"/>
-                          <a:cs typeface="+mn-cs"/>
-                        </a:rPr>
-                        <a:t>-inf</a:t>
-                      </a:r>
-                    </a:p>
-                  </a:txBody>
-                  <a:tcPr anchor="ctr"/>
-                </a:tc>
-                <a:tc>
-                  <a:txBody>
-                    <a:bodyPr/>
-                    <a:lstStyle/>
-                    <a:p>
-                      <a:pPr algn="ctr"/>
-                      <a:r>
-                        <a:rPr lang="en-GB" dirty="0"/>
-                        <a:t>S5,5</a:t>
-                      </a:r>
-                    </a:p>
-                  </a:txBody>
-                  <a:tcPr anchor="ctr"/>
-                </a:tc>
-                <a:tc>
-                  <a:txBody>
-                    <a:bodyPr/>
-                    <a:lstStyle/>
-                    <a:p>
-                      <a:pPr algn="ctr"/>
-                      <a:r>
-                        <a:rPr lang="en-GB" dirty="0"/>
-                        <a:t>S5,6</a:t>
-                      </a:r>
-                    </a:p>
-                  </a:txBody>
-                  <a:tcPr anchor="ctr"/>
-                </a:tc>
-                <a:extLst>
-                  <a:ext uri="{0D108BD9-81ED-4DB2-BD59-A6C34878D82A}">
-                    <a16:rowId xmlns:a16="http://schemas.microsoft.com/office/drawing/2014/main" val="1936581814"/>
-                  </a:ext>
-                </a:extLst>
-              </a:tr>
-              <a:tr h="370840">
-                <a:tc>
-                  <a:txBody>
-                    <a:bodyPr/>
-                    <a:lstStyle/>
-                    <a:p>
-                      <a:pPr marL="0" marR="0" lvl="0" indent="0" algn="ctr" defTabSz="914400" rtl="0" eaLnBrk="1" fontAlgn="auto" latinLnBrk="0" hangingPunct="1">
-                        <a:lnSpc>
-                          <a:spcPct val="100000"/>
-                        </a:lnSpc>
-                        <a:spcBef>
-                          <a:spcPts val="0"/>
-                        </a:spcBef>
-                        <a:spcAft>
-                          <a:spcPts val="0"/>
-                        </a:spcAft>
-                        <a:buClrTx/>
-                        <a:buSzTx/>
-                        <a:buFontTx/>
-                        <a:buNone/>
-                        <a:tabLst/>
-                        <a:defRPr/>
-                      </a:pPr>
-                      <a:r>
-                        <a:rPr lang="en-GB" dirty="0"/>
-                        <a:t>t6</a:t>
-                      </a:r>
-                    </a:p>
-                  </a:txBody>
-                  <a:tcPr anchor="ctr"/>
-                </a:tc>
-                <a:tc>
-                  <a:txBody>
-                    <a:bodyPr/>
-                    <a:lstStyle/>
-                    <a:p>
-                      <a:pPr marL="0" marR="0" lvl="0" indent="0" algn="ctr" defTabSz="914400" rtl="0" eaLnBrk="1" fontAlgn="auto" latinLnBrk="0" hangingPunct="1">
-                        <a:lnSpc>
-                          <a:spcPct val="100000"/>
-                        </a:lnSpc>
-                        <a:spcBef>
-                          <a:spcPts val="0"/>
-                        </a:spcBef>
-                        <a:spcAft>
-                          <a:spcPts val="0"/>
-                        </a:spcAft>
-                        <a:buClrTx/>
-                        <a:buSzTx/>
-                        <a:buFontTx/>
-                        <a:buNone/>
-                        <a:tabLst/>
-                        <a:defRPr/>
-                      </a:pPr>
-                      <a:r>
-                        <a:rPr kumimoji="0" lang="en-GB" sz="1800" b="0" i="0" u="none" strike="noStrike" kern="1200" cap="none" spc="0" normalizeH="0" baseline="0" noProof="0" dirty="0">
-                          <a:ln>
-                            <a:noFill/>
-                          </a:ln>
-                          <a:solidFill>
-                            <a:prstClr val="black"/>
-                          </a:solidFill>
-                          <a:effectLst/>
-                          <a:uLnTx/>
-                          <a:uFillTx/>
-                          <a:latin typeface="Aptos" panose="02110004020202020204"/>
-                          <a:ea typeface="+mn-ea"/>
-                          <a:cs typeface="+mn-cs"/>
-                        </a:rPr>
-                        <a:t>-inf</a:t>
-                      </a:r>
-                    </a:p>
-                  </a:txBody>
-                  <a:tcPr anchor="ctr"/>
-                </a:tc>
-                <a:tc>
-                  <a:txBody>
-                    <a:bodyPr/>
-                    <a:lstStyle/>
-                    <a:p>
-                      <a:pPr marL="0" marR="0" lvl="0" indent="0" algn="ctr" defTabSz="914400" rtl="0" eaLnBrk="1" fontAlgn="auto" latinLnBrk="0" hangingPunct="1">
-                        <a:lnSpc>
-                          <a:spcPct val="100000"/>
-                        </a:lnSpc>
-                        <a:spcBef>
-                          <a:spcPts val="0"/>
-                        </a:spcBef>
-                        <a:spcAft>
-                          <a:spcPts val="0"/>
-                        </a:spcAft>
-                        <a:buClrTx/>
-                        <a:buSzTx/>
-                        <a:buFontTx/>
-                        <a:buNone/>
-                        <a:tabLst/>
-                        <a:defRPr/>
-                      </a:pPr>
-                      <a:r>
-                        <a:rPr kumimoji="0" lang="en-GB" sz="1800" b="0" i="0" u="none" strike="noStrike" kern="1200" cap="none" spc="0" normalizeH="0" baseline="0" noProof="0" dirty="0">
-                          <a:ln>
-                            <a:noFill/>
-                          </a:ln>
-                          <a:solidFill>
-                            <a:prstClr val="black"/>
-                          </a:solidFill>
-                          <a:effectLst/>
-                          <a:uLnTx/>
-                          <a:uFillTx/>
-                          <a:latin typeface="Aptos" panose="02110004020202020204"/>
-                          <a:ea typeface="+mn-ea"/>
-                          <a:cs typeface="+mn-cs"/>
-                        </a:rPr>
-                        <a:t>-inf</a:t>
-                      </a:r>
-                    </a:p>
-                  </a:txBody>
-                  <a:tcPr anchor="ctr"/>
-                </a:tc>
-                <a:tc>
-                  <a:txBody>
-                    <a:bodyPr/>
-                    <a:lstStyle/>
-                    <a:p>
-                      <a:pPr marL="0" marR="0" lvl="0" indent="0" algn="ctr" defTabSz="914400" rtl="0" eaLnBrk="1" fontAlgn="auto" latinLnBrk="0" hangingPunct="1">
-                        <a:lnSpc>
-                          <a:spcPct val="100000"/>
-                        </a:lnSpc>
-                        <a:spcBef>
-                          <a:spcPts val="0"/>
-                        </a:spcBef>
-                        <a:spcAft>
-                          <a:spcPts val="0"/>
-                        </a:spcAft>
-                        <a:buClrTx/>
-                        <a:buSzTx/>
-                        <a:buFontTx/>
-                        <a:buNone/>
-                        <a:tabLst/>
-                        <a:defRPr/>
-                      </a:pPr>
-                      <a:r>
-                        <a:rPr kumimoji="0" lang="en-GB" sz="1800" b="0" i="0" u="none" strike="noStrike" kern="1200" cap="none" spc="0" normalizeH="0" baseline="0" noProof="0" dirty="0">
-                          <a:ln>
-                            <a:noFill/>
-                          </a:ln>
-                          <a:solidFill>
-                            <a:prstClr val="black"/>
-                          </a:solidFill>
-                          <a:effectLst/>
-                          <a:uLnTx/>
-                          <a:uFillTx/>
-                          <a:latin typeface="Aptos" panose="02110004020202020204"/>
-                          <a:ea typeface="+mn-ea"/>
-                          <a:cs typeface="+mn-cs"/>
-                        </a:rPr>
-                        <a:t>-inf</a:t>
-                      </a:r>
-                    </a:p>
-                  </a:txBody>
-                  <a:tcPr anchor="ctr"/>
-                </a:tc>
-                <a:tc>
-                  <a:txBody>
-                    <a:bodyPr/>
-                    <a:lstStyle/>
-                    <a:p>
-                      <a:pPr marL="0" marR="0" lvl="0" indent="0" algn="ctr" defTabSz="914400" rtl="0" eaLnBrk="1" fontAlgn="auto" latinLnBrk="0" hangingPunct="1">
-                        <a:lnSpc>
-                          <a:spcPct val="100000"/>
-                        </a:lnSpc>
-                        <a:spcBef>
-                          <a:spcPts val="0"/>
-                        </a:spcBef>
-                        <a:spcAft>
-                          <a:spcPts val="0"/>
-                        </a:spcAft>
-                        <a:buClrTx/>
-                        <a:buSzTx/>
-                        <a:buFontTx/>
-                        <a:buNone/>
-                        <a:tabLst/>
-                        <a:defRPr/>
-                      </a:pPr>
-                      <a:r>
-                        <a:rPr kumimoji="0" lang="en-GB" sz="1800" b="0" i="0" u="none" strike="noStrike" kern="1200" cap="none" spc="0" normalizeH="0" baseline="0" noProof="0" dirty="0">
-                          <a:ln>
-                            <a:noFill/>
-                          </a:ln>
-                          <a:solidFill>
-                            <a:prstClr val="black"/>
-                          </a:solidFill>
-                          <a:effectLst/>
-                          <a:uLnTx/>
-                          <a:uFillTx/>
-                          <a:latin typeface="Aptos" panose="02110004020202020204"/>
-                          <a:ea typeface="+mn-ea"/>
-                          <a:cs typeface="+mn-cs"/>
-                        </a:rPr>
-                        <a:t>-inf</a:t>
-                      </a:r>
-                    </a:p>
-                  </a:txBody>
-                  <a:tcPr anchor="ctr"/>
-                </a:tc>
-                <a:tc>
-                  <a:txBody>
-                    <a:bodyPr/>
-                    <a:lstStyle/>
-                    <a:p>
-                      <a:pPr algn="ctr"/>
-                      <a:r>
-                        <a:rPr lang="en-GB" dirty="0"/>
-                        <a:t>-inf</a:t>
-                      </a:r>
-                    </a:p>
-                  </a:txBody>
-                  <a:tcPr anchor="ctr"/>
-                </a:tc>
-                <a:tc>
-                  <a:txBody>
-                    <a:bodyPr/>
-                    <a:lstStyle/>
-                    <a:p>
-                      <a:pPr algn="ctr"/>
-                      <a:r>
-                        <a:rPr lang="en-GB" dirty="0"/>
-                        <a:t>S6,6</a:t>
-                      </a:r>
-                    </a:p>
-                  </a:txBody>
-                  <a:tcPr anchor="ctr"/>
-                </a:tc>
-                <a:extLst>
-                  <a:ext uri="{0D108BD9-81ED-4DB2-BD59-A6C34878D82A}">
-                    <a16:rowId xmlns:a16="http://schemas.microsoft.com/office/drawing/2014/main" val="744279808"/>
-                  </a:ext>
-                </a:extLst>
-              </a:tr>
-            </a:tbl>
-          </a:graphicData>
-        </a:graphic>
-      </p:graphicFrame>
-    </p:spTree>
-    <p:extLst>
-      <p:ext uri="{BB962C8B-B14F-4D97-AF65-F5344CB8AC3E}">
-        <p14:creationId xmlns:p14="http://schemas.microsoft.com/office/powerpoint/2010/main" val="2368715626"/>
-      </p:ext>
-    </p:extLst>
-  </p:cSld>
-  <p:clrMapOvr>
-    <a:masterClrMapping/>
-  </p:clrMapOvr>
-</p:sld>
-</file>
-
-<file path=ppt/slides/slide2.xml><?xml version="1.0" encoding="utf-8"?>
-<p:sld xmlns:a="http://schemas.openxmlformats.org/drawingml/2006/main" xmlns:r="http://schemas.openxmlformats.org/officeDocument/2006/relationships" xmlns:p="http://schemas.openxmlformats.org/presentationml/2006/main">
-  <p:cSld>
-    <p:spTree>
-      <p:nvGrpSpPr>
-        <p:cNvPr id="1" name=""/>
-        <p:cNvGrpSpPr/>
-        <p:nvPr/>
-      </p:nvGrpSpPr>
-      <p:grpSpPr>
-        <a:xfrm>
-          <a:off x="0" y="0"/>
-          <a:ext cx="0" cy="0"/>
-          <a:chOff x="0" y="0"/>
-          <a:chExt cx="0" cy="0"/>
-        </a:xfrm>
-      </p:grpSpPr>
-      <p:sp>
-        <p:nvSpPr>
-          <p:cNvPr id="5" name="Rectangle 4">
-            <a:extLst>
-              <a:ext uri="{FF2B5EF4-FFF2-40B4-BE49-F238E27FC236}">
-                <a16:creationId xmlns:a16="http://schemas.microsoft.com/office/drawing/2014/main" id="{5D05C446-98A2-F720-6D39-B94ACCC8F7A4}"/>
+      <p:sp>
+        <p:nvSpPr>
+          <p:cNvPr id="92" name="Rectangle 91">
+            <a:extLst>
+              <a:ext uri="{FF2B5EF4-FFF2-40B4-BE49-F238E27FC236}">
+                <a16:creationId xmlns:a16="http://schemas.microsoft.com/office/drawing/2014/main" id="{6220F1DA-4657-3F73-44CF-BB14CF1AB7D0}"/>
               </a:ext>
             </a:extLst>
           </p:cNvPr>
@@ -5182,13 +3356,23 @@
         </p:nvSpPr>
         <p:spPr>
           <a:xfrm>
-            <a:off x="4281411" y="304800"/>
-            <a:ext cx="3592589" cy="5588615"/>
+            <a:off x="2608546" y="450047"/>
+            <a:ext cx="4191000" cy="5522460"/>
           </a:xfrm>
           <a:prstGeom prst="rect">
             <a:avLst/>
           </a:prstGeom>
-          <a:noFill/>
+          <a:solidFill>
+            <a:schemeClr val="tx2">
+              <a:lumMod val="10000"/>
+              <a:lumOff val="90000"/>
+            </a:schemeClr>
+          </a:solidFill>
+          <a:ln w="12700">
+            <a:solidFill>
+              <a:schemeClr val="tx1"/>
+            </a:solidFill>
+          </a:ln>
         </p:spPr>
         <p:style>
           <a:lnRef idx="2">
@@ -5211,16 +3395,20 @@
           <a:lstStyle/>
           <a:p>
             <a:pPr algn="ctr"/>
-            <a:endParaRPr lang="en-GB" sz="1200"/>
-          </a:p>
-        </p:txBody>
-      </p:sp>
-      <p:sp>
-        <p:nvSpPr>
-          <p:cNvPr id="11" name="Oval 10">
-            <a:extLst>
-              <a:ext uri="{FF2B5EF4-FFF2-40B4-BE49-F238E27FC236}">
-                <a16:creationId xmlns:a16="http://schemas.microsoft.com/office/drawing/2014/main" id="{7DB3334A-2A7E-CEF1-E248-E75986D5E43D}"/>
+            <a:endParaRPr lang="en-GB" sz="1000">
+              <a:solidFill>
+                <a:schemeClr val="tx1"/>
+              </a:solidFill>
+            </a:endParaRPr>
+          </a:p>
+        </p:txBody>
+      </p:sp>
+      <p:sp>
+        <p:nvSpPr>
+          <p:cNvPr id="85" name="Rectangle 84">
+            <a:extLst>
+              <a:ext uri="{FF2B5EF4-FFF2-40B4-BE49-F238E27FC236}">
+                <a16:creationId xmlns:a16="http://schemas.microsoft.com/office/drawing/2014/main" id="{490F989E-5395-19F3-C0F6-46360B2DD3E3}"/>
               </a:ext>
             </a:extLst>
           </p:cNvPr>
@@ -5229,12 +3417,23 @@
         </p:nvSpPr>
         <p:spPr>
           <a:xfrm>
-            <a:off x="5911503" y="3089530"/>
-            <a:ext cx="332404" cy="331200"/>
-          </a:xfrm>
-          <a:prstGeom prst="ellipse">
+            <a:off x="3190876" y="1384299"/>
+            <a:ext cx="3009890" cy="3640139"/>
+          </a:xfrm>
+          <a:prstGeom prst="rect">
             <a:avLst/>
           </a:prstGeom>
+          <a:solidFill>
+            <a:schemeClr val="accent3">
+              <a:lumMod val="20000"/>
+              <a:lumOff val="80000"/>
+            </a:schemeClr>
+          </a:solidFill>
+          <a:ln w="12700">
+            <a:solidFill>
+              <a:schemeClr val="tx1"/>
+            </a:solidFill>
+          </a:ln>
         </p:spPr>
         <p:style>
           <a:lnRef idx="2">
@@ -5257,19 +3456,20 @@
           <a:lstStyle/>
           <a:p>
             <a:pPr algn="ctr"/>
-            <a:r>
-              <a:rPr lang="en-GB" sz="1200" dirty="0"/>
-              <a:t>+</a:t>
-            </a:r>
-          </a:p>
-        </p:txBody>
-      </p:sp>
-      <p:sp>
-        <p:nvSpPr>
-          <p:cNvPr id="13" name="Rectangle 12">
-            <a:extLst>
-              <a:ext uri="{FF2B5EF4-FFF2-40B4-BE49-F238E27FC236}">
-                <a16:creationId xmlns:a16="http://schemas.microsoft.com/office/drawing/2014/main" id="{892EC773-D37E-3090-031B-BF32B3A1E099}"/>
+            <a:endParaRPr lang="en-GB" sz="1000">
+              <a:solidFill>
+                <a:schemeClr val="tx1"/>
+              </a:solidFill>
+            </a:endParaRPr>
+          </a:p>
+        </p:txBody>
+      </p:sp>
+      <p:sp>
+        <p:nvSpPr>
+          <p:cNvPr id="5" name="Rectangle 4">
+            <a:extLst>
+              <a:ext uri="{FF2B5EF4-FFF2-40B4-BE49-F238E27FC236}">
+                <a16:creationId xmlns:a16="http://schemas.microsoft.com/office/drawing/2014/main" id="{A1ADFC73-AB16-02D0-14BC-C435348430A8}"/>
               </a:ext>
             </a:extLst>
           </p:cNvPr>
@@ -5278,12 +3478,23 @@
         </p:nvSpPr>
         <p:spPr>
           <a:xfrm>
-            <a:off x="5232987" y="4175554"/>
-            <a:ext cx="1689436" cy="680316"/>
+            <a:off x="3682706" y="5565058"/>
+            <a:ext cx="2042679" cy="200025"/>
           </a:xfrm>
           <a:prstGeom prst="rect">
             <a:avLst/>
           </a:prstGeom>
+          <a:solidFill>
+            <a:schemeClr val="accent2">
+              <a:lumMod val="20000"/>
+              <a:lumOff val="80000"/>
+            </a:schemeClr>
+          </a:solidFill>
+          <a:ln w="12700">
+            <a:solidFill>
+              <a:schemeClr val="tx1"/>
+            </a:solidFill>
+          </a:ln>
         </p:spPr>
         <p:style>
           <a:lnRef idx="2">
@@ -5307,22 +3518,13 @@
           <a:p>
             <a:pPr algn="ctr"/>
             <a:r>
-              <a:rPr lang="en-GB" sz="1200" dirty="0"/>
-              <a:t>Masked </a:t>
-            </a:r>
-            <a:r>
-              <a:rPr lang="en-GB" sz="1200" dirty="0" err="1"/>
-              <a:t>Multihead</a:t>
-            </a:r>
-            <a:r>
-              <a:rPr lang="en-GB" sz="1200" dirty="0"/>
-              <a:t> </a:t>
-            </a:r>
-            <a:r>
-              <a:rPr lang="en-GB" sz="1200" dirty="0" err="1"/>
-              <a:t>Arrention</a:t>
-            </a:r>
-            <a:endParaRPr lang="en-GB" sz="1200" dirty="0"/>
+              <a:rPr lang="en-GB" sz="1100" dirty="0">
+                <a:solidFill>
+                  <a:schemeClr val="tx1"/>
+                </a:solidFill>
+              </a:rPr>
+              <a:t>Token and position embedding</a:t>
+            </a:r>
           </a:p>
         </p:txBody>
       </p:sp>
@@ -5331,7 +3533,7 @@
           <p:cNvPr id="6" name="Rectangle 5">
             <a:extLst>
               <a:ext uri="{FF2B5EF4-FFF2-40B4-BE49-F238E27FC236}">
-                <a16:creationId xmlns:a16="http://schemas.microsoft.com/office/drawing/2014/main" id="{3087AA4F-F04C-D33E-7B35-1B9F3DE38379}"/>
+                <a16:creationId xmlns:a16="http://schemas.microsoft.com/office/drawing/2014/main" id="{79F8810F-7B2D-297D-1792-9DC321F58C03}"/>
               </a:ext>
             </a:extLst>
           </p:cNvPr>
@@ -5340,12 +3542,20 @@
         </p:nvSpPr>
         <p:spPr>
           <a:xfrm>
-            <a:off x="5232987" y="1170121"/>
-            <a:ext cx="1689436" cy="290150"/>
+            <a:off x="3724271" y="5184779"/>
+            <a:ext cx="1943100" cy="200025"/>
           </a:xfrm>
           <a:prstGeom prst="rect">
             <a:avLst/>
           </a:prstGeom>
+          <a:solidFill>
+            <a:srgbClr val="CC99FF"/>
+          </a:solidFill>
+          <a:ln w="12700">
+            <a:solidFill>
+              <a:schemeClr val="tx1"/>
+            </a:solidFill>
+          </a:ln>
         </p:spPr>
         <p:style>
           <a:lnRef idx="2">
@@ -5369,7 +3579,11 @@
           <a:p>
             <a:pPr algn="ctr"/>
             <a:r>
-              <a:rPr lang="en-GB" sz="1200" dirty="0"/>
+              <a:rPr lang="en-GB" sz="1100" dirty="0">
+                <a:solidFill>
+                  <a:schemeClr val="tx1"/>
+                </a:solidFill>
+              </a:rPr>
               <a:t>Dropout</a:t>
             </a:r>
           </a:p>
@@ -5380,7 +3594,7 @@
           <p:cNvPr id="7" name="Rectangle 6">
             <a:extLst>
               <a:ext uri="{FF2B5EF4-FFF2-40B4-BE49-F238E27FC236}">
-                <a16:creationId xmlns:a16="http://schemas.microsoft.com/office/drawing/2014/main" id="{9B8BA82C-4BA5-1CA9-418B-1EA880184142}"/>
+                <a16:creationId xmlns:a16="http://schemas.microsoft.com/office/drawing/2014/main" id="{A77FA039-1F3E-2F5A-9099-A691A5EDCA13}"/>
               </a:ext>
             </a:extLst>
           </p:cNvPr>
@@ -5389,12 +3603,20 @@
         </p:nvSpPr>
         <p:spPr>
           <a:xfrm>
-            <a:off x="5232987" y="1767647"/>
-            <a:ext cx="1689436" cy="290150"/>
+            <a:off x="3724271" y="4462466"/>
+            <a:ext cx="1943100" cy="200025"/>
           </a:xfrm>
           <a:prstGeom prst="rect">
             <a:avLst/>
           </a:prstGeom>
+          <a:solidFill>
+            <a:srgbClr val="FFFF99"/>
+          </a:solidFill>
+          <a:ln w="12700">
+            <a:solidFill>
+              <a:schemeClr val="tx1"/>
+            </a:solidFill>
+          </a:ln>
         </p:spPr>
         <p:style>
           <a:lnRef idx="2">
@@ -5418,18 +3640,30 @@
           <a:p>
             <a:pPr algn="ctr"/>
             <a:r>
-              <a:rPr lang="en-GB" sz="1200" dirty="0"/>
-              <a:t>Feed forward</a:t>
-            </a:r>
-          </a:p>
-        </p:txBody>
-      </p:sp>
-      <p:sp>
-        <p:nvSpPr>
-          <p:cNvPr id="9" name="Rectangle 8">
-            <a:extLst>
-              <a:ext uri="{FF2B5EF4-FFF2-40B4-BE49-F238E27FC236}">
-                <a16:creationId xmlns:a16="http://schemas.microsoft.com/office/drawing/2014/main" id="{E0348AD1-0B17-C3A2-9445-7E5940E1A3AF}"/>
+              <a:rPr lang="en-GB" sz="1100">
+                <a:solidFill>
+                  <a:schemeClr val="tx1"/>
+                </a:solidFill>
+              </a:rPr>
+              <a:t>Layer Norm </a:t>
+            </a:r>
+            <a:r>
+              <a:rPr lang="en-GB" sz="1100" dirty="0">
+                <a:solidFill>
+                  <a:schemeClr val="tx1"/>
+                </a:solidFill>
+              </a:rPr>
+              <a:t>1</a:t>
+            </a:r>
+          </a:p>
+        </p:txBody>
+      </p:sp>
+      <p:sp>
+        <p:nvSpPr>
+          <p:cNvPr id="8" name="Rectangle 7">
+            <a:extLst>
+              <a:ext uri="{FF2B5EF4-FFF2-40B4-BE49-F238E27FC236}">
+                <a16:creationId xmlns:a16="http://schemas.microsoft.com/office/drawing/2014/main" id="{A7D77BC3-A292-CEC1-D9DC-F17A3A9E5A87}"/>
               </a:ext>
             </a:extLst>
           </p:cNvPr>
@@ -5438,12 +3672,20 @@
         </p:nvSpPr>
         <p:spPr>
           <a:xfrm>
-            <a:off x="5232987" y="2352221"/>
-            <a:ext cx="1689436" cy="290150"/>
+            <a:off x="3724271" y="3783016"/>
+            <a:ext cx="1943100" cy="490537"/>
           </a:xfrm>
           <a:prstGeom prst="rect">
             <a:avLst/>
           </a:prstGeom>
+          <a:solidFill>
+            <a:srgbClr val="FFCC66"/>
+          </a:solidFill>
+          <a:ln w="12700">
+            <a:solidFill>
+              <a:schemeClr val="tx1"/>
+            </a:solidFill>
+          </a:ln>
         </p:spPr>
         <p:style>
           <a:lnRef idx="2">
@@ -5467,22 +3709,22 @@
           <a:p>
             <a:pPr algn="ctr"/>
             <a:r>
-              <a:rPr lang="en-GB" sz="1200" dirty="0" err="1"/>
-              <a:t>LayerNorm</a:t>
-            </a:r>
-            <a:r>
-              <a:rPr lang="en-GB" sz="1200" dirty="0"/>
-              <a:t> 2</a:t>
-            </a:r>
-          </a:p>
-        </p:txBody>
-      </p:sp>
-      <p:sp>
-        <p:nvSpPr>
-          <p:cNvPr id="12" name="Rectangle 11">
-            <a:extLst>
-              <a:ext uri="{FF2B5EF4-FFF2-40B4-BE49-F238E27FC236}">
-                <a16:creationId xmlns:a16="http://schemas.microsoft.com/office/drawing/2014/main" id="{3F9FCB9B-9188-2EA2-819C-90E833E822FD}"/>
+              <a:rPr lang="en-GB" sz="1100" dirty="0">
+                <a:solidFill>
+                  <a:schemeClr val="tx1"/>
+                </a:solidFill>
+              </a:rPr>
+              <a:t>Multi-head attention</a:t>
+            </a:r>
+          </a:p>
+        </p:txBody>
+      </p:sp>
+      <p:sp>
+        <p:nvSpPr>
+          <p:cNvPr id="9" name="Rectangle 8">
+            <a:extLst>
+              <a:ext uri="{FF2B5EF4-FFF2-40B4-BE49-F238E27FC236}">
+                <a16:creationId xmlns:a16="http://schemas.microsoft.com/office/drawing/2014/main" id="{1C623778-9FAC-AE5B-FC2C-ECA0D3AE5F68}"/>
               </a:ext>
             </a:extLst>
           </p:cNvPr>
@@ -5491,12 +3733,20 @@
         </p:nvSpPr>
         <p:spPr>
           <a:xfrm>
-            <a:off x="5232987" y="3567777"/>
-            <a:ext cx="1689436" cy="290150"/>
+            <a:off x="3724271" y="3394078"/>
+            <a:ext cx="1943100" cy="200025"/>
           </a:xfrm>
           <a:prstGeom prst="rect">
             <a:avLst/>
           </a:prstGeom>
+          <a:solidFill>
+            <a:srgbClr val="CC99FF"/>
+          </a:solidFill>
+          <a:ln w="12700">
+            <a:solidFill>
+              <a:schemeClr val="tx1"/>
+            </a:solidFill>
+          </a:ln>
         </p:spPr>
         <p:style>
           <a:lnRef idx="2">
@@ -5520,7 +3770,11 @@
           <a:p>
             <a:pPr algn="ctr"/>
             <a:r>
-              <a:rPr lang="en-GB" sz="1200" dirty="0"/>
+              <a:rPr lang="en-GB" sz="1100" dirty="0">
+                <a:solidFill>
+                  <a:schemeClr val="tx1"/>
+                </a:solidFill>
+              </a:rPr>
               <a:t>Dropout</a:t>
             </a:r>
           </a:p>
@@ -5528,10 +3782,10 @@
       </p:sp>
       <p:sp>
         <p:nvSpPr>
-          <p:cNvPr id="14" name="Rectangle 13">
-            <a:extLst>
-              <a:ext uri="{FF2B5EF4-FFF2-40B4-BE49-F238E27FC236}">
-                <a16:creationId xmlns:a16="http://schemas.microsoft.com/office/drawing/2014/main" id="{02D62D53-6E84-500F-B40F-01C4F507720F}"/>
+          <p:cNvPr id="10" name="Rectangle 9">
+            <a:extLst>
+              <a:ext uri="{FF2B5EF4-FFF2-40B4-BE49-F238E27FC236}">
+                <a16:creationId xmlns:a16="http://schemas.microsoft.com/office/drawing/2014/main" id="{0661A67C-45FF-68C1-69AB-30EF0CEA75FC}"/>
               </a:ext>
             </a:extLst>
           </p:cNvPr>
@@ -5540,12 +3794,20 @@
         </p:nvSpPr>
         <p:spPr>
           <a:xfrm>
-            <a:off x="5232987" y="5158974"/>
-            <a:ext cx="1689436" cy="290150"/>
+            <a:off x="3724271" y="2578102"/>
+            <a:ext cx="1943100" cy="200025"/>
           </a:xfrm>
           <a:prstGeom prst="rect">
             <a:avLst/>
           </a:prstGeom>
+          <a:solidFill>
+            <a:srgbClr val="FFFF99"/>
+          </a:solidFill>
+          <a:ln w="12700">
+            <a:solidFill>
+              <a:schemeClr val="tx1"/>
+            </a:solidFill>
+          </a:ln>
         </p:spPr>
         <p:style>
           <a:lnRef idx="2">
@@ -5569,22 +3831,22 @@
           <a:p>
             <a:pPr algn="ctr"/>
             <a:r>
-              <a:rPr lang="en-GB" sz="1200" dirty="0" err="1"/>
-              <a:t>LayerNorm</a:t>
-            </a:r>
-            <a:r>
-              <a:rPr lang="en-GB" sz="1200" dirty="0"/>
-              <a:t> 1</a:t>
-            </a:r>
-          </a:p>
-        </p:txBody>
-      </p:sp>
-      <p:sp>
-        <p:nvSpPr>
-          <p:cNvPr id="16" name="Oval 15">
-            <a:extLst>
-              <a:ext uri="{FF2B5EF4-FFF2-40B4-BE49-F238E27FC236}">
-                <a16:creationId xmlns:a16="http://schemas.microsoft.com/office/drawing/2014/main" id="{B2906E90-19F3-5DD8-959E-0E8A4C98C9FD}"/>
+              <a:rPr lang="en-GB" sz="1100" dirty="0">
+                <a:solidFill>
+                  <a:schemeClr val="tx1"/>
+                </a:solidFill>
+              </a:rPr>
+              <a:t>Layer Norm 2</a:t>
+            </a:r>
+          </a:p>
+        </p:txBody>
+      </p:sp>
+      <p:sp>
+        <p:nvSpPr>
+          <p:cNvPr id="11" name="Rectangle 10">
+            <a:extLst>
+              <a:ext uri="{FF2B5EF4-FFF2-40B4-BE49-F238E27FC236}">
+                <a16:creationId xmlns:a16="http://schemas.microsoft.com/office/drawing/2014/main" id="{387A8EB0-B176-C6D4-AF64-5B988C5B62D0}"/>
               </a:ext>
             </a:extLst>
           </p:cNvPr>
@@ -5593,12 +3855,23 @@
         </p:nvSpPr>
         <p:spPr>
           <a:xfrm>
-            <a:off x="5911503" y="697277"/>
-            <a:ext cx="332404" cy="331200"/>
-          </a:xfrm>
-          <a:prstGeom prst="ellipse">
+            <a:off x="3724271" y="2208214"/>
+            <a:ext cx="1943100" cy="200025"/>
+          </a:xfrm>
+          <a:prstGeom prst="rect">
             <a:avLst/>
           </a:prstGeom>
+          <a:solidFill>
+            <a:schemeClr val="accent2">
+              <a:lumMod val="40000"/>
+              <a:lumOff val="60000"/>
+            </a:schemeClr>
+          </a:solidFill>
+          <a:ln w="12700">
+            <a:solidFill>
+              <a:schemeClr val="tx1"/>
+            </a:solidFill>
+          </a:ln>
         </p:spPr>
         <p:style>
           <a:lnRef idx="2">
@@ -5622,7 +3895,319 @@
           <a:p>
             <a:pPr algn="ctr"/>
             <a:r>
-              <a:rPr lang="en-GB" sz="1200" dirty="0"/>
+              <a:rPr lang="en-GB" sz="1100" dirty="0">
+                <a:solidFill>
+                  <a:schemeClr val="tx1"/>
+                </a:solidFill>
+              </a:rPr>
+              <a:t>Feed-Forward Network</a:t>
+            </a:r>
+          </a:p>
+        </p:txBody>
+      </p:sp>
+      <p:sp>
+        <p:nvSpPr>
+          <p:cNvPr id="12" name="Rectangle 11">
+            <a:extLst>
+              <a:ext uri="{FF2B5EF4-FFF2-40B4-BE49-F238E27FC236}">
+                <a16:creationId xmlns:a16="http://schemas.microsoft.com/office/drawing/2014/main" id="{A506BECE-1B83-54D2-958F-DB256D7E6E1B}"/>
+              </a:ext>
+            </a:extLst>
+          </p:cNvPr>
+          <p:cNvSpPr/>
+          <p:nvPr/>
+        </p:nvSpPr>
+        <p:spPr>
+          <a:xfrm>
+            <a:off x="3724271" y="984250"/>
+            <a:ext cx="1943100" cy="200025"/>
+          </a:xfrm>
+          <a:prstGeom prst="rect">
+            <a:avLst/>
+          </a:prstGeom>
+          <a:solidFill>
+            <a:srgbClr val="FFFF99"/>
+          </a:solidFill>
+          <a:ln w="12700">
+            <a:solidFill>
+              <a:schemeClr val="tx1"/>
+            </a:solidFill>
+          </a:ln>
+        </p:spPr>
+        <p:style>
+          <a:lnRef idx="2">
+            <a:schemeClr val="accent1">
+              <a:shade val="15000"/>
+            </a:schemeClr>
+          </a:lnRef>
+          <a:fillRef idx="1">
+            <a:schemeClr val="accent1"/>
+          </a:fillRef>
+          <a:effectRef idx="0">
+            <a:schemeClr val="accent1"/>
+          </a:effectRef>
+          <a:fontRef idx="minor">
+            <a:schemeClr val="lt1"/>
+          </a:fontRef>
+        </p:style>
+        <p:txBody>
+          <a:bodyPr rtlCol="0" anchor="ctr"/>
+          <a:lstStyle/>
+          <a:p>
+            <a:pPr algn="ctr"/>
+            <a:r>
+              <a:rPr lang="en-GB" sz="1100" dirty="0">
+                <a:solidFill>
+                  <a:schemeClr val="tx1"/>
+                </a:solidFill>
+              </a:rPr>
+              <a:t>Final Layer Norm</a:t>
+            </a:r>
+          </a:p>
+        </p:txBody>
+      </p:sp>
+      <p:sp>
+        <p:nvSpPr>
+          <p:cNvPr id="13" name="Rectangle 12">
+            <a:extLst>
+              <a:ext uri="{FF2B5EF4-FFF2-40B4-BE49-F238E27FC236}">
+                <a16:creationId xmlns:a16="http://schemas.microsoft.com/office/drawing/2014/main" id="{E6AE26B0-E2ED-AB88-79A0-66563BF214A2}"/>
+              </a:ext>
+            </a:extLst>
+          </p:cNvPr>
+          <p:cNvSpPr/>
+          <p:nvPr/>
+        </p:nvSpPr>
+        <p:spPr>
+          <a:xfrm>
+            <a:off x="3724271" y="614362"/>
+            <a:ext cx="1943100" cy="200025"/>
+          </a:xfrm>
+          <a:prstGeom prst="rect">
+            <a:avLst/>
+          </a:prstGeom>
+          <a:solidFill>
+            <a:schemeClr val="accent6">
+              <a:lumMod val="40000"/>
+              <a:lumOff val="60000"/>
+            </a:schemeClr>
+          </a:solidFill>
+          <a:ln w="12700">
+            <a:solidFill>
+              <a:schemeClr val="tx1"/>
+            </a:solidFill>
+          </a:ln>
+        </p:spPr>
+        <p:style>
+          <a:lnRef idx="2">
+            <a:schemeClr val="accent1">
+              <a:shade val="15000"/>
+            </a:schemeClr>
+          </a:lnRef>
+          <a:fillRef idx="1">
+            <a:schemeClr val="accent1"/>
+          </a:fillRef>
+          <a:effectRef idx="0">
+            <a:schemeClr val="accent1"/>
+          </a:effectRef>
+          <a:fontRef idx="minor">
+            <a:schemeClr val="lt1"/>
+          </a:fontRef>
+        </p:style>
+        <p:txBody>
+          <a:bodyPr rtlCol="0" anchor="ctr"/>
+          <a:lstStyle/>
+          <a:p>
+            <a:pPr algn="ctr"/>
+            <a:r>
+              <a:rPr lang="en-GB" sz="1100" dirty="0">
+                <a:solidFill>
+                  <a:schemeClr val="tx1"/>
+                </a:solidFill>
+              </a:rPr>
+              <a:t>Linear Output Layer</a:t>
+            </a:r>
+          </a:p>
+        </p:txBody>
+      </p:sp>
+      <p:sp>
+        <p:nvSpPr>
+          <p:cNvPr id="14" name="Rectangle 13">
+            <a:extLst>
+              <a:ext uri="{FF2B5EF4-FFF2-40B4-BE49-F238E27FC236}">
+                <a16:creationId xmlns:a16="http://schemas.microsoft.com/office/drawing/2014/main" id="{EE402D0B-27A7-2A4C-800E-42DE7B7BC255}"/>
+              </a:ext>
+            </a:extLst>
+          </p:cNvPr>
+          <p:cNvSpPr/>
+          <p:nvPr/>
+        </p:nvSpPr>
+        <p:spPr>
+          <a:xfrm>
+            <a:off x="3724271" y="1838326"/>
+            <a:ext cx="1943100" cy="200025"/>
+          </a:xfrm>
+          <a:prstGeom prst="rect">
+            <a:avLst/>
+          </a:prstGeom>
+          <a:solidFill>
+            <a:srgbClr val="CC99FF"/>
+          </a:solidFill>
+          <a:ln w="12700">
+            <a:solidFill>
+              <a:schemeClr val="tx1"/>
+            </a:solidFill>
+          </a:ln>
+        </p:spPr>
+        <p:style>
+          <a:lnRef idx="2">
+            <a:schemeClr val="accent1">
+              <a:shade val="15000"/>
+            </a:schemeClr>
+          </a:lnRef>
+          <a:fillRef idx="1">
+            <a:schemeClr val="accent1"/>
+          </a:fillRef>
+          <a:effectRef idx="0">
+            <a:schemeClr val="accent1"/>
+          </a:effectRef>
+          <a:fontRef idx="minor">
+            <a:schemeClr val="lt1"/>
+          </a:fontRef>
+        </p:style>
+        <p:txBody>
+          <a:bodyPr rtlCol="0" anchor="ctr"/>
+          <a:lstStyle/>
+          <a:p>
+            <a:pPr algn="ctr"/>
+            <a:r>
+              <a:rPr lang="en-GB" sz="1100" dirty="0">
+                <a:solidFill>
+                  <a:schemeClr val="tx1"/>
+                </a:solidFill>
+              </a:rPr>
+              <a:t>Dropout</a:t>
+            </a:r>
+          </a:p>
+        </p:txBody>
+      </p:sp>
+      <p:sp>
+        <p:nvSpPr>
+          <p:cNvPr id="15" name="Oval 14">
+            <a:extLst>
+              <a:ext uri="{FF2B5EF4-FFF2-40B4-BE49-F238E27FC236}">
+                <a16:creationId xmlns:a16="http://schemas.microsoft.com/office/drawing/2014/main" id="{3E3DB828-995B-7760-67FE-96235E883281}"/>
+              </a:ext>
+            </a:extLst>
+          </p:cNvPr>
+          <p:cNvSpPr/>
+          <p:nvPr/>
+        </p:nvSpPr>
+        <p:spPr>
+          <a:xfrm>
+            <a:off x="4591046" y="3074991"/>
+            <a:ext cx="209550" cy="209550"/>
+          </a:xfrm>
+          <a:prstGeom prst="ellipse">
+            <a:avLst/>
+          </a:prstGeom>
+          <a:solidFill>
+            <a:schemeClr val="bg1"/>
+          </a:solidFill>
+          <a:ln w="12700">
+            <a:solidFill>
+              <a:schemeClr val="tx1"/>
+            </a:solidFill>
+          </a:ln>
+        </p:spPr>
+        <p:style>
+          <a:lnRef idx="2">
+            <a:schemeClr val="accent1">
+              <a:shade val="15000"/>
+            </a:schemeClr>
+          </a:lnRef>
+          <a:fillRef idx="1">
+            <a:schemeClr val="accent1"/>
+          </a:fillRef>
+          <a:effectRef idx="0">
+            <a:schemeClr val="accent1"/>
+          </a:effectRef>
+          <a:fontRef idx="minor">
+            <a:schemeClr val="lt1"/>
+          </a:fontRef>
+        </p:style>
+        <p:txBody>
+          <a:bodyPr rtlCol="0" anchor="ctr"/>
+          <a:lstStyle/>
+          <a:p>
+            <a:pPr algn="ctr"/>
+            <a:r>
+              <a:rPr lang="en-GB" dirty="0">
+                <a:solidFill>
+                  <a:schemeClr val="tx1"/>
+                </a:solidFill>
+              </a:rPr>
+              <a:t>+</a:t>
+            </a:r>
+          </a:p>
+        </p:txBody>
+      </p:sp>
+      <p:sp>
+        <p:nvSpPr>
+          <p:cNvPr id="17" name="Oval 16">
+            <a:extLst>
+              <a:ext uri="{FF2B5EF4-FFF2-40B4-BE49-F238E27FC236}">
+                <a16:creationId xmlns:a16="http://schemas.microsoft.com/office/drawing/2014/main" id="{9A3DF3A8-C6A7-0E09-1ABE-A6F4B4B5EF92}"/>
+              </a:ext>
+            </a:extLst>
+          </p:cNvPr>
+          <p:cNvSpPr/>
+          <p:nvPr/>
+        </p:nvSpPr>
+        <p:spPr>
+          <a:xfrm>
+            <a:off x="4591046" y="1506538"/>
+            <a:ext cx="209550" cy="209550"/>
+          </a:xfrm>
+          <a:prstGeom prst="ellipse">
+            <a:avLst/>
+          </a:prstGeom>
+          <a:solidFill>
+            <a:schemeClr val="bg1"/>
+          </a:solidFill>
+          <a:ln w="12700">
+            <a:solidFill>
+              <a:schemeClr val="tx1"/>
+            </a:solidFill>
+          </a:ln>
+        </p:spPr>
+        <p:style>
+          <a:lnRef idx="2">
+            <a:schemeClr val="accent1">
+              <a:shade val="15000"/>
+            </a:schemeClr>
+          </a:lnRef>
+          <a:fillRef idx="1">
+            <a:schemeClr val="accent1"/>
+          </a:fillRef>
+          <a:effectRef idx="0">
+            <a:schemeClr val="accent1"/>
+          </a:effectRef>
+          <a:fontRef idx="minor">
+            <a:schemeClr val="lt1"/>
+          </a:fontRef>
+        </p:style>
+        <p:txBody>
+          <a:bodyPr rtlCol="0" anchor="ctr"/>
+          <a:lstStyle/>
+          <a:p>
+            <a:pPr algn="ctr"/>
+            <a:r>
+              <a:rPr lang="en-GB" dirty="0">
+                <a:solidFill>
+                  <a:schemeClr val="tx1"/>
+                </a:solidFill>
+              </a:rPr>
               <a:t>+</a:t>
             </a:r>
           </a:p>
@@ -5630,197 +4215,32 @@
       </p:sp>
       <p:cxnSp>
         <p:nvCxnSpPr>
-          <p:cNvPr id="18" name="Straight Arrow Connector 17">
-            <a:extLst>
-              <a:ext uri="{FF2B5EF4-FFF2-40B4-BE49-F238E27FC236}">
-                <a16:creationId xmlns:a16="http://schemas.microsoft.com/office/drawing/2014/main" id="{7FBE40E7-A901-2918-26E5-6C522672E07F}"/>
+          <p:cNvPr id="21" name="Straight Arrow Connector 20">
+            <a:extLst>
+              <a:ext uri="{FF2B5EF4-FFF2-40B4-BE49-F238E27FC236}">
+                <a16:creationId xmlns:a16="http://schemas.microsoft.com/office/drawing/2014/main" id="{B089D6F8-F51E-5E2D-14A6-E3DF3474CFEE}"/>
               </a:ext>
             </a:extLst>
           </p:cNvPr>
           <p:cNvCxnSpPr>
             <a:cxnSpLocks/>
+            <a:stCxn id="5" idx="0"/>
           </p:cNvCxnSpPr>
           <p:nvPr/>
         </p:nvCxnSpPr>
         <p:spPr>
           <a:xfrm flipH="1" flipV="1">
-            <a:off x="6073997" y="1460270"/>
-            <a:ext cx="7417" cy="307376"/>
+            <a:off x="4695821" y="5384804"/>
+            <a:ext cx="8225" cy="180254"/>
           </a:xfrm>
           <a:prstGeom prst="straightConnector1">
             <a:avLst/>
           </a:prstGeom>
-          <a:ln>
-            <a:headEnd type="none" w="med" len="med"/>
-            <a:tailEnd type="arrow" w="med" len="med"/>
-          </a:ln>
-        </p:spPr>
-        <p:style>
-          <a:lnRef idx="2">
-            <a:schemeClr val="accent1"/>
-          </a:lnRef>
-          <a:fillRef idx="0">
-            <a:schemeClr val="accent1"/>
-          </a:fillRef>
-          <a:effectRef idx="1">
-            <a:schemeClr val="accent1"/>
-          </a:effectRef>
-          <a:fontRef idx="minor">
-            <a:schemeClr val="tx1"/>
-          </a:fontRef>
-        </p:style>
-      </p:cxnSp>
-      <p:cxnSp>
-        <p:nvCxnSpPr>
-          <p:cNvPr id="19" name="Straight Arrow Connector 18">
-            <a:extLst>
-              <a:ext uri="{FF2B5EF4-FFF2-40B4-BE49-F238E27FC236}">
-                <a16:creationId xmlns:a16="http://schemas.microsoft.com/office/drawing/2014/main" id="{BB0A87A5-56A9-9F8E-899C-E4E57250EA83}"/>
-              </a:ext>
-            </a:extLst>
-          </p:cNvPr>
-          <p:cNvCxnSpPr>
-            <a:cxnSpLocks/>
-          </p:cNvCxnSpPr>
-          <p:nvPr/>
-        </p:nvCxnSpPr>
-        <p:spPr>
-          <a:xfrm flipV="1">
-            <a:off x="6077705" y="2057796"/>
-            <a:ext cx="0" cy="294425"/>
-          </a:xfrm>
-          <a:prstGeom prst="straightConnector1">
-            <a:avLst/>
-          </a:prstGeom>
-          <a:ln>
-            <a:headEnd type="none" w="med" len="med"/>
-            <a:tailEnd type="arrow" w="med" len="med"/>
-          </a:ln>
-        </p:spPr>
-        <p:style>
-          <a:lnRef idx="2">
-            <a:schemeClr val="accent1"/>
-          </a:lnRef>
-          <a:fillRef idx="0">
-            <a:schemeClr val="accent1"/>
-          </a:fillRef>
-          <a:effectRef idx="1">
-            <a:schemeClr val="accent1"/>
-          </a:effectRef>
-          <a:fontRef idx="minor">
-            <a:schemeClr val="tx1"/>
-          </a:fontRef>
-        </p:style>
-      </p:cxnSp>
-      <p:cxnSp>
-        <p:nvCxnSpPr>
-          <p:cNvPr id="20" name="Straight Arrow Connector 19">
-            <a:extLst>
-              <a:ext uri="{FF2B5EF4-FFF2-40B4-BE49-F238E27FC236}">
-                <a16:creationId xmlns:a16="http://schemas.microsoft.com/office/drawing/2014/main" id="{1417C892-675C-91C4-0968-DC076E9C5E14}"/>
-              </a:ext>
-            </a:extLst>
-          </p:cNvPr>
-          <p:cNvCxnSpPr>
-            <a:cxnSpLocks/>
-          </p:cNvCxnSpPr>
-          <p:nvPr/>
-        </p:nvCxnSpPr>
-        <p:spPr>
-          <a:xfrm flipV="1">
-            <a:off x="6077705" y="2642371"/>
-            <a:ext cx="1" cy="447160"/>
-          </a:xfrm>
-          <a:prstGeom prst="straightConnector1">
-            <a:avLst/>
-          </a:prstGeom>
-          <a:ln>
-            <a:headEnd type="none" w="med" len="med"/>
-            <a:tailEnd type="arrow" w="med" len="med"/>
-          </a:ln>
-        </p:spPr>
-        <p:style>
-          <a:lnRef idx="2">
-            <a:schemeClr val="accent1"/>
-          </a:lnRef>
-          <a:fillRef idx="0">
-            <a:schemeClr val="accent1"/>
-          </a:fillRef>
-          <a:effectRef idx="1">
-            <a:schemeClr val="accent1"/>
-          </a:effectRef>
-          <a:fontRef idx="minor">
-            <a:schemeClr val="tx1"/>
-          </a:fontRef>
-        </p:style>
-      </p:cxnSp>
-      <p:cxnSp>
-        <p:nvCxnSpPr>
-          <p:cNvPr id="21" name="Straight Arrow Connector 20">
-            <a:extLst>
-              <a:ext uri="{FF2B5EF4-FFF2-40B4-BE49-F238E27FC236}">
-                <a16:creationId xmlns:a16="http://schemas.microsoft.com/office/drawing/2014/main" id="{9023AA00-1578-B6B4-4528-D94DC1F7083C}"/>
-              </a:ext>
-            </a:extLst>
-          </p:cNvPr>
-          <p:cNvCxnSpPr>
-            <a:cxnSpLocks/>
-          </p:cNvCxnSpPr>
-          <p:nvPr/>
-        </p:nvCxnSpPr>
-        <p:spPr>
-          <a:xfrm flipV="1">
-            <a:off x="6077705" y="3857927"/>
-            <a:ext cx="0" cy="304675"/>
-          </a:xfrm>
-          <a:prstGeom prst="straightConnector1">
-            <a:avLst/>
-          </a:prstGeom>
-          <a:ln>
-            <a:headEnd type="none" w="med" len="med"/>
-            <a:tailEnd type="arrow" w="med" len="med"/>
-          </a:ln>
-        </p:spPr>
-        <p:style>
-          <a:lnRef idx="2">
-            <a:schemeClr val="accent1"/>
-          </a:lnRef>
-          <a:fillRef idx="0">
-            <a:schemeClr val="accent1"/>
-          </a:fillRef>
-          <a:effectRef idx="1">
-            <a:schemeClr val="accent1"/>
-          </a:effectRef>
-          <a:fontRef idx="minor">
-            <a:schemeClr val="tx1"/>
-          </a:fontRef>
-        </p:style>
-      </p:cxnSp>
-      <p:cxnSp>
-        <p:nvCxnSpPr>
-          <p:cNvPr id="22" name="Straight Arrow Connector 21">
-            <a:extLst>
-              <a:ext uri="{FF2B5EF4-FFF2-40B4-BE49-F238E27FC236}">
-                <a16:creationId xmlns:a16="http://schemas.microsoft.com/office/drawing/2014/main" id="{275302AC-40E6-4D31-B234-D6A9DBCDF069}"/>
-              </a:ext>
-            </a:extLst>
-          </p:cNvPr>
-          <p:cNvCxnSpPr>
-            <a:cxnSpLocks/>
-          </p:cNvCxnSpPr>
-          <p:nvPr/>
-        </p:nvCxnSpPr>
-        <p:spPr>
-          <a:xfrm flipV="1">
-            <a:off x="6077705" y="4855870"/>
-            <a:ext cx="0" cy="303104"/>
-          </a:xfrm>
-          <a:prstGeom prst="straightConnector1">
-            <a:avLst/>
-          </a:prstGeom>
-          <a:ln>
-            <a:headEnd type="none" w="med" len="med"/>
-            <a:tailEnd type="arrow" w="med" len="med"/>
+          <a:ln w="12700">
+            <a:solidFill>
+              <a:schemeClr val="tx1"/>
+            </a:solidFill>
+            <a:tailEnd type="triangle"/>
           </a:ln>
         </p:spPr>
         <p:style>
@@ -5843,26 +4263,29 @@
           <p:cNvPr id="23" name="Straight Arrow Connector 22">
             <a:extLst>
               <a:ext uri="{FF2B5EF4-FFF2-40B4-BE49-F238E27FC236}">
-                <a16:creationId xmlns:a16="http://schemas.microsoft.com/office/drawing/2014/main" id="{8F4F2CAD-B774-485C-8CCA-582BB7512E64}"/>
+                <a16:creationId xmlns:a16="http://schemas.microsoft.com/office/drawing/2014/main" id="{049420FB-C9C0-CDB9-2491-DB82FE74A81E}"/>
               </a:ext>
             </a:extLst>
           </p:cNvPr>
           <p:cNvCxnSpPr>
             <a:cxnSpLocks/>
+            <a:endCxn id="7" idx="2"/>
           </p:cNvCxnSpPr>
           <p:nvPr/>
         </p:nvCxnSpPr>
         <p:spPr>
-          <a:xfrm flipH="1" flipV="1">
-            <a:off x="6075851" y="5449124"/>
-            <a:ext cx="3709" cy="420977"/>
+          <a:xfrm flipV="1">
+            <a:off x="4695821" y="4662491"/>
+            <a:ext cx="0" cy="522288"/>
           </a:xfrm>
           <a:prstGeom prst="straightConnector1">
             <a:avLst/>
           </a:prstGeom>
-          <a:ln>
-            <a:headEnd type="none" w="med" len="med"/>
-            <a:tailEnd type="arrow" w="med" len="med"/>
+          <a:ln w="12700">
+            <a:solidFill>
+              <a:schemeClr val="tx1"/>
+            </a:solidFill>
+            <a:tailEnd type="triangle"/>
           </a:ln>
         </p:spPr>
         <p:style>
@@ -5885,26 +4308,30 @@
           <p:cNvPr id="25" name="Straight Arrow Connector 24">
             <a:extLst>
               <a:ext uri="{FF2B5EF4-FFF2-40B4-BE49-F238E27FC236}">
-                <a16:creationId xmlns:a16="http://schemas.microsoft.com/office/drawing/2014/main" id="{7D72E046-1D51-F703-0DF6-07A28B4B0BE7}"/>
+                <a16:creationId xmlns:a16="http://schemas.microsoft.com/office/drawing/2014/main" id="{39B6CCE0-CEBD-5502-4972-43C0BCC595F5}"/>
               </a:ext>
             </a:extLst>
           </p:cNvPr>
           <p:cNvCxnSpPr>
             <a:cxnSpLocks/>
+            <a:stCxn id="7" idx="0"/>
+            <a:endCxn id="8" idx="2"/>
           </p:cNvCxnSpPr>
           <p:nvPr/>
         </p:nvCxnSpPr>
         <p:spPr>
           <a:xfrm flipV="1">
-            <a:off x="6073997" y="3276054"/>
-            <a:ext cx="7417" cy="291722"/>
+            <a:off x="4695821" y="4273553"/>
+            <a:ext cx="0" cy="188913"/>
           </a:xfrm>
           <a:prstGeom prst="straightConnector1">
             <a:avLst/>
           </a:prstGeom>
-          <a:ln>
-            <a:headEnd type="none" w="med" len="med"/>
-            <a:tailEnd type="none" w="med" len="med"/>
+          <a:ln w="12700">
+            <a:solidFill>
+              <a:schemeClr val="tx1"/>
+            </a:solidFill>
+            <a:tailEnd type="triangle"/>
           </a:ln>
         </p:spPr>
         <p:style>
@@ -5922,10 +4349,869 @@
           </a:fontRef>
         </p:style>
       </p:cxnSp>
+      <p:cxnSp>
+        <p:nvCxnSpPr>
+          <p:cNvPr id="27" name="Straight Arrow Connector 26">
+            <a:extLst>
+              <a:ext uri="{FF2B5EF4-FFF2-40B4-BE49-F238E27FC236}">
+                <a16:creationId xmlns:a16="http://schemas.microsoft.com/office/drawing/2014/main" id="{0A84D466-E53F-C121-0BF4-8D93B0CE9961}"/>
+              </a:ext>
+            </a:extLst>
+          </p:cNvPr>
+          <p:cNvCxnSpPr>
+            <a:cxnSpLocks/>
+            <a:stCxn id="8" idx="0"/>
+          </p:cNvCxnSpPr>
+          <p:nvPr/>
+        </p:nvCxnSpPr>
+        <p:spPr>
+          <a:xfrm flipV="1">
+            <a:off x="4695821" y="3594103"/>
+            <a:ext cx="0" cy="188913"/>
+          </a:xfrm>
+          <a:prstGeom prst="straightConnector1">
+            <a:avLst/>
+          </a:prstGeom>
+          <a:ln w="12700">
+            <a:solidFill>
+              <a:schemeClr val="tx1"/>
+            </a:solidFill>
+            <a:tailEnd type="triangle"/>
+          </a:ln>
+        </p:spPr>
+        <p:style>
+          <a:lnRef idx="2">
+            <a:schemeClr val="accent1"/>
+          </a:lnRef>
+          <a:fillRef idx="0">
+            <a:schemeClr val="accent1"/>
+          </a:fillRef>
+          <a:effectRef idx="1">
+            <a:schemeClr val="accent1"/>
+          </a:effectRef>
+          <a:fontRef idx="minor">
+            <a:schemeClr val="tx1"/>
+          </a:fontRef>
+        </p:style>
+      </p:cxnSp>
+      <p:cxnSp>
+        <p:nvCxnSpPr>
+          <p:cNvPr id="29" name="Straight Arrow Connector 28">
+            <a:extLst>
+              <a:ext uri="{FF2B5EF4-FFF2-40B4-BE49-F238E27FC236}">
+                <a16:creationId xmlns:a16="http://schemas.microsoft.com/office/drawing/2014/main" id="{977783DA-B20A-A945-E5B4-CBF0743B3667}"/>
+              </a:ext>
+            </a:extLst>
+          </p:cNvPr>
+          <p:cNvCxnSpPr>
+            <a:cxnSpLocks/>
+          </p:cNvCxnSpPr>
+          <p:nvPr/>
+        </p:nvCxnSpPr>
+        <p:spPr>
+          <a:xfrm flipV="1">
+            <a:off x="4695821" y="3284541"/>
+            <a:ext cx="0" cy="109537"/>
+          </a:xfrm>
+          <a:prstGeom prst="straightConnector1">
+            <a:avLst/>
+          </a:prstGeom>
+          <a:ln w="12700">
+            <a:solidFill>
+              <a:schemeClr val="tx1"/>
+            </a:solidFill>
+            <a:headEnd type="none" w="med" len="med"/>
+            <a:tailEnd type="none" w="med" len="med"/>
+          </a:ln>
+        </p:spPr>
+        <p:style>
+          <a:lnRef idx="2">
+            <a:schemeClr val="accent1"/>
+          </a:lnRef>
+          <a:fillRef idx="0">
+            <a:schemeClr val="accent1"/>
+          </a:fillRef>
+          <a:effectRef idx="1">
+            <a:schemeClr val="accent1"/>
+          </a:effectRef>
+          <a:fontRef idx="minor">
+            <a:schemeClr val="tx1"/>
+          </a:fontRef>
+        </p:style>
+      </p:cxnSp>
+      <p:cxnSp>
+        <p:nvCxnSpPr>
+          <p:cNvPr id="31" name="Straight Arrow Connector 30">
+            <a:extLst>
+              <a:ext uri="{FF2B5EF4-FFF2-40B4-BE49-F238E27FC236}">
+                <a16:creationId xmlns:a16="http://schemas.microsoft.com/office/drawing/2014/main" id="{F9D61292-3C38-992C-75A3-BFD5B727CDCC}"/>
+              </a:ext>
+            </a:extLst>
+          </p:cNvPr>
+          <p:cNvCxnSpPr>
+            <a:cxnSpLocks/>
+          </p:cNvCxnSpPr>
+          <p:nvPr/>
+        </p:nvCxnSpPr>
+        <p:spPr>
+          <a:xfrm flipV="1">
+            <a:off x="4695821" y="2778127"/>
+            <a:ext cx="0" cy="296864"/>
+          </a:xfrm>
+          <a:prstGeom prst="straightConnector1">
+            <a:avLst/>
+          </a:prstGeom>
+          <a:ln w="12700">
+            <a:solidFill>
+              <a:schemeClr val="tx1"/>
+            </a:solidFill>
+            <a:tailEnd type="triangle"/>
+          </a:ln>
+        </p:spPr>
+        <p:style>
+          <a:lnRef idx="2">
+            <a:schemeClr val="accent1"/>
+          </a:lnRef>
+          <a:fillRef idx="0">
+            <a:schemeClr val="accent1"/>
+          </a:fillRef>
+          <a:effectRef idx="1">
+            <a:schemeClr val="accent1"/>
+          </a:effectRef>
+          <a:fontRef idx="minor">
+            <a:schemeClr val="tx1"/>
+          </a:fontRef>
+        </p:style>
+      </p:cxnSp>
+      <p:cxnSp>
+        <p:nvCxnSpPr>
+          <p:cNvPr id="33" name="Straight Arrow Connector 32">
+            <a:extLst>
+              <a:ext uri="{FF2B5EF4-FFF2-40B4-BE49-F238E27FC236}">
+                <a16:creationId xmlns:a16="http://schemas.microsoft.com/office/drawing/2014/main" id="{C9EF28B5-DE9F-7ECD-E43D-B22FBE09E48D}"/>
+              </a:ext>
+            </a:extLst>
+          </p:cNvPr>
+          <p:cNvCxnSpPr>
+            <a:cxnSpLocks/>
+          </p:cNvCxnSpPr>
+          <p:nvPr/>
+        </p:nvCxnSpPr>
+        <p:spPr>
+          <a:xfrm flipV="1">
+            <a:off x="4695821" y="2408239"/>
+            <a:ext cx="0" cy="169863"/>
+          </a:xfrm>
+          <a:prstGeom prst="straightConnector1">
+            <a:avLst/>
+          </a:prstGeom>
+          <a:ln w="12700">
+            <a:solidFill>
+              <a:schemeClr val="tx1"/>
+            </a:solidFill>
+            <a:tailEnd type="triangle"/>
+          </a:ln>
+        </p:spPr>
+        <p:style>
+          <a:lnRef idx="2">
+            <a:schemeClr val="accent1"/>
+          </a:lnRef>
+          <a:fillRef idx="0">
+            <a:schemeClr val="accent1"/>
+          </a:fillRef>
+          <a:effectRef idx="1">
+            <a:schemeClr val="accent1"/>
+          </a:effectRef>
+          <a:fontRef idx="minor">
+            <a:schemeClr val="tx1"/>
+          </a:fontRef>
+        </p:style>
+      </p:cxnSp>
+      <p:cxnSp>
+        <p:nvCxnSpPr>
+          <p:cNvPr id="35" name="Straight Arrow Connector 34">
+            <a:extLst>
+              <a:ext uri="{FF2B5EF4-FFF2-40B4-BE49-F238E27FC236}">
+                <a16:creationId xmlns:a16="http://schemas.microsoft.com/office/drawing/2014/main" id="{50C0FE96-C7D0-A1FF-2B1B-C30163EED127}"/>
+              </a:ext>
+            </a:extLst>
+          </p:cNvPr>
+          <p:cNvCxnSpPr>
+            <a:cxnSpLocks/>
+          </p:cNvCxnSpPr>
+          <p:nvPr/>
+        </p:nvCxnSpPr>
+        <p:spPr>
+          <a:xfrm flipV="1">
+            <a:off x="4695821" y="2038351"/>
+            <a:ext cx="0" cy="169863"/>
+          </a:xfrm>
+          <a:prstGeom prst="straightConnector1">
+            <a:avLst/>
+          </a:prstGeom>
+          <a:ln w="12700">
+            <a:solidFill>
+              <a:schemeClr val="tx1"/>
+            </a:solidFill>
+            <a:tailEnd type="triangle"/>
+          </a:ln>
+        </p:spPr>
+        <p:style>
+          <a:lnRef idx="2">
+            <a:schemeClr val="accent1"/>
+          </a:lnRef>
+          <a:fillRef idx="0">
+            <a:schemeClr val="accent1"/>
+          </a:fillRef>
+          <a:effectRef idx="1">
+            <a:schemeClr val="accent1"/>
+          </a:effectRef>
+          <a:fontRef idx="minor">
+            <a:schemeClr val="tx1"/>
+          </a:fontRef>
+        </p:style>
+      </p:cxnSp>
+      <p:cxnSp>
+        <p:nvCxnSpPr>
+          <p:cNvPr id="37" name="Straight Arrow Connector 36">
+            <a:extLst>
+              <a:ext uri="{FF2B5EF4-FFF2-40B4-BE49-F238E27FC236}">
+                <a16:creationId xmlns:a16="http://schemas.microsoft.com/office/drawing/2014/main" id="{19D86149-FC39-C754-5BFF-784F090B8803}"/>
+              </a:ext>
+            </a:extLst>
+          </p:cNvPr>
+          <p:cNvCxnSpPr>
+            <a:cxnSpLocks/>
+          </p:cNvCxnSpPr>
+          <p:nvPr/>
+        </p:nvCxnSpPr>
+        <p:spPr>
+          <a:xfrm flipV="1">
+            <a:off x="4695821" y="1716088"/>
+            <a:ext cx="0" cy="122238"/>
+          </a:xfrm>
+          <a:prstGeom prst="straightConnector1">
+            <a:avLst/>
+          </a:prstGeom>
+          <a:ln w="12700">
+            <a:solidFill>
+              <a:schemeClr val="tx1"/>
+            </a:solidFill>
+            <a:headEnd type="none" w="med" len="med"/>
+            <a:tailEnd type="none" w="med" len="med"/>
+          </a:ln>
+        </p:spPr>
+        <p:style>
+          <a:lnRef idx="2">
+            <a:schemeClr val="accent1"/>
+          </a:lnRef>
+          <a:fillRef idx="0">
+            <a:schemeClr val="accent1"/>
+          </a:fillRef>
+          <a:effectRef idx="1">
+            <a:schemeClr val="accent1"/>
+          </a:effectRef>
+          <a:fontRef idx="minor">
+            <a:schemeClr val="tx1"/>
+          </a:fontRef>
+        </p:style>
+      </p:cxnSp>
+      <p:cxnSp>
+        <p:nvCxnSpPr>
+          <p:cNvPr id="39" name="Straight Arrow Connector 38">
+            <a:extLst>
+              <a:ext uri="{FF2B5EF4-FFF2-40B4-BE49-F238E27FC236}">
+                <a16:creationId xmlns:a16="http://schemas.microsoft.com/office/drawing/2014/main" id="{682A550C-F996-8C8E-71FE-E426CA5918BE}"/>
+              </a:ext>
+            </a:extLst>
+          </p:cNvPr>
+          <p:cNvCxnSpPr>
+            <a:cxnSpLocks/>
+            <a:endCxn id="12" idx="2"/>
+          </p:cNvCxnSpPr>
+          <p:nvPr/>
+        </p:nvCxnSpPr>
+        <p:spPr>
+          <a:xfrm flipV="1">
+            <a:off x="4695821" y="1184275"/>
+            <a:ext cx="0" cy="322263"/>
+          </a:xfrm>
+          <a:prstGeom prst="straightConnector1">
+            <a:avLst/>
+          </a:prstGeom>
+          <a:ln w="12700">
+            <a:solidFill>
+              <a:schemeClr val="tx1"/>
+            </a:solidFill>
+            <a:tailEnd type="triangle"/>
+          </a:ln>
+        </p:spPr>
+        <p:style>
+          <a:lnRef idx="2">
+            <a:schemeClr val="accent1"/>
+          </a:lnRef>
+          <a:fillRef idx="0">
+            <a:schemeClr val="accent1"/>
+          </a:fillRef>
+          <a:effectRef idx="1">
+            <a:schemeClr val="accent1"/>
+          </a:effectRef>
+          <a:fontRef idx="minor">
+            <a:schemeClr val="tx1"/>
+          </a:fontRef>
+        </p:style>
+      </p:cxnSp>
+      <p:cxnSp>
+        <p:nvCxnSpPr>
+          <p:cNvPr id="41" name="Straight Arrow Connector 40">
+            <a:extLst>
+              <a:ext uri="{FF2B5EF4-FFF2-40B4-BE49-F238E27FC236}">
+                <a16:creationId xmlns:a16="http://schemas.microsoft.com/office/drawing/2014/main" id="{917706D6-B4D1-CA22-623A-C7912623A5BF}"/>
+              </a:ext>
+            </a:extLst>
+          </p:cNvPr>
+          <p:cNvCxnSpPr>
+            <a:cxnSpLocks/>
+          </p:cNvCxnSpPr>
+          <p:nvPr/>
+        </p:nvCxnSpPr>
+        <p:spPr>
+          <a:xfrm flipV="1">
+            <a:off x="4695821" y="814387"/>
+            <a:ext cx="0" cy="169863"/>
+          </a:xfrm>
+          <a:prstGeom prst="straightConnector1">
+            <a:avLst/>
+          </a:prstGeom>
+          <a:ln w="12700">
+            <a:solidFill>
+              <a:schemeClr val="tx1"/>
+            </a:solidFill>
+            <a:tailEnd type="triangle"/>
+          </a:ln>
+        </p:spPr>
+        <p:style>
+          <a:lnRef idx="2">
+            <a:schemeClr val="accent1"/>
+          </a:lnRef>
+          <a:fillRef idx="0">
+            <a:schemeClr val="accent1"/>
+          </a:fillRef>
+          <a:effectRef idx="1">
+            <a:schemeClr val="accent1"/>
+          </a:effectRef>
+          <a:fontRef idx="minor">
+            <a:schemeClr val="tx1"/>
+          </a:fontRef>
+        </p:style>
+      </p:cxnSp>
+      <p:cxnSp>
+        <p:nvCxnSpPr>
+          <p:cNvPr id="56" name="Straight Arrow Connector 55">
+            <a:extLst>
+              <a:ext uri="{FF2B5EF4-FFF2-40B4-BE49-F238E27FC236}">
+                <a16:creationId xmlns:a16="http://schemas.microsoft.com/office/drawing/2014/main" id="{F9101D8E-6B39-47A4-CBE6-423BC5F9B103}"/>
+              </a:ext>
+            </a:extLst>
+          </p:cNvPr>
+          <p:cNvCxnSpPr>
+            <a:cxnSpLocks/>
+          </p:cNvCxnSpPr>
+          <p:nvPr/>
+        </p:nvCxnSpPr>
+        <p:spPr>
+          <a:xfrm>
+            <a:off x="4695821" y="2974184"/>
+            <a:ext cx="1219204" cy="0"/>
+          </a:xfrm>
+          <a:prstGeom prst="straightConnector1">
+            <a:avLst/>
+          </a:prstGeom>
+          <a:ln w="12700">
+            <a:solidFill>
+              <a:schemeClr val="tx1"/>
+            </a:solidFill>
+            <a:headEnd type="none" w="med" len="med"/>
+            <a:tailEnd type="none" w="med" len="med"/>
+          </a:ln>
+        </p:spPr>
+        <p:style>
+          <a:lnRef idx="2">
+            <a:schemeClr val="accent1"/>
+          </a:lnRef>
+          <a:fillRef idx="0">
+            <a:schemeClr val="accent1"/>
+          </a:fillRef>
+          <a:effectRef idx="1">
+            <a:schemeClr val="accent1"/>
+          </a:effectRef>
+          <a:fontRef idx="minor">
+            <a:schemeClr val="tx1"/>
+          </a:fontRef>
+        </p:style>
+      </p:cxnSp>
+      <p:cxnSp>
+        <p:nvCxnSpPr>
+          <p:cNvPr id="57" name="Straight Arrow Connector 56">
+            <a:extLst>
+              <a:ext uri="{FF2B5EF4-FFF2-40B4-BE49-F238E27FC236}">
+                <a16:creationId xmlns:a16="http://schemas.microsoft.com/office/drawing/2014/main" id="{D935F995-9914-C06B-681F-45394AF414B1}"/>
+              </a:ext>
+            </a:extLst>
+          </p:cNvPr>
+          <p:cNvCxnSpPr>
+            <a:cxnSpLocks/>
+            <a:stCxn id="17" idx="6"/>
+          </p:cNvCxnSpPr>
+          <p:nvPr/>
+        </p:nvCxnSpPr>
+        <p:spPr>
+          <a:xfrm>
+            <a:off x="4800596" y="1611313"/>
+            <a:ext cx="1114429" cy="0"/>
+          </a:xfrm>
+          <a:prstGeom prst="straightConnector1">
+            <a:avLst/>
+          </a:prstGeom>
+          <a:ln w="12700">
+            <a:solidFill>
+              <a:schemeClr val="tx1"/>
+            </a:solidFill>
+            <a:headEnd type="triangle" w="med" len="med"/>
+            <a:tailEnd type="none" w="med" len="med"/>
+          </a:ln>
+        </p:spPr>
+        <p:style>
+          <a:lnRef idx="2">
+            <a:schemeClr val="accent1"/>
+          </a:lnRef>
+          <a:fillRef idx="0">
+            <a:schemeClr val="accent1"/>
+          </a:fillRef>
+          <a:effectRef idx="1">
+            <a:schemeClr val="accent1"/>
+          </a:effectRef>
+          <a:fontRef idx="minor">
+            <a:schemeClr val="tx1"/>
+          </a:fontRef>
+        </p:style>
+      </p:cxnSp>
+      <p:cxnSp>
+        <p:nvCxnSpPr>
+          <p:cNvPr id="62" name="Straight Arrow Connector 61">
+            <a:extLst>
+              <a:ext uri="{FF2B5EF4-FFF2-40B4-BE49-F238E27FC236}">
+                <a16:creationId xmlns:a16="http://schemas.microsoft.com/office/drawing/2014/main" id="{F21CDA37-C089-3839-A276-EFA148DE6D5F}"/>
+              </a:ext>
+            </a:extLst>
+          </p:cNvPr>
+          <p:cNvCxnSpPr>
+            <a:cxnSpLocks/>
+          </p:cNvCxnSpPr>
+          <p:nvPr/>
+        </p:nvCxnSpPr>
+        <p:spPr>
+          <a:xfrm>
+            <a:off x="4694868" y="4863470"/>
+            <a:ext cx="1219204" cy="0"/>
+          </a:xfrm>
+          <a:prstGeom prst="straightConnector1">
+            <a:avLst/>
+          </a:prstGeom>
+          <a:ln w="12700">
+            <a:solidFill>
+              <a:schemeClr val="tx1"/>
+            </a:solidFill>
+            <a:headEnd type="none" w="med" len="med"/>
+            <a:tailEnd type="none" w="med" len="med"/>
+          </a:ln>
+        </p:spPr>
+        <p:style>
+          <a:lnRef idx="2">
+            <a:schemeClr val="accent1"/>
+          </a:lnRef>
+          <a:fillRef idx="0">
+            <a:schemeClr val="accent1"/>
+          </a:fillRef>
+          <a:effectRef idx="1">
+            <a:schemeClr val="accent1"/>
+          </a:effectRef>
+          <a:fontRef idx="minor">
+            <a:schemeClr val="tx1"/>
+          </a:fontRef>
+        </p:style>
+      </p:cxnSp>
+      <p:cxnSp>
+        <p:nvCxnSpPr>
+          <p:cNvPr id="69" name="Straight Connector 68">
+            <a:extLst>
+              <a:ext uri="{FF2B5EF4-FFF2-40B4-BE49-F238E27FC236}">
+                <a16:creationId xmlns:a16="http://schemas.microsoft.com/office/drawing/2014/main" id="{310844C5-9731-4D74-83C2-D37278F75DFD}"/>
+              </a:ext>
+            </a:extLst>
+          </p:cNvPr>
+          <p:cNvCxnSpPr>
+            <a:cxnSpLocks/>
+          </p:cNvCxnSpPr>
+          <p:nvPr/>
+        </p:nvCxnSpPr>
+        <p:spPr>
+          <a:xfrm>
+            <a:off x="5905500" y="1611313"/>
+            <a:ext cx="9525" cy="1362871"/>
+          </a:xfrm>
+          <a:prstGeom prst="line">
+            <a:avLst/>
+          </a:prstGeom>
+          <a:ln w="12700">
+            <a:solidFill>
+              <a:schemeClr val="tx1"/>
+            </a:solidFill>
+          </a:ln>
+        </p:spPr>
+        <p:style>
+          <a:lnRef idx="2">
+            <a:schemeClr val="accent1"/>
+          </a:lnRef>
+          <a:fillRef idx="0">
+            <a:schemeClr val="accent1"/>
+          </a:fillRef>
+          <a:effectRef idx="1">
+            <a:schemeClr val="accent1"/>
+          </a:effectRef>
+          <a:fontRef idx="minor">
+            <a:schemeClr val="tx1"/>
+          </a:fontRef>
+        </p:style>
+      </p:cxnSp>
+      <p:cxnSp>
+        <p:nvCxnSpPr>
+          <p:cNvPr id="70" name="Straight Connector 69">
+            <a:extLst>
+              <a:ext uri="{FF2B5EF4-FFF2-40B4-BE49-F238E27FC236}">
+                <a16:creationId xmlns:a16="http://schemas.microsoft.com/office/drawing/2014/main" id="{4DA3E2A3-78C1-71A0-0CD7-2F79D2CCCCE4}"/>
+              </a:ext>
+            </a:extLst>
+          </p:cNvPr>
+          <p:cNvCxnSpPr>
+            <a:cxnSpLocks/>
+          </p:cNvCxnSpPr>
+          <p:nvPr/>
+        </p:nvCxnSpPr>
+        <p:spPr>
+          <a:xfrm>
+            <a:off x="5908675" y="3179766"/>
+            <a:ext cx="0" cy="1682749"/>
+          </a:xfrm>
+          <a:prstGeom prst="line">
+            <a:avLst/>
+          </a:prstGeom>
+          <a:ln w="12700">
+            <a:solidFill>
+              <a:schemeClr val="tx1"/>
+            </a:solidFill>
+          </a:ln>
+        </p:spPr>
+        <p:style>
+          <a:lnRef idx="2">
+            <a:schemeClr val="accent1"/>
+          </a:lnRef>
+          <a:fillRef idx="0">
+            <a:schemeClr val="accent1"/>
+          </a:fillRef>
+          <a:effectRef idx="1">
+            <a:schemeClr val="accent1"/>
+          </a:effectRef>
+          <a:fontRef idx="minor">
+            <a:schemeClr val="tx1"/>
+          </a:fontRef>
+        </p:style>
+      </p:cxnSp>
+      <p:cxnSp>
+        <p:nvCxnSpPr>
+          <p:cNvPr id="73" name="Straight Arrow Connector 72">
+            <a:extLst>
+              <a:ext uri="{FF2B5EF4-FFF2-40B4-BE49-F238E27FC236}">
+                <a16:creationId xmlns:a16="http://schemas.microsoft.com/office/drawing/2014/main" id="{9A6F6E56-6BEB-864E-ABAA-1975B40D203A}"/>
+              </a:ext>
+            </a:extLst>
+          </p:cNvPr>
+          <p:cNvCxnSpPr>
+            <a:cxnSpLocks/>
+            <a:stCxn id="15" idx="6"/>
+          </p:cNvCxnSpPr>
+          <p:nvPr/>
+        </p:nvCxnSpPr>
+        <p:spPr>
+          <a:xfrm>
+            <a:off x="4800596" y="3179766"/>
+            <a:ext cx="1114429" cy="0"/>
+          </a:xfrm>
+          <a:prstGeom prst="straightConnector1">
+            <a:avLst/>
+          </a:prstGeom>
+          <a:ln w="12700">
+            <a:solidFill>
+              <a:schemeClr val="tx1"/>
+            </a:solidFill>
+            <a:headEnd type="triangle" w="med" len="med"/>
+            <a:tailEnd type="none" w="med" len="med"/>
+          </a:ln>
+        </p:spPr>
+        <p:style>
+          <a:lnRef idx="2">
+            <a:schemeClr val="accent1"/>
+          </a:lnRef>
+          <a:fillRef idx="0">
+            <a:schemeClr val="accent1"/>
+          </a:fillRef>
+          <a:effectRef idx="1">
+            <a:schemeClr val="accent1"/>
+          </a:effectRef>
+          <a:fontRef idx="minor">
+            <a:schemeClr val="tx1"/>
+          </a:fontRef>
+        </p:style>
+      </p:cxnSp>
+      <p:cxnSp>
+        <p:nvCxnSpPr>
+          <p:cNvPr id="103" name="Straight Arrow Connector 102">
+            <a:extLst>
+              <a:ext uri="{FF2B5EF4-FFF2-40B4-BE49-F238E27FC236}">
+                <a16:creationId xmlns:a16="http://schemas.microsoft.com/office/drawing/2014/main" id="{D802427B-C7BC-4B43-F44B-5D13875F76B0}"/>
+              </a:ext>
+            </a:extLst>
+          </p:cNvPr>
+          <p:cNvCxnSpPr>
+            <a:cxnSpLocks/>
+            <a:stCxn id="13" idx="0"/>
+          </p:cNvCxnSpPr>
+          <p:nvPr/>
+        </p:nvCxnSpPr>
+        <p:spPr>
+          <a:xfrm flipH="1" flipV="1">
+            <a:off x="4694868" y="209550"/>
+            <a:ext cx="953" cy="404812"/>
+          </a:xfrm>
+          <a:prstGeom prst="straightConnector1">
+            <a:avLst/>
+          </a:prstGeom>
+          <a:ln w="12700">
+            <a:solidFill>
+              <a:schemeClr val="tx1"/>
+            </a:solidFill>
+            <a:tailEnd type="triangle"/>
+          </a:ln>
+        </p:spPr>
+        <p:style>
+          <a:lnRef idx="2">
+            <a:schemeClr val="accent1"/>
+          </a:lnRef>
+          <a:fillRef idx="0">
+            <a:schemeClr val="accent1"/>
+          </a:fillRef>
+          <a:effectRef idx="1">
+            <a:schemeClr val="accent1"/>
+          </a:effectRef>
+          <a:fontRef idx="minor">
+            <a:schemeClr val="tx1"/>
+          </a:fontRef>
+        </p:style>
+      </p:cxnSp>
+      <p:cxnSp>
+        <p:nvCxnSpPr>
+          <p:cNvPr id="106" name="Straight Arrow Connector 105">
+            <a:extLst>
+              <a:ext uri="{FF2B5EF4-FFF2-40B4-BE49-F238E27FC236}">
+                <a16:creationId xmlns:a16="http://schemas.microsoft.com/office/drawing/2014/main" id="{82CED454-2917-3B0D-C923-0B121D0AD7D6}"/>
+              </a:ext>
+            </a:extLst>
+          </p:cNvPr>
+          <p:cNvCxnSpPr>
+            <a:cxnSpLocks/>
+            <a:stCxn id="126" idx="0"/>
+            <a:endCxn id="5" idx="2"/>
+          </p:cNvCxnSpPr>
+          <p:nvPr/>
+        </p:nvCxnSpPr>
+        <p:spPr>
+          <a:xfrm flipH="1" flipV="1">
+            <a:off x="4704046" y="5765083"/>
+            <a:ext cx="4249" cy="353863"/>
+          </a:xfrm>
+          <a:prstGeom prst="straightConnector1">
+            <a:avLst/>
+          </a:prstGeom>
+          <a:ln w="12700">
+            <a:solidFill>
+              <a:schemeClr val="tx1"/>
+            </a:solidFill>
+            <a:tailEnd type="triangle"/>
+          </a:ln>
+        </p:spPr>
+        <p:style>
+          <a:lnRef idx="2">
+            <a:schemeClr val="accent1"/>
+          </a:lnRef>
+          <a:fillRef idx="0">
+            <a:schemeClr val="accent1"/>
+          </a:fillRef>
+          <a:effectRef idx="1">
+            <a:schemeClr val="accent1"/>
+          </a:effectRef>
+          <a:fontRef idx="minor">
+            <a:schemeClr val="tx1"/>
+          </a:fontRef>
+        </p:style>
+      </p:cxnSp>
+      <p:sp>
+        <p:nvSpPr>
+          <p:cNvPr id="117" name="TextBox 116">
+            <a:extLst>
+              <a:ext uri="{FF2B5EF4-FFF2-40B4-BE49-F238E27FC236}">
+                <a16:creationId xmlns:a16="http://schemas.microsoft.com/office/drawing/2014/main" id="{B4116A31-89B9-DA09-13DC-7CD905EAC59A}"/>
+              </a:ext>
+            </a:extLst>
+          </p:cNvPr>
+          <p:cNvSpPr txBox="1"/>
+          <p:nvPr/>
+        </p:nvSpPr>
+        <p:spPr>
+          <a:xfrm>
+            <a:off x="3167058" y="1398586"/>
+            <a:ext cx="1114425" cy="307777"/>
+          </a:xfrm>
+          <a:prstGeom prst="rect">
+            <a:avLst/>
+          </a:prstGeom>
+          <a:noFill/>
+        </p:spPr>
+        <p:txBody>
+          <a:bodyPr wrap="square" rtlCol="0">
+            <a:spAutoFit/>
+          </a:bodyPr>
+          <a:lstStyle/>
+          <a:p>
+            <a:pPr algn="ctr"/>
+            <a:r>
+              <a:rPr lang="en-GB" sz="1400" dirty="0"/>
+              <a:t>Transformer</a:t>
+            </a:r>
+          </a:p>
+        </p:txBody>
+      </p:sp>
+      <p:sp>
+        <p:nvSpPr>
+          <p:cNvPr id="118" name="TextBox 117">
+            <a:extLst>
+              <a:ext uri="{FF2B5EF4-FFF2-40B4-BE49-F238E27FC236}">
+                <a16:creationId xmlns:a16="http://schemas.microsoft.com/office/drawing/2014/main" id="{439F4E1A-0DB3-1138-47F0-02D9827B359C}"/>
+              </a:ext>
+            </a:extLst>
+          </p:cNvPr>
+          <p:cNvSpPr txBox="1"/>
+          <p:nvPr/>
+        </p:nvSpPr>
+        <p:spPr>
+          <a:xfrm>
+            <a:off x="2608546" y="450047"/>
+            <a:ext cx="877082" cy="369332"/>
+          </a:xfrm>
+          <a:prstGeom prst="rect">
+            <a:avLst/>
+          </a:prstGeom>
+          <a:noFill/>
+        </p:spPr>
+        <p:txBody>
+          <a:bodyPr wrap="square" rtlCol="0">
+            <a:spAutoFit/>
+          </a:bodyPr>
+          <a:lstStyle/>
+          <a:p>
+            <a:pPr algn="ctr"/>
+            <a:r>
+              <a:rPr lang="en-GB" dirty="0"/>
+              <a:t>GPT-2</a:t>
+            </a:r>
+          </a:p>
+        </p:txBody>
+      </p:sp>
+      <p:sp>
+        <p:nvSpPr>
+          <p:cNvPr id="119" name="TextBox 118">
+            <a:extLst>
+              <a:ext uri="{FF2B5EF4-FFF2-40B4-BE49-F238E27FC236}">
+                <a16:creationId xmlns:a16="http://schemas.microsoft.com/office/drawing/2014/main" id="{4056CF37-1FCE-8CE6-D031-404C6C3C7624}"/>
+              </a:ext>
+            </a:extLst>
+          </p:cNvPr>
+          <p:cNvSpPr txBox="1"/>
+          <p:nvPr/>
+        </p:nvSpPr>
+        <p:spPr>
+          <a:xfrm rot="16200000">
+            <a:off x="1240391" y="3069547"/>
+            <a:ext cx="3601999" cy="307777"/>
+          </a:xfrm>
+          <a:prstGeom prst="rect">
+            <a:avLst/>
+          </a:prstGeom>
+          <a:noFill/>
+        </p:spPr>
+        <p:txBody>
+          <a:bodyPr wrap="square" rtlCol="0">
+            <a:spAutoFit/>
+          </a:bodyPr>
+          <a:lstStyle/>
+          <a:p>
+            <a:pPr algn="ctr"/>
+            <a:r>
+              <a:rPr lang="en-GB" sz="1400" dirty="0"/>
+              <a:t>Stacked N times</a:t>
+            </a:r>
+          </a:p>
+        </p:txBody>
+      </p:sp>
+      <p:sp>
+        <p:nvSpPr>
+          <p:cNvPr id="126" name="TextBox 125">
+            <a:extLst>
+              <a:ext uri="{FF2B5EF4-FFF2-40B4-BE49-F238E27FC236}">
+                <a16:creationId xmlns:a16="http://schemas.microsoft.com/office/drawing/2014/main" id="{17CB5A6F-E45A-C4EF-5FAF-A1A2F957B5C8}"/>
+              </a:ext>
+            </a:extLst>
+          </p:cNvPr>
+          <p:cNvSpPr txBox="1"/>
+          <p:nvPr/>
+        </p:nvSpPr>
+        <p:spPr>
+          <a:xfrm>
+            <a:off x="4008210" y="6118946"/>
+            <a:ext cx="1400170" cy="276999"/>
+          </a:xfrm>
+          <a:prstGeom prst="rect">
+            <a:avLst/>
+          </a:prstGeom>
+          <a:noFill/>
+        </p:spPr>
+        <p:txBody>
+          <a:bodyPr wrap="square" rtlCol="0">
+            <a:spAutoFit/>
+          </a:bodyPr>
+          <a:lstStyle/>
+          <a:p>
+            <a:pPr algn="r"/>
+            <a:r>
+              <a:rPr lang="en-GB" sz="1200" dirty="0"/>
+              <a:t>Encoded tokens</a:t>
+            </a:r>
+          </a:p>
+        </p:txBody>
+      </p:sp>
     </p:spTree>
     <p:extLst>
       <p:ext uri="{BB962C8B-B14F-4D97-AF65-F5344CB8AC3E}">
-        <p14:creationId xmlns:p14="http://schemas.microsoft.com/office/powerpoint/2010/main" val="3044208668"/>
+        <p14:creationId xmlns:p14="http://schemas.microsoft.com/office/powerpoint/2010/main" val="1458369563"/>
       </p:ext>
     </p:extLst>
   </p:cSld>
@@ -6248,319 +5534,4 @@
     </a:ext>
   </a:extLst>
 </a:theme>
-</file>
-
-<file path=ppt/theme/theme2.xml><?xml version="1.0" encoding="utf-8"?>
-<a:theme xmlns:a="http://schemas.openxmlformats.org/drawingml/2006/main" name="Office Theme">
-  <a:themeElements>
-    <a:clrScheme name="Office">
-      <a:dk1>
-        <a:sysClr val="windowText" lastClr="000000"/>
-      </a:dk1>
-      <a:lt1>
-        <a:sysClr val="window" lastClr="FFFFFF"/>
-      </a:lt1>
-      <a:dk2>
-        <a:srgbClr val="0E2841"/>
-      </a:dk2>
-      <a:lt2>
-        <a:srgbClr val="E8E8E8"/>
-      </a:lt2>
-      <a:accent1>
-        <a:srgbClr val="156082"/>
-      </a:accent1>
-      <a:accent2>
-        <a:srgbClr val="E97132"/>
-      </a:accent2>
-      <a:accent3>
-        <a:srgbClr val="196B24"/>
-      </a:accent3>
-      <a:accent4>
-        <a:srgbClr val="0F9ED5"/>
-      </a:accent4>
-      <a:accent5>
-        <a:srgbClr val="A02B93"/>
-      </a:accent5>
-      <a:accent6>
-        <a:srgbClr val="4EA72E"/>
-      </a:accent6>
-      <a:hlink>
-        <a:srgbClr val="467886"/>
-      </a:hlink>
-      <a:folHlink>
-        <a:srgbClr val="96607D"/>
-      </a:folHlink>
-    </a:clrScheme>
-    <a:fontScheme name="Office">
-      <a:majorFont>
-        <a:latin typeface="Aptos Display" panose="02110004020202020204"/>
-        <a:ea typeface=""/>
-        <a:cs typeface=""/>
-        <a:font script="Jpan" typeface="游ゴシック Light"/>
-        <a:font script="Hang" typeface="맑은 고딕"/>
-        <a:font script="Hans" typeface="等线 Light"/>
-        <a:font script="Hant" typeface="新細明體"/>
-        <a:font script="Arab" typeface="Times New Roman"/>
-        <a:font script="Hebr" typeface="Times New Roman"/>
-        <a:font script="Thai" typeface="Angsana New"/>
-        <a:font script="Ethi" typeface="Nyala"/>
-        <a:font script="Beng" typeface="Vrinda"/>
-        <a:font script="Gujr" typeface="Shruti"/>
-        <a:font script="Khmr" typeface="MoolBoran"/>
-        <a:font script="Knda" typeface="Tunga"/>
-        <a:font script="Guru" typeface="Raavi"/>
-        <a:font script="Cans" typeface="Euphemia"/>
-        <a:font script="Cher" typeface="Plantagenet Cherokee"/>
-        <a:font script="Yiii" typeface="Microsoft Yi Baiti"/>
-        <a:font script="Tibt" typeface="Microsoft Himalaya"/>
-        <a:font script="Thaa" typeface="MV Boli"/>
-        <a:font script="Deva" typeface="Mangal"/>
-        <a:font script="Telu" typeface="Gautami"/>
-        <a:font script="Taml" typeface="Latha"/>
-        <a:font script="Syrc" typeface="Estrangelo Edessa"/>
-        <a:font script="Orya" typeface="Kalinga"/>
-        <a:font script="Mlym" typeface="Kartika"/>
-        <a:font script="Laoo" typeface="DokChampa"/>
-        <a:font script="Sinh" typeface="Iskoola Pota"/>
-        <a:font script="Mong" typeface="Mongolian Baiti"/>
-        <a:font script="Viet" typeface="Times New Roman"/>
-        <a:font script="Uigh" typeface="Microsoft Uighur"/>
-        <a:font script="Geor" typeface="Sylfaen"/>
-        <a:font script="Armn" typeface="Arial"/>
-        <a:font script="Bugi" typeface="Leelawadee UI"/>
-        <a:font script="Bopo" typeface="Microsoft JhengHei"/>
-        <a:font script="Java" typeface="Javanese Text"/>
-        <a:font script="Lisu" typeface="Segoe UI"/>
-        <a:font script="Mymr" typeface="Myanmar Text"/>
-        <a:font script="Nkoo" typeface="Ebrima"/>
-        <a:font script="Olck" typeface="Nirmala UI"/>
-        <a:font script="Osma" typeface="Ebrima"/>
-        <a:font script="Phag" typeface="Phagspa"/>
-        <a:font script="Syrn" typeface="Estrangelo Edessa"/>
-        <a:font script="Syrj" typeface="Estrangelo Edessa"/>
-        <a:font script="Syre" typeface="Estrangelo Edessa"/>
-        <a:font script="Sora" typeface="Nirmala UI"/>
-        <a:font script="Tale" typeface="Microsoft Tai Le"/>
-        <a:font script="Talu" typeface="Microsoft New Tai Lue"/>
-        <a:font script="Tfng" typeface="Ebrima"/>
-      </a:majorFont>
-      <a:minorFont>
-        <a:latin typeface="Aptos" panose="02110004020202020204"/>
-        <a:ea typeface=""/>
-        <a:cs typeface=""/>
-        <a:font script="Jpan" typeface="游ゴシック"/>
-        <a:font script="Hang" typeface="맑은 고딕"/>
-        <a:font script="Hans" typeface="等线"/>
-        <a:font script="Hant" typeface="新細明體"/>
-        <a:font script="Arab" typeface="Arial"/>
-        <a:font script="Hebr" typeface="Arial"/>
-        <a:font script="Thai" typeface="Cordia New"/>
-        <a:font script="Ethi" typeface="Nyala"/>
-        <a:font script="Beng" typeface="Vrinda"/>
-        <a:font script="Gujr" typeface="Shruti"/>
-        <a:font script="Khmr" typeface="DaunPenh"/>
-        <a:font script="Knda" typeface="Tunga"/>
-        <a:font script="Guru" typeface="Raavi"/>
-        <a:font script="Cans" typeface="Euphemia"/>
-        <a:font script="Cher" typeface="Plantagenet Cherokee"/>
-        <a:font script="Yiii" typeface="Microsoft Yi Baiti"/>
-        <a:font script="Tibt" typeface="Microsoft Himalaya"/>
-        <a:font script="Thaa" typeface="MV Boli"/>
-        <a:font script="Deva" typeface="Mangal"/>
-        <a:font script="Telu" typeface="Gautami"/>
-        <a:font script="Taml" typeface="Latha"/>
-        <a:font script="Syrc" typeface="Estrangelo Edessa"/>
-        <a:font script="Orya" typeface="Kalinga"/>
-        <a:font script="Mlym" typeface="Kartika"/>
-        <a:font script="Laoo" typeface="DokChampa"/>
-        <a:font script="Sinh" typeface="Iskoola Pota"/>
-        <a:font script="Mong" typeface="Mongolian Baiti"/>
-        <a:font script="Viet" typeface="Arial"/>
-        <a:font script="Uigh" typeface="Microsoft Uighur"/>
-        <a:font script="Geor" typeface="Sylfaen"/>
-        <a:font script="Armn" typeface="Arial"/>
-        <a:font script="Bugi" typeface="Leelawadee UI"/>
-        <a:font script="Bopo" typeface="Microsoft JhengHei"/>
-        <a:font script="Java" typeface="Javanese Text"/>
-        <a:font script="Lisu" typeface="Segoe UI"/>
-        <a:font script="Mymr" typeface="Myanmar Text"/>
-        <a:font script="Nkoo" typeface="Ebrima"/>
-        <a:font script="Olck" typeface="Nirmala UI"/>
-        <a:font script="Osma" typeface="Ebrima"/>
-        <a:font script="Phag" typeface="Phagspa"/>
-        <a:font script="Syrn" typeface="Estrangelo Edessa"/>
-        <a:font script="Syrj" typeface="Estrangelo Edessa"/>
-        <a:font script="Syre" typeface="Estrangelo Edessa"/>
-        <a:font script="Sora" typeface="Nirmala UI"/>
-        <a:font script="Tale" typeface="Microsoft Tai Le"/>
-        <a:font script="Talu" typeface="Microsoft New Tai Lue"/>
-        <a:font script="Tfng" typeface="Ebrima"/>
-      </a:minorFont>
-    </a:fontScheme>
-    <a:fmtScheme name="Office">
-      <a:fillStyleLst>
-        <a:solidFill>
-          <a:schemeClr val="phClr"/>
-        </a:solidFill>
-        <a:gradFill rotWithShape="1">
-          <a:gsLst>
-            <a:gs pos="0">
-              <a:schemeClr val="phClr">
-                <a:lumMod val="110000"/>
-                <a:satMod val="105000"/>
-                <a:tint val="67000"/>
-              </a:schemeClr>
-            </a:gs>
-            <a:gs pos="50000">
-              <a:schemeClr val="phClr">
-                <a:lumMod val="105000"/>
-                <a:satMod val="103000"/>
-                <a:tint val="73000"/>
-              </a:schemeClr>
-            </a:gs>
-            <a:gs pos="100000">
-              <a:schemeClr val="phClr">
-                <a:lumMod val="105000"/>
-                <a:satMod val="109000"/>
-                <a:tint val="81000"/>
-              </a:schemeClr>
-            </a:gs>
-          </a:gsLst>
-          <a:lin ang="5400000" scaled="0"/>
-        </a:gradFill>
-        <a:gradFill rotWithShape="1">
-          <a:gsLst>
-            <a:gs pos="0">
-              <a:schemeClr val="phClr">
-                <a:satMod val="103000"/>
-                <a:lumMod val="102000"/>
-                <a:tint val="94000"/>
-              </a:schemeClr>
-            </a:gs>
-            <a:gs pos="50000">
-              <a:schemeClr val="phClr">
-                <a:satMod val="110000"/>
-                <a:lumMod val="100000"/>
-                <a:shade val="100000"/>
-              </a:schemeClr>
-            </a:gs>
-            <a:gs pos="100000">
-              <a:schemeClr val="phClr">
-                <a:lumMod val="99000"/>
-                <a:satMod val="120000"/>
-                <a:shade val="78000"/>
-              </a:schemeClr>
-            </a:gs>
-          </a:gsLst>
-          <a:lin ang="5400000" scaled="0"/>
-        </a:gradFill>
-      </a:fillStyleLst>
-      <a:lnStyleLst>
-        <a:ln w="12700" cap="flat" cmpd="sng" algn="ctr">
-          <a:solidFill>
-            <a:schemeClr val="phClr"/>
-          </a:solidFill>
-          <a:prstDash val="solid"/>
-          <a:miter lim="800000"/>
-        </a:ln>
-        <a:ln w="19050" cap="flat" cmpd="sng" algn="ctr">
-          <a:solidFill>
-            <a:schemeClr val="phClr"/>
-          </a:solidFill>
-          <a:prstDash val="solid"/>
-          <a:miter lim="800000"/>
-        </a:ln>
-        <a:ln w="25400" cap="flat" cmpd="sng" algn="ctr">
-          <a:solidFill>
-            <a:schemeClr val="phClr"/>
-          </a:solidFill>
-          <a:prstDash val="solid"/>
-          <a:miter lim="800000"/>
-        </a:ln>
-      </a:lnStyleLst>
-      <a:effectStyleLst>
-        <a:effectStyle>
-          <a:effectLst/>
-        </a:effectStyle>
-        <a:effectStyle>
-          <a:effectLst/>
-        </a:effectStyle>
-        <a:effectStyle>
-          <a:effectLst>
-            <a:outerShdw blurRad="57150" dist="19050" dir="5400000" algn="ctr" rotWithShape="0">
-              <a:srgbClr val="000000">
-                <a:alpha val="63000"/>
-              </a:srgbClr>
-            </a:outerShdw>
-          </a:effectLst>
-        </a:effectStyle>
-      </a:effectStyleLst>
-      <a:bgFillStyleLst>
-        <a:solidFill>
-          <a:schemeClr val="phClr"/>
-        </a:solidFill>
-        <a:solidFill>
-          <a:schemeClr val="phClr">
-            <a:tint val="95000"/>
-            <a:satMod val="170000"/>
-          </a:schemeClr>
-        </a:solidFill>
-        <a:gradFill rotWithShape="1">
-          <a:gsLst>
-            <a:gs pos="0">
-              <a:schemeClr val="phClr">
-                <a:tint val="93000"/>
-                <a:satMod val="150000"/>
-                <a:shade val="98000"/>
-                <a:lumMod val="102000"/>
-              </a:schemeClr>
-            </a:gs>
-            <a:gs pos="50000">
-              <a:schemeClr val="phClr">
-                <a:tint val="98000"/>
-                <a:satMod val="130000"/>
-                <a:shade val="90000"/>
-                <a:lumMod val="103000"/>
-              </a:schemeClr>
-            </a:gs>
-            <a:gs pos="100000">
-              <a:schemeClr val="phClr">
-                <a:shade val="63000"/>
-                <a:satMod val="120000"/>
-              </a:schemeClr>
-            </a:gs>
-          </a:gsLst>
-          <a:lin ang="5400000" scaled="0"/>
-        </a:gradFill>
-      </a:bgFillStyleLst>
-    </a:fmtScheme>
-  </a:themeElements>
-  <a:objectDefaults>
-    <a:lnDef>
-      <a:spPr/>
-      <a:bodyPr/>
-      <a:lstStyle/>
-      <a:style>
-        <a:lnRef idx="2">
-          <a:schemeClr val="accent1"/>
-        </a:lnRef>
-        <a:fillRef idx="0">
-          <a:schemeClr val="accent1"/>
-        </a:fillRef>
-        <a:effectRef idx="1">
-          <a:schemeClr val="accent1"/>
-        </a:effectRef>
-        <a:fontRef idx="minor">
-          <a:schemeClr val="tx1"/>
-        </a:fontRef>
-      </a:style>
-    </a:lnDef>
-  </a:objectDefaults>
-  <a:extraClrSchemeLst/>
-  <a:extLst>
-    <a:ext uri="{05A4C25C-085E-4340-85A3-A5531E510DB2}">
-      <thm15:themeFamily xmlns:thm15="http://schemas.microsoft.com/office/thememl/2012/main" name="Office Theme" id="{2E142A2C-CD16-42D6-873A-C26D2A0506FA}" vid="{1BDDFF52-6CD6-40A5-AB3C-68EB2F1E4D0A}"/>
-    </a:ext>
-  </a:extLst>
-</a:theme>
 </file>
--- a/pictures/drawings.pptx
+++ b/pictures/drawings.pptx
@@ -104,6 +104,11 @@
       </a:defRPr>
     </a:lvl9pPr>
   </p:defaultTextStyle>
+  <p:extLst>
+    <p:ext uri="{EFAFB233-063F-42B5-8137-9DF3F51BA10A}">
+      <p15:sldGuideLst xmlns:p15="http://schemas.microsoft.com/office/powerpoint/2012/main"/>
+    </p:ext>
+  </p:extLst>
 </p:presentation>
 </file>
 
@@ -256,7 +261,7 @@
           <a:p>
             <a:fld id="{4B21A34F-9ACB-4B9A-AC90-B216D47E3709}" type="datetimeFigureOut">
               <a:rPr lang="en-GB" smtClean="0"/>
-              <a:t>26/10/2025</a:t>
+              <a:t>30/10/2025</a:t>
             </a:fld>
             <a:endParaRPr lang="en-GB"/>
           </a:p>
@@ -456,7 +461,7 @@
           <a:p>
             <a:fld id="{4B21A34F-9ACB-4B9A-AC90-B216D47E3709}" type="datetimeFigureOut">
               <a:rPr lang="en-GB" smtClean="0"/>
-              <a:t>26/10/2025</a:t>
+              <a:t>30/10/2025</a:t>
             </a:fld>
             <a:endParaRPr lang="en-GB"/>
           </a:p>
@@ -666,7 +671,7 @@
           <a:p>
             <a:fld id="{4B21A34F-9ACB-4B9A-AC90-B216D47E3709}" type="datetimeFigureOut">
               <a:rPr lang="en-GB" smtClean="0"/>
-              <a:t>26/10/2025</a:t>
+              <a:t>30/10/2025</a:t>
             </a:fld>
             <a:endParaRPr lang="en-GB"/>
           </a:p>
@@ -866,7 +871,7 @@
           <a:p>
             <a:fld id="{4B21A34F-9ACB-4B9A-AC90-B216D47E3709}" type="datetimeFigureOut">
               <a:rPr lang="en-GB" smtClean="0"/>
-              <a:t>26/10/2025</a:t>
+              <a:t>30/10/2025</a:t>
             </a:fld>
             <a:endParaRPr lang="en-GB"/>
           </a:p>
@@ -1142,7 +1147,7 @@
           <a:p>
             <a:fld id="{4B21A34F-9ACB-4B9A-AC90-B216D47E3709}" type="datetimeFigureOut">
               <a:rPr lang="en-GB" smtClean="0"/>
-              <a:t>26/10/2025</a:t>
+              <a:t>30/10/2025</a:t>
             </a:fld>
             <a:endParaRPr lang="en-GB"/>
           </a:p>
@@ -1410,7 +1415,7 @@
           <a:p>
             <a:fld id="{4B21A34F-9ACB-4B9A-AC90-B216D47E3709}" type="datetimeFigureOut">
               <a:rPr lang="en-GB" smtClean="0"/>
-              <a:t>26/10/2025</a:t>
+              <a:t>30/10/2025</a:t>
             </a:fld>
             <a:endParaRPr lang="en-GB"/>
           </a:p>
@@ -1825,7 +1830,7 @@
           <a:p>
             <a:fld id="{4B21A34F-9ACB-4B9A-AC90-B216D47E3709}" type="datetimeFigureOut">
               <a:rPr lang="en-GB" smtClean="0"/>
-              <a:t>26/10/2025</a:t>
+              <a:t>30/10/2025</a:t>
             </a:fld>
             <a:endParaRPr lang="en-GB"/>
           </a:p>
@@ -1967,7 +1972,7 @@
           <a:p>
             <a:fld id="{4B21A34F-9ACB-4B9A-AC90-B216D47E3709}" type="datetimeFigureOut">
               <a:rPr lang="en-GB" smtClean="0"/>
-              <a:t>26/10/2025</a:t>
+              <a:t>30/10/2025</a:t>
             </a:fld>
             <a:endParaRPr lang="en-GB"/>
           </a:p>
@@ -2080,7 +2085,7 @@
           <a:p>
             <a:fld id="{4B21A34F-9ACB-4B9A-AC90-B216D47E3709}" type="datetimeFigureOut">
               <a:rPr lang="en-GB" smtClean="0"/>
-              <a:t>26/10/2025</a:t>
+              <a:t>30/10/2025</a:t>
             </a:fld>
             <a:endParaRPr lang="en-GB"/>
           </a:p>
@@ -2393,7 +2398,7 @@
           <a:p>
             <a:fld id="{4B21A34F-9ACB-4B9A-AC90-B216D47E3709}" type="datetimeFigureOut">
               <a:rPr lang="en-GB" smtClean="0"/>
-              <a:t>26/10/2025</a:t>
+              <a:t>30/10/2025</a:t>
             </a:fld>
             <a:endParaRPr lang="en-GB"/>
           </a:p>
@@ -2682,7 +2687,7 @@
           <a:p>
             <a:fld id="{4B21A34F-9ACB-4B9A-AC90-B216D47E3709}" type="datetimeFigureOut">
               <a:rPr lang="en-GB" smtClean="0"/>
-              <a:t>26/10/2025</a:t>
+              <a:t>30/10/2025</a:t>
             </a:fld>
             <a:endParaRPr lang="en-GB"/>
           </a:p>
@@ -2925,7 +2930,7 @@
           <a:p>
             <a:fld id="{4B21A34F-9ACB-4B9A-AC90-B216D47E3709}" type="datetimeFigureOut">
               <a:rPr lang="en-GB" smtClean="0"/>
-              <a:t>26/10/2025</a:t>
+              <a:t>30/10/2025</a:t>
             </a:fld>
             <a:endParaRPr lang="en-GB"/>
           </a:p>
@@ -3356,7 +3361,7 @@
         </p:nvSpPr>
         <p:spPr>
           <a:xfrm>
-            <a:off x="2608546" y="450047"/>
+            <a:off x="2608546" y="769361"/>
             <a:ext cx="4191000" cy="5522460"/>
           </a:xfrm>
           <a:prstGeom prst="rect">
@@ -3417,7 +3422,7 @@
         </p:nvSpPr>
         <p:spPr>
           <a:xfrm>
-            <a:off x="3190876" y="1384299"/>
+            <a:off x="3190876" y="1703613"/>
             <a:ext cx="3009890" cy="3640139"/>
           </a:xfrm>
           <a:prstGeom prst="rect">
@@ -3478,7 +3483,7 @@
         </p:nvSpPr>
         <p:spPr>
           <a:xfrm>
-            <a:off x="3682706" y="5565058"/>
+            <a:off x="3682706" y="5884372"/>
             <a:ext cx="2042679" cy="200025"/>
           </a:xfrm>
           <a:prstGeom prst="rect">
@@ -3523,7 +3528,7 @@
                   <a:schemeClr val="tx1"/>
                 </a:solidFill>
               </a:rPr>
-              <a:t>Token and position embedding</a:t>
+              <a:t>Token and Position Embedding</a:t>
             </a:r>
           </a:p>
         </p:txBody>
@@ -3542,7 +3547,7 @@
         </p:nvSpPr>
         <p:spPr>
           <a:xfrm>
-            <a:off x="3724271" y="5184779"/>
+            <a:off x="3724271" y="5504093"/>
             <a:ext cx="1943100" cy="200025"/>
           </a:xfrm>
           <a:prstGeom prst="rect">
@@ -3603,7 +3608,7 @@
         </p:nvSpPr>
         <p:spPr>
           <a:xfrm>
-            <a:off x="3724271" y="4462466"/>
+            <a:off x="3724271" y="4781780"/>
             <a:ext cx="1943100" cy="200025"/>
           </a:xfrm>
           <a:prstGeom prst="rect">
@@ -3672,7 +3677,7 @@
         </p:nvSpPr>
         <p:spPr>
           <a:xfrm>
-            <a:off x="3724271" y="3783016"/>
+            <a:off x="3724271" y="4102330"/>
             <a:ext cx="1943100" cy="490537"/>
           </a:xfrm>
           <a:prstGeom prst="rect">
@@ -3714,7 +3719,7 @@
                   <a:schemeClr val="tx1"/>
                 </a:solidFill>
               </a:rPr>
-              <a:t>Multi-head attention</a:t>
+              <a:t>Masked Multi-head Attention</a:t>
             </a:r>
           </a:p>
         </p:txBody>
@@ -3733,7 +3738,7 @@
         </p:nvSpPr>
         <p:spPr>
           <a:xfrm>
-            <a:off x="3724271" y="3394078"/>
+            <a:off x="3724271" y="3713392"/>
             <a:ext cx="1943100" cy="200025"/>
           </a:xfrm>
           <a:prstGeom prst="rect">
@@ -3794,7 +3799,7 @@
         </p:nvSpPr>
         <p:spPr>
           <a:xfrm>
-            <a:off x="3724271" y="2578102"/>
+            <a:off x="3724271" y="2897416"/>
             <a:ext cx="1943100" cy="200025"/>
           </a:xfrm>
           <a:prstGeom prst="rect">
@@ -3855,7 +3860,7 @@
         </p:nvSpPr>
         <p:spPr>
           <a:xfrm>
-            <a:off x="3724271" y="2208214"/>
+            <a:off x="3724271" y="2527528"/>
             <a:ext cx="1943100" cy="200025"/>
           </a:xfrm>
           <a:prstGeom prst="rect">
@@ -3919,7 +3924,7 @@
         </p:nvSpPr>
         <p:spPr>
           <a:xfrm>
-            <a:off x="3724271" y="984250"/>
+            <a:off x="3724271" y="1303564"/>
             <a:ext cx="1943100" cy="200025"/>
           </a:xfrm>
           <a:prstGeom prst="rect">
@@ -3980,7 +3985,7 @@
         </p:nvSpPr>
         <p:spPr>
           <a:xfrm>
-            <a:off x="3724271" y="614362"/>
+            <a:off x="3724271" y="933676"/>
             <a:ext cx="1943100" cy="200025"/>
           </a:xfrm>
           <a:prstGeom prst="rect">
@@ -4044,7 +4049,7 @@
         </p:nvSpPr>
         <p:spPr>
           <a:xfrm>
-            <a:off x="3724271" y="1838326"/>
+            <a:off x="3724271" y="2157640"/>
             <a:ext cx="1943100" cy="200025"/>
           </a:xfrm>
           <a:prstGeom prst="rect">
@@ -4105,7 +4110,7 @@
         </p:nvSpPr>
         <p:spPr>
           <a:xfrm>
-            <a:off x="4591046" y="3074991"/>
+            <a:off x="4591046" y="3394305"/>
             <a:ext cx="209550" cy="209550"/>
           </a:xfrm>
           <a:prstGeom prst="ellipse">
@@ -4166,7 +4171,7 @@
         </p:nvSpPr>
         <p:spPr>
           <a:xfrm>
-            <a:off x="4591046" y="1506538"/>
+            <a:off x="4591046" y="1825852"/>
             <a:ext cx="209550" cy="209550"/>
           </a:xfrm>
           <a:prstGeom prst="ellipse">
@@ -4230,7 +4235,7 @@
         </p:nvCxnSpPr>
         <p:spPr>
           <a:xfrm flipH="1" flipV="1">
-            <a:off x="4695821" y="5384804"/>
+            <a:off x="4695821" y="5704118"/>
             <a:ext cx="8225" cy="180254"/>
           </a:xfrm>
           <a:prstGeom prst="straightConnector1">
@@ -4275,7 +4280,7 @@
         </p:nvCxnSpPr>
         <p:spPr>
           <a:xfrm flipV="1">
-            <a:off x="4695821" y="4662491"/>
+            <a:off x="4695821" y="4981805"/>
             <a:ext cx="0" cy="522288"/>
           </a:xfrm>
           <a:prstGeom prst="straightConnector1">
@@ -4321,7 +4326,7 @@
         </p:nvCxnSpPr>
         <p:spPr>
           <a:xfrm flipV="1">
-            <a:off x="4695821" y="4273553"/>
+            <a:off x="4695821" y="4592867"/>
             <a:ext cx="0" cy="188913"/>
           </a:xfrm>
           <a:prstGeom prst="straightConnector1">
@@ -4366,7 +4371,7 @@
         </p:nvCxnSpPr>
         <p:spPr>
           <a:xfrm flipV="1">
-            <a:off x="4695821" y="3594103"/>
+            <a:off x="4695821" y="3913417"/>
             <a:ext cx="0" cy="188913"/>
           </a:xfrm>
           <a:prstGeom prst="straightConnector1">
@@ -4410,7 +4415,7 @@
         </p:nvCxnSpPr>
         <p:spPr>
           <a:xfrm flipV="1">
-            <a:off x="4695821" y="3284541"/>
+            <a:off x="4695821" y="3603855"/>
             <a:ext cx="0" cy="109537"/>
           </a:xfrm>
           <a:prstGeom prst="straightConnector1">
@@ -4455,7 +4460,7 @@
         </p:nvCxnSpPr>
         <p:spPr>
           <a:xfrm flipV="1">
-            <a:off x="4695821" y="2778127"/>
+            <a:off x="4695821" y="3097441"/>
             <a:ext cx="0" cy="296864"/>
           </a:xfrm>
           <a:prstGeom prst="straightConnector1">
@@ -4499,7 +4504,7 @@
         </p:nvCxnSpPr>
         <p:spPr>
           <a:xfrm flipV="1">
-            <a:off x="4695821" y="2408239"/>
+            <a:off x="4695821" y="2727553"/>
             <a:ext cx="0" cy="169863"/>
           </a:xfrm>
           <a:prstGeom prst="straightConnector1">
@@ -4543,7 +4548,7 @@
         </p:nvCxnSpPr>
         <p:spPr>
           <a:xfrm flipV="1">
-            <a:off x="4695821" y="2038351"/>
+            <a:off x="4695821" y="2357665"/>
             <a:ext cx="0" cy="169863"/>
           </a:xfrm>
           <a:prstGeom prst="straightConnector1">
@@ -4587,7 +4592,7 @@
         </p:nvCxnSpPr>
         <p:spPr>
           <a:xfrm flipV="1">
-            <a:off x="4695821" y="1716088"/>
+            <a:off x="4695821" y="2035402"/>
             <a:ext cx="0" cy="122238"/>
           </a:xfrm>
           <a:prstGeom prst="straightConnector1">
@@ -4633,7 +4638,7 @@
         </p:nvCxnSpPr>
         <p:spPr>
           <a:xfrm flipV="1">
-            <a:off x="4695821" y="1184275"/>
+            <a:off x="4695821" y="1503589"/>
             <a:ext cx="0" cy="322263"/>
           </a:xfrm>
           <a:prstGeom prst="straightConnector1">
@@ -4677,7 +4682,7 @@
         </p:nvCxnSpPr>
         <p:spPr>
           <a:xfrm flipV="1">
-            <a:off x="4695821" y="814387"/>
+            <a:off x="4695821" y="1133701"/>
             <a:ext cx="0" cy="169863"/>
           </a:xfrm>
           <a:prstGeom prst="straightConnector1">
@@ -4721,7 +4726,7 @@
         </p:nvCxnSpPr>
         <p:spPr>
           <a:xfrm>
-            <a:off x="4695821" y="2974184"/>
+            <a:off x="4695821" y="3293498"/>
             <a:ext cx="1219204" cy="0"/>
           </a:xfrm>
           <a:prstGeom prst="straightConnector1">
@@ -4767,7 +4772,7 @@
         </p:nvCxnSpPr>
         <p:spPr>
           <a:xfrm>
-            <a:off x="4800596" y="1611313"/>
+            <a:off x="4800596" y="1930627"/>
             <a:ext cx="1114429" cy="0"/>
           </a:xfrm>
           <a:prstGeom prst="straightConnector1">
@@ -4812,7 +4817,7 @@
         </p:nvCxnSpPr>
         <p:spPr>
           <a:xfrm>
-            <a:off x="4694868" y="4863470"/>
+            <a:off x="4694868" y="5182784"/>
             <a:ext cx="1219204" cy="0"/>
           </a:xfrm>
           <a:prstGeom prst="straightConnector1">
@@ -4857,7 +4862,7 @@
         </p:nvCxnSpPr>
         <p:spPr>
           <a:xfrm>
-            <a:off x="5905500" y="1611313"/>
+            <a:off x="5905500" y="1930627"/>
             <a:ext cx="9525" cy="1362871"/>
           </a:xfrm>
           <a:prstGeom prst="line">
@@ -4900,7 +4905,7 @@
         </p:nvCxnSpPr>
         <p:spPr>
           <a:xfrm>
-            <a:off x="5908675" y="3179766"/>
+            <a:off x="5908675" y="3499080"/>
             <a:ext cx="0" cy="1682749"/>
           </a:xfrm>
           <a:prstGeom prst="line">
@@ -4944,7 +4949,7 @@
         </p:nvCxnSpPr>
         <p:spPr>
           <a:xfrm>
-            <a:off x="4800596" y="3179766"/>
+            <a:off x="4800596" y="3499080"/>
             <a:ext cx="1114429" cy="0"/>
           </a:xfrm>
           <a:prstGeom prst="straightConnector1">
@@ -4990,7 +4995,7 @@
         </p:nvCxnSpPr>
         <p:spPr>
           <a:xfrm flipH="1" flipV="1">
-            <a:off x="4694868" y="209550"/>
+            <a:off x="4694868" y="528864"/>
             <a:ext cx="953" cy="404812"/>
           </a:xfrm>
           <a:prstGeom prst="straightConnector1">
@@ -5036,7 +5041,7 @@
         </p:nvCxnSpPr>
         <p:spPr>
           <a:xfrm flipH="1" flipV="1">
-            <a:off x="4704046" y="5765083"/>
+            <a:off x="4704046" y="6084397"/>
             <a:ext cx="4249" cy="353863"/>
           </a:xfrm>
           <a:prstGeom prst="straightConnector1">
@@ -5078,7 +5083,7 @@
         </p:nvSpPr>
         <p:spPr>
           <a:xfrm>
-            <a:off x="3167058" y="1398586"/>
+            <a:off x="3167058" y="1717900"/>
             <a:ext cx="1114425" cy="307777"/>
           </a:xfrm>
           <a:prstGeom prst="rect">
@@ -5114,8 +5119,8 @@
         </p:nvSpPr>
         <p:spPr>
           <a:xfrm>
-            <a:off x="2608546" y="450047"/>
-            <a:ext cx="877082" cy="369332"/>
+            <a:off x="2608546" y="769361"/>
+            <a:ext cx="877082" cy="584775"/>
           </a:xfrm>
           <a:prstGeom prst="rect">
             <a:avLst/>
@@ -5130,8 +5135,15 @@
           <a:p>
             <a:pPr algn="ctr"/>
             <a:r>
-              <a:rPr lang="en-GB" dirty="0"/>
+              <a:rPr lang="en-GB" sz="1600" dirty="0"/>
               <a:t>GPT-2</a:t>
+            </a:r>
+            <a:br>
+              <a:rPr lang="en-GB" sz="1600" dirty="0"/>
+            </a:br>
+            <a:r>
+              <a:rPr lang="en-GB" sz="1600" dirty="0"/>
+              <a:t>Model</a:t>
             </a:r>
           </a:p>
         </p:txBody>
@@ -5150,7 +5162,7 @@
         </p:nvSpPr>
         <p:spPr>
           <a:xfrm rot="16200000">
-            <a:off x="1240391" y="3069547"/>
+            <a:off x="1240391" y="3388861"/>
             <a:ext cx="3601999" cy="307777"/>
           </a:xfrm>
           <a:prstGeom prst="rect">
@@ -5186,7 +5198,7 @@
         </p:nvSpPr>
         <p:spPr>
           <a:xfrm>
-            <a:off x="4008210" y="6118946"/>
+            <a:off x="4008210" y="6438260"/>
             <a:ext cx="1400170" cy="276999"/>
           </a:xfrm>
           <a:prstGeom prst="rect">
@@ -5200,10 +5212,46 @@
           </a:bodyPr>
           <a:lstStyle/>
           <a:p>
-            <a:pPr algn="r"/>
+            <a:pPr algn="ctr"/>
             <a:r>
               <a:rPr lang="en-GB" sz="1200" dirty="0"/>
-              <a:t>Encoded tokens</a:t>
+              <a:t>Tokens</a:t>
+            </a:r>
+          </a:p>
+        </p:txBody>
+      </p:sp>
+      <p:sp>
+        <p:nvSpPr>
+          <p:cNvPr id="2" name="TextBox 1">
+            <a:extLst>
+              <a:ext uri="{FF2B5EF4-FFF2-40B4-BE49-F238E27FC236}">
+                <a16:creationId xmlns:a16="http://schemas.microsoft.com/office/drawing/2014/main" id="{BFF51514-B523-7A2B-F253-EBA5EEE99B21}"/>
+              </a:ext>
+            </a:extLst>
+          </p:cNvPr>
+          <p:cNvSpPr txBox="1"/>
+          <p:nvPr/>
+        </p:nvSpPr>
+        <p:spPr>
+          <a:xfrm>
+            <a:off x="3791392" y="294730"/>
+            <a:ext cx="1821085" cy="276999"/>
+          </a:xfrm>
+          <a:prstGeom prst="rect">
+            <a:avLst/>
+          </a:prstGeom>
+          <a:noFill/>
+        </p:spPr>
+        <p:txBody>
+          <a:bodyPr wrap="square" rtlCol="0">
+            <a:spAutoFit/>
+          </a:bodyPr>
+          <a:lstStyle/>
+          <a:p>
+            <a:pPr algn="ctr"/>
+            <a:r>
+              <a:rPr lang="en-GB" sz="1200" dirty="0"/>
+              <a:t>Next-token Probabilities</a:t>
             </a:r>
           </a:p>
         </p:txBody>

--- a/pictures/drawings.pptx
+++ b/pictures/drawings.pptx
@@ -261,7 +261,7 @@
           <a:p>
             <a:fld id="{4B21A34F-9ACB-4B9A-AC90-B216D47E3709}" type="datetimeFigureOut">
               <a:rPr lang="en-GB" smtClean="0"/>
-              <a:t>30/10/2025</a:t>
+              <a:t>10/11/2025</a:t>
             </a:fld>
             <a:endParaRPr lang="en-GB"/>
           </a:p>
@@ -461,7 +461,7 @@
           <a:p>
             <a:fld id="{4B21A34F-9ACB-4B9A-AC90-B216D47E3709}" type="datetimeFigureOut">
               <a:rPr lang="en-GB" smtClean="0"/>
-              <a:t>30/10/2025</a:t>
+              <a:t>10/11/2025</a:t>
             </a:fld>
             <a:endParaRPr lang="en-GB"/>
           </a:p>
@@ -671,7 +671,7 @@
           <a:p>
             <a:fld id="{4B21A34F-9ACB-4B9A-AC90-B216D47E3709}" type="datetimeFigureOut">
               <a:rPr lang="en-GB" smtClean="0"/>
-              <a:t>30/10/2025</a:t>
+              <a:t>10/11/2025</a:t>
             </a:fld>
             <a:endParaRPr lang="en-GB"/>
           </a:p>
@@ -871,7 +871,7 @@
           <a:p>
             <a:fld id="{4B21A34F-9ACB-4B9A-AC90-B216D47E3709}" type="datetimeFigureOut">
               <a:rPr lang="en-GB" smtClean="0"/>
-              <a:t>30/10/2025</a:t>
+              <a:t>10/11/2025</a:t>
             </a:fld>
             <a:endParaRPr lang="en-GB"/>
           </a:p>
@@ -1147,7 +1147,7 @@
           <a:p>
             <a:fld id="{4B21A34F-9ACB-4B9A-AC90-B216D47E3709}" type="datetimeFigureOut">
               <a:rPr lang="en-GB" smtClean="0"/>
-              <a:t>30/10/2025</a:t>
+              <a:t>10/11/2025</a:t>
             </a:fld>
             <a:endParaRPr lang="en-GB"/>
           </a:p>
@@ -1415,7 +1415,7 @@
           <a:p>
             <a:fld id="{4B21A34F-9ACB-4B9A-AC90-B216D47E3709}" type="datetimeFigureOut">
               <a:rPr lang="en-GB" smtClean="0"/>
-              <a:t>30/10/2025</a:t>
+              <a:t>10/11/2025</a:t>
             </a:fld>
             <a:endParaRPr lang="en-GB"/>
           </a:p>
@@ -1830,7 +1830,7 @@
           <a:p>
             <a:fld id="{4B21A34F-9ACB-4B9A-AC90-B216D47E3709}" type="datetimeFigureOut">
               <a:rPr lang="en-GB" smtClean="0"/>
-              <a:t>30/10/2025</a:t>
+              <a:t>10/11/2025</a:t>
             </a:fld>
             <a:endParaRPr lang="en-GB"/>
           </a:p>
@@ -1972,7 +1972,7 @@
           <a:p>
             <a:fld id="{4B21A34F-9ACB-4B9A-AC90-B216D47E3709}" type="datetimeFigureOut">
               <a:rPr lang="en-GB" smtClean="0"/>
-              <a:t>30/10/2025</a:t>
+              <a:t>10/11/2025</a:t>
             </a:fld>
             <a:endParaRPr lang="en-GB"/>
           </a:p>
@@ -2085,7 +2085,7 @@
           <a:p>
             <a:fld id="{4B21A34F-9ACB-4B9A-AC90-B216D47E3709}" type="datetimeFigureOut">
               <a:rPr lang="en-GB" smtClean="0"/>
-              <a:t>30/10/2025</a:t>
+              <a:t>10/11/2025</a:t>
             </a:fld>
             <a:endParaRPr lang="en-GB"/>
           </a:p>
@@ -2398,7 +2398,7 @@
           <a:p>
             <a:fld id="{4B21A34F-9ACB-4B9A-AC90-B216D47E3709}" type="datetimeFigureOut">
               <a:rPr lang="en-GB" smtClean="0"/>
-              <a:t>30/10/2025</a:t>
+              <a:t>10/11/2025</a:t>
             </a:fld>
             <a:endParaRPr lang="en-GB"/>
           </a:p>
@@ -2687,7 +2687,7 @@
           <a:p>
             <a:fld id="{4B21A34F-9ACB-4B9A-AC90-B216D47E3709}" type="datetimeFigureOut">
               <a:rPr lang="en-GB" smtClean="0"/>
-              <a:t>30/10/2025</a:t>
+              <a:t>10/11/2025</a:t>
             </a:fld>
             <a:endParaRPr lang="en-GB"/>
           </a:p>
@@ -2930,7 +2930,7 @@
           <a:p>
             <a:fld id="{4B21A34F-9ACB-4B9A-AC90-B216D47E3709}" type="datetimeFigureOut">
               <a:rPr lang="en-GB" smtClean="0"/>
-              <a:t>30/10/2025</a:t>
+              <a:t>10/11/2025</a:t>
             </a:fld>
             <a:endParaRPr lang="en-GB"/>
           </a:p>
@@ -3361,8 +3361,8 @@
         </p:nvSpPr>
         <p:spPr>
           <a:xfrm>
-            <a:off x="2608546" y="769361"/>
-            <a:ext cx="4191000" cy="5522460"/>
+            <a:off x="2608546" y="1076325"/>
+            <a:ext cx="4191000" cy="5215495"/>
           </a:xfrm>
           <a:prstGeom prst="rect">
             <a:avLst/>
@@ -3422,8 +3422,8 @@
         </p:nvSpPr>
         <p:spPr>
           <a:xfrm>
-            <a:off x="3190876" y="1703613"/>
-            <a:ext cx="3009890" cy="3640139"/>
+            <a:off x="3190876" y="1624017"/>
+            <a:ext cx="3009890" cy="3719735"/>
           </a:xfrm>
           <a:prstGeom prst="rect">
             <a:avLst/>
@@ -3924,7 +3924,7 @@
         </p:nvSpPr>
         <p:spPr>
           <a:xfrm>
-            <a:off x="3724271" y="1303564"/>
+            <a:off x="3724271" y="1232133"/>
             <a:ext cx="1943100" cy="200025"/>
           </a:xfrm>
           <a:prstGeom prst="rect">
@@ -3973,70 +3973,6 @@
       </p:sp>
       <p:sp>
         <p:nvSpPr>
-          <p:cNvPr id="13" name="Rectangle 12">
-            <a:extLst>
-              <a:ext uri="{FF2B5EF4-FFF2-40B4-BE49-F238E27FC236}">
-                <a16:creationId xmlns:a16="http://schemas.microsoft.com/office/drawing/2014/main" id="{E6AE26B0-E2ED-AB88-79A0-66563BF214A2}"/>
-              </a:ext>
-            </a:extLst>
-          </p:cNvPr>
-          <p:cNvSpPr/>
-          <p:nvPr/>
-        </p:nvSpPr>
-        <p:spPr>
-          <a:xfrm>
-            <a:off x="3724271" y="933676"/>
-            <a:ext cx="1943100" cy="200025"/>
-          </a:xfrm>
-          <a:prstGeom prst="rect">
-            <a:avLst/>
-          </a:prstGeom>
-          <a:solidFill>
-            <a:schemeClr val="accent6">
-              <a:lumMod val="40000"/>
-              <a:lumOff val="60000"/>
-            </a:schemeClr>
-          </a:solidFill>
-          <a:ln w="12700">
-            <a:solidFill>
-              <a:schemeClr val="tx1"/>
-            </a:solidFill>
-          </a:ln>
-        </p:spPr>
-        <p:style>
-          <a:lnRef idx="2">
-            <a:schemeClr val="accent1">
-              <a:shade val="15000"/>
-            </a:schemeClr>
-          </a:lnRef>
-          <a:fillRef idx="1">
-            <a:schemeClr val="accent1"/>
-          </a:fillRef>
-          <a:effectRef idx="0">
-            <a:schemeClr val="accent1"/>
-          </a:effectRef>
-          <a:fontRef idx="minor">
-            <a:schemeClr val="lt1"/>
-          </a:fontRef>
-        </p:style>
-        <p:txBody>
-          <a:bodyPr rtlCol="0" anchor="ctr"/>
-          <a:lstStyle/>
-          <a:p>
-            <a:pPr algn="ctr"/>
-            <a:r>
-              <a:rPr lang="en-GB" sz="1100" dirty="0">
-                <a:solidFill>
-                  <a:schemeClr val="tx1"/>
-                </a:solidFill>
-              </a:rPr>
-              <a:t>Linear Output Layer</a:t>
-            </a:r>
-          </a:p>
-        </p:txBody>
-      </p:sp>
-      <p:sp>
-        <p:nvSpPr>
           <p:cNvPr id="14" name="Rectangle 13">
             <a:extLst>
               <a:ext uri="{FF2B5EF4-FFF2-40B4-BE49-F238E27FC236}">
@@ -4632,58 +4568,15 @@
           </p:cNvPr>
           <p:cNvCxnSpPr>
             <a:cxnSpLocks/>
+            <a:stCxn id="17" idx="0"/>
             <a:endCxn id="12" idx="2"/>
           </p:cNvCxnSpPr>
           <p:nvPr/>
         </p:nvCxnSpPr>
         <p:spPr>
           <a:xfrm flipV="1">
-            <a:off x="4695821" y="1503589"/>
-            <a:ext cx="0" cy="322263"/>
-          </a:xfrm>
-          <a:prstGeom prst="straightConnector1">
-            <a:avLst/>
-          </a:prstGeom>
-          <a:ln w="12700">
-            <a:solidFill>
-              <a:schemeClr val="tx1"/>
-            </a:solidFill>
-            <a:tailEnd type="triangle"/>
-          </a:ln>
-        </p:spPr>
-        <p:style>
-          <a:lnRef idx="2">
-            <a:schemeClr val="accent1"/>
-          </a:lnRef>
-          <a:fillRef idx="0">
-            <a:schemeClr val="accent1"/>
-          </a:fillRef>
-          <a:effectRef idx="1">
-            <a:schemeClr val="accent1"/>
-          </a:effectRef>
-          <a:fontRef idx="minor">
-            <a:schemeClr val="tx1"/>
-          </a:fontRef>
-        </p:style>
-      </p:cxnSp>
-      <p:cxnSp>
-        <p:nvCxnSpPr>
-          <p:cNvPr id="41" name="Straight Arrow Connector 40">
-            <a:extLst>
-              <a:ext uri="{FF2B5EF4-FFF2-40B4-BE49-F238E27FC236}">
-                <a16:creationId xmlns:a16="http://schemas.microsoft.com/office/drawing/2014/main" id="{917706D6-B4D1-CA22-623A-C7912623A5BF}"/>
-              </a:ext>
-            </a:extLst>
-          </p:cNvPr>
-          <p:cNvCxnSpPr>
-            <a:cxnSpLocks/>
-          </p:cNvCxnSpPr>
-          <p:nvPr/>
-        </p:nvCxnSpPr>
-        <p:spPr>
-          <a:xfrm flipV="1">
-            <a:off x="4695821" y="1133701"/>
-            <a:ext cx="0" cy="169863"/>
+            <a:off x="4695821" y="1432158"/>
+            <a:ext cx="0" cy="393694"/>
           </a:xfrm>
           <a:prstGeom prst="straightConnector1">
             <a:avLst/>
@@ -4980,23 +4873,24 @@
       </p:cxnSp>
       <p:cxnSp>
         <p:nvCxnSpPr>
-          <p:cNvPr id="103" name="Straight Arrow Connector 102">
-            <a:extLst>
-              <a:ext uri="{FF2B5EF4-FFF2-40B4-BE49-F238E27FC236}">
-                <a16:creationId xmlns:a16="http://schemas.microsoft.com/office/drawing/2014/main" id="{D802427B-C7BC-4B43-F44B-5D13875F76B0}"/>
+          <p:cNvPr id="106" name="Straight Arrow Connector 105">
+            <a:extLst>
+              <a:ext uri="{FF2B5EF4-FFF2-40B4-BE49-F238E27FC236}">
+                <a16:creationId xmlns:a16="http://schemas.microsoft.com/office/drawing/2014/main" id="{82CED454-2917-3B0D-C923-0B121D0AD7D6}"/>
               </a:ext>
             </a:extLst>
           </p:cNvPr>
           <p:cNvCxnSpPr>
             <a:cxnSpLocks/>
-            <a:stCxn id="13" idx="0"/>
+            <a:stCxn id="126" idx="0"/>
+            <a:endCxn id="5" idx="2"/>
           </p:cNvCxnSpPr>
           <p:nvPr/>
         </p:nvCxnSpPr>
         <p:spPr>
           <a:xfrm flipH="1" flipV="1">
-            <a:off x="4694868" y="528864"/>
-            <a:ext cx="953" cy="404812"/>
+            <a:off x="4704046" y="6084397"/>
+            <a:ext cx="4249" cy="353863"/>
           </a:xfrm>
           <a:prstGeom prst="straightConnector1">
             <a:avLst/>
@@ -5023,26 +4917,352 @@
           </a:fontRef>
         </p:style>
       </p:cxnSp>
+      <p:sp>
+        <p:nvSpPr>
+          <p:cNvPr id="117" name="TextBox 116">
+            <a:extLst>
+              <a:ext uri="{FF2B5EF4-FFF2-40B4-BE49-F238E27FC236}">
+                <a16:creationId xmlns:a16="http://schemas.microsoft.com/office/drawing/2014/main" id="{B4116A31-89B9-DA09-13DC-7CD905EAC59A}"/>
+              </a:ext>
+            </a:extLst>
+          </p:cNvPr>
+          <p:cNvSpPr txBox="1"/>
+          <p:nvPr/>
+        </p:nvSpPr>
+        <p:spPr>
+          <a:xfrm>
+            <a:off x="3203346" y="1641032"/>
+            <a:ext cx="1263873" cy="307777"/>
+          </a:xfrm>
+          <a:prstGeom prst="rect">
+            <a:avLst/>
+          </a:prstGeom>
+          <a:noFill/>
+        </p:spPr>
+        <p:txBody>
+          <a:bodyPr wrap="square" rtlCol="0">
+            <a:spAutoFit/>
+          </a:bodyPr>
+          <a:lstStyle/>
+          <a:p>
+            <a:pPr algn="ctr"/>
+            <a:r>
+              <a:rPr lang="en-GB" sz="1400" dirty="0"/>
+              <a:t>Transformer</a:t>
+            </a:r>
+          </a:p>
+        </p:txBody>
+      </p:sp>
+      <p:sp>
+        <p:nvSpPr>
+          <p:cNvPr id="118" name="TextBox 117">
+            <a:extLst>
+              <a:ext uri="{FF2B5EF4-FFF2-40B4-BE49-F238E27FC236}">
+                <a16:creationId xmlns:a16="http://schemas.microsoft.com/office/drawing/2014/main" id="{439F4E1A-0DB3-1138-47F0-02D9827B359C}"/>
+              </a:ext>
+            </a:extLst>
+          </p:cNvPr>
+          <p:cNvSpPr txBox="1"/>
+          <p:nvPr/>
+        </p:nvSpPr>
+        <p:spPr>
+          <a:xfrm>
+            <a:off x="2608547" y="1089755"/>
+            <a:ext cx="1010950" cy="523220"/>
+          </a:xfrm>
+          <a:prstGeom prst="rect">
+            <a:avLst/>
+          </a:prstGeom>
+          <a:noFill/>
+        </p:spPr>
+        <p:txBody>
+          <a:bodyPr wrap="square" rtlCol="0">
+            <a:spAutoFit/>
+          </a:bodyPr>
+          <a:lstStyle/>
+          <a:p>
+            <a:pPr algn="ctr"/>
+            <a:r>
+              <a:rPr lang="en-GB" sz="1400" dirty="0"/>
+              <a:t>GPT-2</a:t>
+            </a:r>
+            <a:br>
+              <a:rPr lang="en-GB" sz="1400" dirty="0"/>
+            </a:br>
+            <a:r>
+              <a:rPr lang="en-GB" sz="1400" dirty="0"/>
+              <a:t>Model</a:t>
+            </a:r>
+          </a:p>
+        </p:txBody>
+      </p:sp>
+      <p:sp>
+        <p:nvSpPr>
+          <p:cNvPr id="119" name="TextBox 118">
+            <a:extLst>
+              <a:ext uri="{FF2B5EF4-FFF2-40B4-BE49-F238E27FC236}">
+                <a16:creationId xmlns:a16="http://schemas.microsoft.com/office/drawing/2014/main" id="{4056CF37-1FCE-8CE6-D031-404C6C3C7624}"/>
+              </a:ext>
+            </a:extLst>
+          </p:cNvPr>
+          <p:cNvSpPr txBox="1"/>
+          <p:nvPr/>
+        </p:nvSpPr>
+        <p:spPr>
+          <a:xfrm rot="16200000">
+            <a:off x="1240391" y="3388861"/>
+            <a:ext cx="3601999" cy="307777"/>
+          </a:xfrm>
+          <a:prstGeom prst="rect">
+            <a:avLst/>
+          </a:prstGeom>
+          <a:noFill/>
+        </p:spPr>
+        <p:txBody>
+          <a:bodyPr wrap="square" rtlCol="0">
+            <a:spAutoFit/>
+          </a:bodyPr>
+          <a:lstStyle/>
+          <a:p>
+            <a:pPr algn="ctr"/>
+            <a:r>
+              <a:rPr lang="en-GB" sz="1400" dirty="0"/>
+              <a:t>Stacked N times</a:t>
+            </a:r>
+          </a:p>
+        </p:txBody>
+      </p:sp>
+      <p:sp>
+        <p:nvSpPr>
+          <p:cNvPr id="126" name="TextBox 125">
+            <a:extLst>
+              <a:ext uri="{FF2B5EF4-FFF2-40B4-BE49-F238E27FC236}">
+                <a16:creationId xmlns:a16="http://schemas.microsoft.com/office/drawing/2014/main" id="{17CB5A6F-E45A-C4EF-5FAF-A1A2F957B5C8}"/>
+              </a:ext>
+            </a:extLst>
+          </p:cNvPr>
+          <p:cNvSpPr txBox="1"/>
+          <p:nvPr/>
+        </p:nvSpPr>
+        <p:spPr>
+          <a:xfrm>
+            <a:off x="4008210" y="6438260"/>
+            <a:ext cx="1400170" cy="276999"/>
+          </a:xfrm>
+          <a:prstGeom prst="rect">
+            <a:avLst/>
+          </a:prstGeom>
+          <a:noFill/>
+        </p:spPr>
+        <p:txBody>
+          <a:bodyPr wrap="square" rtlCol="0">
+            <a:spAutoFit/>
+          </a:bodyPr>
+          <a:lstStyle/>
+          <a:p>
+            <a:pPr algn="ctr"/>
+            <a:r>
+              <a:rPr lang="en-GB" sz="1200" dirty="0"/>
+              <a:t>Tokens</a:t>
+            </a:r>
+          </a:p>
+        </p:txBody>
+      </p:sp>
+      <p:sp>
+        <p:nvSpPr>
+          <p:cNvPr id="13" name="Rectangle 12">
+            <a:extLst>
+              <a:ext uri="{FF2B5EF4-FFF2-40B4-BE49-F238E27FC236}">
+                <a16:creationId xmlns:a16="http://schemas.microsoft.com/office/drawing/2014/main" id="{E6AE26B0-E2ED-AB88-79A0-66563BF214A2}"/>
+              </a:ext>
+            </a:extLst>
+          </p:cNvPr>
+          <p:cNvSpPr/>
+          <p:nvPr/>
+        </p:nvSpPr>
+        <p:spPr>
+          <a:xfrm>
+            <a:off x="3050982" y="436763"/>
+            <a:ext cx="1486851" cy="207981"/>
+          </a:xfrm>
+          <a:prstGeom prst="rect">
+            <a:avLst/>
+          </a:prstGeom>
+          <a:solidFill>
+            <a:schemeClr val="accent3">
+              <a:lumMod val="20000"/>
+              <a:lumOff val="80000"/>
+            </a:schemeClr>
+          </a:solidFill>
+          <a:ln w="12700">
+            <a:solidFill>
+              <a:schemeClr val="tx1"/>
+            </a:solidFill>
+          </a:ln>
+        </p:spPr>
+        <p:style>
+          <a:lnRef idx="2">
+            <a:schemeClr val="accent1">
+              <a:shade val="15000"/>
+            </a:schemeClr>
+          </a:lnRef>
+          <a:fillRef idx="1">
+            <a:schemeClr val="accent1"/>
+          </a:fillRef>
+          <a:effectRef idx="0">
+            <a:schemeClr val="accent1"/>
+          </a:effectRef>
+          <a:fontRef idx="minor">
+            <a:schemeClr val="lt1"/>
+          </a:fontRef>
+        </p:style>
+        <p:txBody>
+          <a:bodyPr rtlCol="0" anchor="ctr"/>
+          <a:lstStyle/>
+          <a:p>
+            <a:pPr algn="ctr"/>
+            <a:r>
+              <a:rPr lang="en-GB" sz="1100" dirty="0">
+                <a:solidFill>
+                  <a:schemeClr val="tx1"/>
+                </a:solidFill>
+              </a:rPr>
+              <a:t>Text Prediction</a:t>
+            </a:r>
+          </a:p>
+        </p:txBody>
+      </p:sp>
+      <p:sp>
+        <p:nvSpPr>
+          <p:cNvPr id="24" name="Rectangle 23">
+            <a:extLst>
+              <a:ext uri="{FF2B5EF4-FFF2-40B4-BE49-F238E27FC236}">
+                <a16:creationId xmlns:a16="http://schemas.microsoft.com/office/drawing/2014/main" id="{18CD8D4E-D02C-E804-DF7B-E402182934FE}"/>
+              </a:ext>
+            </a:extLst>
+          </p:cNvPr>
+          <p:cNvSpPr/>
+          <p:nvPr/>
+        </p:nvSpPr>
+        <p:spPr>
+          <a:xfrm>
+            <a:off x="4870259" y="436763"/>
+            <a:ext cx="1486851" cy="207981"/>
+          </a:xfrm>
+          <a:prstGeom prst="rect">
+            <a:avLst/>
+          </a:prstGeom>
+          <a:solidFill>
+            <a:schemeClr val="accent3">
+              <a:lumMod val="20000"/>
+              <a:lumOff val="80000"/>
+            </a:schemeClr>
+          </a:solidFill>
+          <a:ln w="12700">
+            <a:solidFill>
+              <a:schemeClr val="tx1"/>
+            </a:solidFill>
+          </a:ln>
+        </p:spPr>
+        <p:style>
+          <a:lnRef idx="2">
+            <a:schemeClr val="accent1">
+              <a:shade val="15000"/>
+            </a:schemeClr>
+          </a:lnRef>
+          <a:fillRef idx="1">
+            <a:schemeClr val="accent1"/>
+          </a:fillRef>
+          <a:effectRef idx="0">
+            <a:schemeClr val="accent1"/>
+          </a:effectRef>
+          <a:fontRef idx="minor">
+            <a:schemeClr val="lt1"/>
+          </a:fontRef>
+        </p:style>
+        <p:txBody>
+          <a:bodyPr rtlCol="0" anchor="ctr"/>
+          <a:lstStyle/>
+          <a:p>
+            <a:pPr algn="ctr"/>
+            <a:r>
+              <a:rPr lang="en-GB" sz="1100" dirty="0">
+                <a:solidFill>
+                  <a:schemeClr val="tx1"/>
+                </a:solidFill>
+              </a:rPr>
+              <a:t>Task Classifier</a:t>
+            </a:r>
+          </a:p>
+        </p:txBody>
+      </p:sp>
       <p:cxnSp>
         <p:nvCxnSpPr>
-          <p:cNvPr id="106" name="Straight Arrow Connector 105">
-            <a:extLst>
-              <a:ext uri="{FF2B5EF4-FFF2-40B4-BE49-F238E27FC236}">
-                <a16:creationId xmlns:a16="http://schemas.microsoft.com/office/drawing/2014/main" id="{82CED454-2917-3B0D-C923-0B121D0AD7D6}"/>
+          <p:cNvPr id="43" name="Connector: Elbow 42">
+            <a:extLst>
+              <a:ext uri="{FF2B5EF4-FFF2-40B4-BE49-F238E27FC236}">
+                <a16:creationId xmlns:a16="http://schemas.microsoft.com/office/drawing/2014/main" id="{AC69C7E1-22EE-8C0C-DDF9-74496DB89C31}"/>
               </a:ext>
             </a:extLst>
           </p:cNvPr>
           <p:cNvCxnSpPr>
             <a:cxnSpLocks/>
-            <a:stCxn id="126" idx="0"/>
-            <a:endCxn id="5" idx="2"/>
+            <a:stCxn id="13" idx="2"/>
+            <a:endCxn id="24" idx="2"/>
           </p:cNvCxnSpPr>
           <p:nvPr/>
         </p:nvCxnSpPr>
         <p:spPr>
+          <a:xfrm rot="16200000" flipH="1">
+            <a:off x="4704046" y="-264895"/>
+            <a:ext cx="12700" cy="1819277"/>
+          </a:xfrm>
+          <a:prstGeom prst="bentConnector3">
+            <a:avLst>
+              <a:gd name="adj1" fmla="val 1800000"/>
+            </a:avLst>
+          </a:prstGeom>
+          <a:ln w="12700">
+            <a:solidFill>
+              <a:schemeClr val="tx1"/>
+            </a:solidFill>
+            <a:headEnd type="triangle" w="med" len="med"/>
+            <a:tailEnd type="triangle" w="med" len="med"/>
+          </a:ln>
+        </p:spPr>
+        <p:style>
+          <a:lnRef idx="2">
+            <a:schemeClr val="accent1"/>
+          </a:lnRef>
+          <a:fillRef idx="0">
+            <a:schemeClr val="accent1"/>
+          </a:fillRef>
+          <a:effectRef idx="1">
+            <a:schemeClr val="accent1"/>
+          </a:effectRef>
+          <a:fontRef idx="minor">
+            <a:schemeClr val="tx1"/>
+          </a:fontRef>
+        </p:style>
+      </p:cxnSp>
+      <p:cxnSp>
+        <p:nvCxnSpPr>
+          <p:cNvPr id="44" name="Straight Arrow Connector 43">
+            <a:extLst>
+              <a:ext uri="{FF2B5EF4-FFF2-40B4-BE49-F238E27FC236}">
+                <a16:creationId xmlns:a16="http://schemas.microsoft.com/office/drawing/2014/main" id="{F2CEB95C-022E-0AAB-BB2D-5161D02B63F4}"/>
+              </a:ext>
+            </a:extLst>
+          </p:cNvPr>
+          <p:cNvCxnSpPr>
+            <a:cxnSpLocks/>
+          </p:cNvCxnSpPr>
+          <p:nvPr/>
+        </p:nvCxnSpPr>
+        <p:spPr>
           <a:xfrm flipH="1" flipV="1">
-            <a:off x="4704046" y="6084397"/>
-            <a:ext cx="4249" cy="353863"/>
+            <a:off x="4694867" y="859925"/>
+            <a:ext cx="1" cy="372208"/>
           </a:xfrm>
           <a:prstGeom prst="straightConnector1">
             <a:avLst/>
@@ -5051,7 +5271,8 @@
             <a:solidFill>
               <a:schemeClr val="tx1"/>
             </a:solidFill>
-            <a:tailEnd type="triangle"/>
+            <a:headEnd type="none" w="med" len="med"/>
+            <a:tailEnd type="none" w="med" len="med"/>
           </a:ln>
         </p:spPr>
         <p:style>
@@ -5071,10 +5292,10 @@
       </p:cxnSp>
       <p:sp>
         <p:nvSpPr>
-          <p:cNvPr id="117" name="TextBox 116">
-            <a:extLst>
-              <a:ext uri="{FF2B5EF4-FFF2-40B4-BE49-F238E27FC236}">
-                <a16:creationId xmlns:a16="http://schemas.microsoft.com/office/drawing/2014/main" id="{B4116A31-89B9-DA09-13DC-7CD905EAC59A}"/>
+          <p:cNvPr id="51" name="TextBox 50">
+            <a:extLst>
+              <a:ext uri="{FF2B5EF4-FFF2-40B4-BE49-F238E27FC236}">
+                <a16:creationId xmlns:a16="http://schemas.microsoft.com/office/drawing/2014/main" id="{D2C6641B-C45F-5C27-676D-0A2939ACC1F8}"/>
               </a:ext>
             </a:extLst>
           </p:cNvPr>
@@ -5083,8 +5304,8 @@
         </p:nvSpPr>
         <p:spPr>
           <a:xfrm>
-            <a:off x="3167058" y="1717900"/>
-            <a:ext cx="1114425" cy="307777"/>
+            <a:off x="6463320" y="314078"/>
+            <a:ext cx="1033807" cy="461665"/>
           </a:xfrm>
           <a:prstGeom prst="rect">
             <a:avLst/>
@@ -5097,161 +5318,16 @@
           </a:bodyPr>
           <a:lstStyle/>
           <a:p>
-            <a:pPr algn="ctr"/>
-            <a:r>
-              <a:rPr lang="en-GB" sz="1400" dirty="0"/>
-              <a:t>Transformer</a:t>
-            </a:r>
-          </a:p>
-        </p:txBody>
-      </p:sp>
-      <p:sp>
-        <p:nvSpPr>
-          <p:cNvPr id="118" name="TextBox 117">
-            <a:extLst>
-              <a:ext uri="{FF2B5EF4-FFF2-40B4-BE49-F238E27FC236}">
-                <a16:creationId xmlns:a16="http://schemas.microsoft.com/office/drawing/2014/main" id="{439F4E1A-0DB3-1138-47F0-02D9827B359C}"/>
-              </a:ext>
-            </a:extLst>
-          </p:cNvPr>
-          <p:cNvSpPr txBox="1"/>
-          <p:nvPr/>
-        </p:nvSpPr>
-        <p:spPr>
-          <a:xfrm>
-            <a:off x="2608546" y="769361"/>
-            <a:ext cx="877082" cy="584775"/>
-          </a:xfrm>
-          <a:prstGeom prst="rect">
-            <a:avLst/>
-          </a:prstGeom>
-          <a:noFill/>
-        </p:spPr>
-        <p:txBody>
-          <a:bodyPr wrap="square" rtlCol="0">
-            <a:spAutoFit/>
-          </a:bodyPr>
-          <a:lstStyle/>
-          <a:p>
-            <a:pPr algn="ctr"/>
-            <a:r>
-              <a:rPr lang="en-GB" sz="1600" dirty="0"/>
-              <a:t>GPT-2</a:t>
+            <a:r>
+              <a:rPr lang="en-GB" sz="1200" dirty="0"/>
+              <a:t>Application</a:t>
             </a:r>
             <a:br>
-              <a:rPr lang="en-GB" sz="1600" dirty="0"/>
+              <a:rPr lang="en-GB" sz="1200" dirty="0"/>
             </a:br>
             <a:r>
-              <a:rPr lang="en-GB" sz="1600" dirty="0"/>
-              <a:t>Model</a:t>
-            </a:r>
-          </a:p>
-        </p:txBody>
-      </p:sp>
-      <p:sp>
-        <p:nvSpPr>
-          <p:cNvPr id="119" name="TextBox 118">
-            <a:extLst>
-              <a:ext uri="{FF2B5EF4-FFF2-40B4-BE49-F238E27FC236}">
-                <a16:creationId xmlns:a16="http://schemas.microsoft.com/office/drawing/2014/main" id="{4056CF37-1FCE-8CE6-D031-404C6C3C7624}"/>
-              </a:ext>
-            </a:extLst>
-          </p:cNvPr>
-          <p:cNvSpPr txBox="1"/>
-          <p:nvPr/>
-        </p:nvSpPr>
-        <p:spPr>
-          <a:xfrm rot="16200000">
-            <a:off x="1240391" y="3388861"/>
-            <a:ext cx="3601999" cy="307777"/>
-          </a:xfrm>
-          <a:prstGeom prst="rect">
-            <a:avLst/>
-          </a:prstGeom>
-          <a:noFill/>
-        </p:spPr>
-        <p:txBody>
-          <a:bodyPr wrap="square" rtlCol="0">
-            <a:spAutoFit/>
-          </a:bodyPr>
-          <a:lstStyle/>
-          <a:p>
-            <a:pPr algn="ctr"/>
-            <a:r>
-              <a:rPr lang="en-GB" sz="1400" dirty="0"/>
-              <a:t>Stacked N times</a:t>
-            </a:r>
-          </a:p>
-        </p:txBody>
-      </p:sp>
-      <p:sp>
-        <p:nvSpPr>
-          <p:cNvPr id="126" name="TextBox 125">
-            <a:extLst>
-              <a:ext uri="{FF2B5EF4-FFF2-40B4-BE49-F238E27FC236}">
-                <a16:creationId xmlns:a16="http://schemas.microsoft.com/office/drawing/2014/main" id="{17CB5A6F-E45A-C4EF-5FAF-A1A2F957B5C8}"/>
-              </a:ext>
-            </a:extLst>
-          </p:cNvPr>
-          <p:cNvSpPr txBox="1"/>
-          <p:nvPr/>
-        </p:nvSpPr>
-        <p:spPr>
-          <a:xfrm>
-            <a:off x="4008210" y="6438260"/>
-            <a:ext cx="1400170" cy="276999"/>
-          </a:xfrm>
-          <a:prstGeom prst="rect">
-            <a:avLst/>
-          </a:prstGeom>
-          <a:noFill/>
-        </p:spPr>
-        <p:txBody>
-          <a:bodyPr wrap="square" rtlCol="0">
-            <a:spAutoFit/>
-          </a:bodyPr>
-          <a:lstStyle/>
-          <a:p>
-            <a:pPr algn="ctr"/>
-            <a:r>
               <a:rPr lang="en-GB" sz="1200" dirty="0"/>
-              <a:t>Tokens</a:t>
-            </a:r>
-          </a:p>
-        </p:txBody>
-      </p:sp>
-      <p:sp>
-        <p:nvSpPr>
-          <p:cNvPr id="2" name="TextBox 1">
-            <a:extLst>
-              <a:ext uri="{FF2B5EF4-FFF2-40B4-BE49-F238E27FC236}">
-                <a16:creationId xmlns:a16="http://schemas.microsoft.com/office/drawing/2014/main" id="{BFF51514-B523-7A2B-F253-EBA5EEE99B21}"/>
-              </a:ext>
-            </a:extLst>
-          </p:cNvPr>
-          <p:cNvSpPr txBox="1"/>
-          <p:nvPr/>
-        </p:nvSpPr>
-        <p:spPr>
-          <a:xfrm>
-            <a:off x="3791392" y="294730"/>
-            <a:ext cx="1821085" cy="276999"/>
-          </a:xfrm>
-          <a:prstGeom prst="rect">
-            <a:avLst/>
-          </a:prstGeom>
-          <a:noFill/>
-        </p:spPr>
-        <p:txBody>
-          <a:bodyPr wrap="square" rtlCol="0">
-            <a:spAutoFit/>
-          </a:bodyPr>
-          <a:lstStyle/>
-          <a:p>
-            <a:pPr algn="ctr"/>
-            <a:r>
-              <a:rPr lang="en-GB" sz="1200" dirty="0"/>
-              <a:t>Next-token Probabilities</a:t>
+              <a:t>Linear Layer</a:t>
             </a:r>
           </a:p>
         </p:txBody>

--- a/pictures/drawings.pptx
+++ b/pictures/drawings.pptx
@@ -261,7 +261,7 @@
           <a:p>
             <a:fld id="{4B21A34F-9ACB-4B9A-AC90-B216D47E3709}" type="datetimeFigureOut">
               <a:rPr lang="en-GB" smtClean="0"/>
-              <a:t>10/11/2025</a:t>
+              <a:t>21/11/2025</a:t>
             </a:fld>
             <a:endParaRPr lang="en-GB"/>
           </a:p>
@@ -461,7 +461,7 @@
           <a:p>
             <a:fld id="{4B21A34F-9ACB-4B9A-AC90-B216D47E3709}" type="datetimeFigureOut">
               <a:rPr lang="en-GB" smtClean="0"/>
-              <a:t>10/11/2025</a:t>
+              <a:t>21/11/2025</a:t>
             </a:fld>
             <a:endParaRPr lang="en-GB"/>
           </a:p>
@@ -671,7 +671,7 @@
           <a:p>
             <a:fld id="{4B21A34F-9ACB-4B9A-AC90-B216D47E3709}" type="datetimeFigureOut">
               <a:rPr lang="en-GB" smtClean="0"/>
-              <a:t>10/11/2025</a:t>
+              <a:t>21/11/2025</a:t>
             </a:fld>
             <a:endParaRPr lang="en-GB"/>
           </a:p>
@@ -871,7 +871,7 @@
           <a:p>
             <a:fld id="{4B21A34F-9ACB-4B9A-AC90-B216D47E3709}" type="datetimeFigureOut">
               <a:rPr lang="en-GB" smtClean="0"/>
-              <a:t>10/11/2025</a:t>
+              <a:t>21/11/2025</a:t>
             </a:fld>
             <a:endParaRPr lang="en-GB"/>
           </a:p>
@@ -1147,7 +1147,7 @@
           <a:p>
             <a:fld id="{4B21A34F-9ACB-4B9A-AC90-B216D47E3709}" type="datetimeFigureOut">
               <a:rPr lang="en-GB" smtClean="0"/>
-              <a:t>10/11/2025</a:t>
+              <a:t>21/11/2025</a:t>
             </a:fld>
             <a:endParaRPr lang="en-GB"/>
           </a:p>
@@ -1415,7 +1415,7 @@
           <a:p>
             <a:fld id="{4B21A34F-9ACB-4B9A-AC90-B216D47E3709}" type="datetimeFigureOut">
               <a:rPr lang="en-GB" smtClean="0"/>
-              <a:t>10/11/2025</a:t>
+              <a:t>21/11/2025</a:t>
             </a:fld>
             <a:endParaRPr lang="en-GB"/>
           </a:p>
@@ -1830,7 +1830,7 @@
           <a:p>
             <a:fld id="{4B21A34F-9ACB-4B9A-AC90-B216D47E3709}" type="datetimeFigureOut">
               <a:rPr lang="en-GB" smtClean="0"/>
-              <a:t>10/11/2025</a:t>
+              <a:t>21/11/2025</a:t>
             </a:fld>
             <a:endParaRPr lang="en-GB"/>
           </a:p>
@@ -1972,7 +1972,7 @@
           <a:p>
             <a:fld id="{4B21A34F-9ACB-4B9A-AC90-B216D47E3709}" type="datetimeFigureOut">
               <a:rPr lang="en-GB" smtClean="0"/>
-              <a:t>10/11/2025</a:t>
+              <a:t>21/11/2025</a:t>
             </a:fld>
             <a:endParaRPr lang="en-GB"/>
           </a:p>
@@ -2085,7 +2085,7 @@
           <a:p>
             <a:fld id="{4B21A34F-9ACB-4B9A-AC90-B216D47E3709}" type="datetimeFigureOut">
               <a:rPr lang="en-GB" smtClean="0"/>
-              <a:t>10/11/2025</a:t>
+              <a:t>21/11/2025</a:t>
             </a:fld>
             <a:endParaRPr lang="en-GB"/>
           </a:p>
@@ -2398,7 +2398,7 @@
           <a:p>
             <a:fld id="{4B21A34F-9ACB-4B9A-AC90-B216D47E3709}" type="datetimeFigureOut">
               <a:rPr lang="en-GB" smtClean="0"/>
-              <a:t>10/11/2025</a:t>
+              <a:t>21/11/2025</a:t>
             </a:fld>
             <a:endParaRPr lang="en-GB"/>
           </a:p>
@@ -2687,7 +2687,7 @@
           <a:p>
             <a:fld id="{4B21A34F-9ACB-4B9A-AC90-B216D47E3709}" type="datetimeFigureOut">
               <a:rPr lang="en-GB" smtClean="0"/>
-              <a:t>10/11/2025</a:t>
+              <a:t>21/11/2025</a:t>
             </a:fld>
             <a:endParaRPr lang="en-GB"/>
           </a:p>
@@ -2930,7 +2930,7 @@
           <a:p>
             <a:fld id="{4B21A34F-9ACB-4B9A-AC90-B216D47E3709}" type="datetimeFigureOut">
               <a:rPr lang="en-GB" smtClean="0"/>
-              <a:t>10/11/2025</a:t>
+              <a:t>21/11/2025</a:t>
             </a:fld>
             <a:endParaRPr lang="en-GB"/>
           </a:p>
@@ -5327,7 +5327,7 @@
             </a:br>
             <a:r>
               <a:rPr lang="en-GB" sz="1200" dirty="0"/>
-              <a:t>Linear Layer</a:t>
+              <a:t>Head</a:t>
             </a:r>
           </a:p>
         </p:txBody>
